--- a/paper1/lava-arch.pptx
+++ b/paper1/lava-arch.pptx
@@ -2,7 +2,7 @@
 <file path=ppt/presentation.xml><?xml version="1.0" encoding="utf-8"?>
 <p:presentation xmlns:a="http://schemas.openxmlformats.org/drawingml/2006/main" xmlns:r="http://schemas.openxmlformats.org/officeDocument/2006/relationships" xmlns:p="http://schemas.openxmlformats.org/presentationml/2006/main" strictFirstAndLastChars="0" saveSubsetFonts="1" autoCompressPictures="0">
   <p:sldMasterIdLst>
-    <p:sldMasterId id="2147483648" r:id="rId1"/>
+    <p:sldMasterId id="2147483663" r:id="rId1"/>
   </p:sldMasterIdLst>
   <p:notesMasterIdLst>
     <p:notesMasterId r:id="rId3"/>
@@ -951,7 +951,7 @@
 </file>
 
 <file path=ppt/slideLayouts/slideLayout1.xml><?xml version="1.0" encoding="utf-8"?>
-<p:sldLayout xmlns:a="http://schemas.openxmlformats.org/drawingml/2006/main" xmlns:r="http://schemas.openxmlformats.org/officeDocument/2006/relationships" xmlns:p="http://schemas.openxmlformats.org/presentationml/2006/main" showMasterSp="0" type="title" preserve="1">
+<p:sldLayout xmlns:a="http://schemas.openxmlformats.org/drawingml/2006/main" xmlns:r="http://schemas.openxmlformats.org/officeDocument/2006/relationships" xmlns:p="http://schemas.openxmlformats.org/presentationml/2006/main" type="title" preserve="1">
   <p:cSld name="Title Slide">
     <p:spTree>
       <p:nvGrpSpPr>
@@ -969,9 +969,9 @@
       </p:grpSpPr>
       <p:sp>
         <p:nvSpPr>
-          <p:cNvPr id="6146" name="Rectangle 1026"/>
-          <p:cNvSpPr>
-            <a:spLocks noGrp="1" noChangeArrowheads="1"/>
+          <p:cNvPr id="2" name="Title 1"/>
+          <p:cNvSpPr>
+            <a:spLocks noGrp="1"/>
           </p:cNvSpPr>
           <p:nvPr>
             <p:ph type="ctrTitle"/>
@@ -979,85 +979,209 @@
         </p:nvSpPr>
         <p:spPr>
           <a:xfrm>
-            <a:off x="832104" y="1389888"/>
-            <a:ext cx="7479792" cy="1298448"/>
+            <a:off x="685800" y="2130425"/>
+            <a:ext cx="7772400" cy="1470025"/>
           </a:xfrm>
         </p:spPr>
         <p:txBody>
-          <a:bodyPr anchor="b" anchorCtr="0"/>
-          <a:lstStyle>
-            <a:lvl1pPr>
-              <a:lnSpc>
-                <a:spcPct val="100000"/>
-              </a:lnSpc>
-              <a:spcAft>
-                <a:spcPts val="600"/>
-              </a:spcAft>
-              <a:defRPr sz="3600"/>
-            </a:lvl1pPr>
-          </a:lstStyle>
-          <a:p>
-            <a:r>
-              <a:rPr lang="en-US" altLang="en-US" smtClean="0"/>
+          <a:bodyPr/>
+          <a:lstStyle/>
+          <a:p>
+            <a:r>
+              <a:rPr lang="en-US" smtClean="0"/>
               <a:t>Click to edit Master title style</a:t>
             </a:r>
-            <a:endParaRPr lang="en-US" altLang="en-US" dirty="0"/>
-          </a:p>
-        </p:txBody>
-      </p:sp>
-      <p:sp>
-        <p:nvSpPr>
-          <p:cNvPr id="6202" name="Rectangle 1082"/>
-          <p:cNvSpPr>
-            <a:spLocks noGrp="1" noChangeArrowheads="1"/>
-          </p:cNvSpPr>
-          <p:nvPr>
-            <p:ph type="subTitle" sz="quarter" idx="1"/>
+            <a:endParaRPr lang="en-US"/>
+          </a:p>
+        </p:txBody>
+      </p:sp>
+      <p:sp>
+        <p:nvSpPr>
+          <p:cNvPr id="3" name="Subtitle 2"/>
+          <p:cNvSpPr>
+            <a:spLocks noGrp="1"/>
+          </p:cNvSpPr>
+          <p:nvPr>
+            <p:ph type="subTitle" idx="1"/>
           </p:nvPr>
         </p:nvSpPr>
         <p:spPr>
           <a:xfrm>
-            <a:off x="832104" y="3008376"/>
-            <a:ext cx="7479792" cy="1792224"/>
+            <a:off x="1371600" y="3886200"/>
+            <a:ext cx="6400800" cy="1752600"/>
           </a:xfrm>
-          <a:prstGeom prst="rect">
-            <a:avLst/>
-          </a:prstGeom>
-          <a:ln w="12700">
-            <a:headEnd type="none" w="sm" len="sm"/>
-            <a:tailEnd type="none" w="sm" len="sm"/>
-          </a:ln>
         </p:spPr>
         <p:txBody>
-          <a:bodyPr lIns="91440" tIns="45720" rIns="91440" bIns="45720" anchor="ctr" anchorCtr="0"/>
+          <a:bodyPr/>
           <a:lstStyle>
             <a:lvl1pPr marL="0" indent="0" algn="ctr">
-              <a:lnSpc>
-                <a:spcPct val="100000"/>
-              </a:lnSpc>
-              <a:spcBef>
-                <a:spcPts val="0"/>
-              </a:spcBef>
-              <a:spcAft>
-                <a:spcPts val="2400"/>
-              </a:spcAft>
-              <a:buFontTx/>
-              <a:buNone/>
-              <a:defRPr sz="2200"/>
+              <a:buNone/>
+              <a:defRPr>
+                <a:solidFill>
+                  <a:schemeClr val="tx1">
+                    <a:tint val="75000"/>
+                  </a:schemeClr>
+                </a:solidFill>
+              </a:defRPr>
             </a:lvl1pPr>
+            <a:lvl2pPr marL="457200" indent="0" algn="ctr">
+              <a:buNone/>
+              <a:defRPr>
+                <a:solidFill>
+                  <a:schemeClr val="tx1">
+                    <a:tint val="75000"/>
+                  </a:schemeClr>
+                </a:solidFill>
+              </a:defRPr>
+            </a:lvl2pPr>
+            <a:lvl3pPr marL="914400" indent="0" algn="ctr">
+              <a:buNone/>
+              <a:defRPr>
+                <a:solidFill>
+                  <a:schemeClr val="tx1">
+                    <a:tint val="75000"/>
+                  </a:schemeClr>
+                </a:solidFill>
+              </a:defRPr>
+            </a:lvl3pPr>
+            <a:lvl4pPr marL="1371600" indent="0" algn="ctr">
+              <a:buNone/>
+              <a:defRPr>
+                <a:solidFill>
+                  <a:schemeClr val="tx1">
+                    <a:tint val="75000"/>
+                  </a:schemeClr>
+                </a:solidFill>
+              </a:defRPr>
+            </a:lvl4pPr>
+            <a:lvl5pPr marL="1828800" indent="0" algn="ctr">
+              <a:buNone/>
+              <a:defRPr>
+                <a:solidFill>
+                  <a:schemeClr val="tx1">
+                    <a:tint val="75000"/>
+                  </a:schemeClr>
+                </a:solidFill>
+              </a:defRPr>
+            </a:lvl5pPr>
+            <a:lvl6pPr marL="2286000" indent="0" algn="ctr">
+              <a:buNone/>
+              <a:defRPr>
+                <a:solidFill>
+                  <a:schemeClr val="tx1">
+                    <a:tint val="75000"/>
+                  </a:schemeClr>
+                </a:solidFill>
+              </a:defRPr>
+            </a:lvl6pPr>
+            <a:lvl7pPr marL="2743200" indent="0" algn="ctr">
+              <a:buNone/>
+              <a:defRPr>
+                <a:solidFill>
+                  <a:schemeClr val="tx1">
+                    <a:tint val="75000"/>
+                  </a:schemeClr>
+                </a:solidFill>
+              </a:defRPr>
+            </a:lvl7pPr>
+            <a:lvl8pPr marL="3200400" indent="0" algn="ctr">
+              <a:buNone/>
+              <a:defRPr>
+                <a:solidFill>
+                  <a:schemeClr val="tx1">
+                    <a:tint val="75000"/>
+                  </a:schemeClr>
+                </a:solidFill>
+              </a:defRPr>
+            </a:lvl8pPr>
+            <a:lvl9pPr marL="3657600" indent="0" algn="ctr">
+              <a:buNone/>
+              <a:defRPr>
+                <a:solidFill>
+                  <a:schemeClr val="tx1">
+                    <a:tint val="75000"/>
+                  </a:schemeClr>
+                </a:solidFill>
+              </a:defRPr>
+            </a:lvl9pPr>
           </a:lstStyle>
           <a:p>
             <a:r>
-              <a:rPr lang="en-US" altLang="en-US" smtClean="0"/>
+              <a:rPr lang="en-US" smtClean="0"/>
               <a:t>Click to edit Master subtitle style</a:t>
             </a:r>
-            <a:endParaRPr lang="en-US" altLang="en-US" dirty="0"/>
-          </a:p>
-        </p:txBody>
-      </p:sp>
-      <p:sp>
-        <p:nvSpPr>
-          <p:cNvPr id="9" name="Freeform 8"/>
+            <a:endParaRPr lang="en-US"/>
+          </a:p>
+        </p:txBody>
+      </p:sp>
+      <p:sp>
+        <p:nvSpPr>
+          <p:cNvPr id="4" name="Date Placeholder 3"/>
+          <p:cNvSpPr>
+            <a:spLocks noGrp="1"/>
+          </p:cNvSpPr>
+          <p:nvPr>
+            <p:ph type="dt" sz="half" idx="10"/>
+          </p:nvPr>
+        </p:nvSpPr>
+        <p:spPr/>
+        <p:txBody>
+          <a:bodyPr/>
+          <a:lstStyle/>
+          <a:p>
+            <a:fld id="{D8602FEB-BDEF-874E-8684-5926EEF90688}" type="datetimeFigureOut">
+              <a:rPr lang="en-US" smtClean="0"/>
+              <a:t>10/9/15</a:t>
+            </a:fld>
+            <a:endParaRPr lang="en-US"/>
+          </a:p>
+        </p:txBody>
+      </p:sp>
+      <p:sp>
+        <p:nvSpPr>
+          <p:cNvPr id="5" name="Footer Placeholder 4"/>
+          <p:cNvSpPr>
+            <a:spLocks noGrp="1"/>
+          </p:cNvSpPr>
+          <p:nvPr>
+            <p:ph type="ftr" sz="quarter" idx="11"/>
+          </p:nvPr>
+        </p:nvSpPr>
+        <p:spPr/>
+        <p:txBody>
+          <a:bodyPr/>
+          <a:lstStyle/>
+          <a:p>
+            <a:endParaRPr lang="en-US"/>
+          </a:p>
+        </p:txBody>
+      </p:sp>
+      <p:sp>
+        <p:nvSpPr>
+          <p:cNvPr id="6" name="Slide Number Placeholder 5"/>
+          <p:cNvSpPr>
+            <a:spLocks noGrp="1"/>
+          </p:cNvSpPr>
+          <p:nvPr>
+            <p:ph type="sldNum" sz="quarter" idx="12"/>
+          </p:nvPr>
+        </p:nvSpPr>
+        <p:spPr/>
+        <p:txBody>
+          <a:bodyPr/>
+          <a:lstStyle/>
+          <a:p>
+            <a:fld id="{0EA0CB27-BC86-2F4A-BD4B-6414B7FEA2A4}" type="slidenum">
+              <a:rPr lang="en-US" smtClean="0"/>
+              <a:t>‹#›</a:t>
+            </a:fld>
+            <a:endParaRPr lang="en-US"/>
+          </a:p>
+        </p:txBody>
+      </p:sp>
+      <p:sp>
+        <p:nvSpPr>
+          <p:cNvPr id="7" name="Freeform 6"/>
           <p:cNvSpPr>
             <a:spLocks/>
           </p:cNvSpPr>
@@ -1124,7 +1248,7 @@
       </p:sp>
       <p:sp>
         <p:nvSpPr>
-          <p:cNvPr id="10" name="Freeform 8"/>
+          <p:cNvPr id="8" name="Freeform 8"/>
           <p:cNvSpPr>
             <a:spLocks/>
           </p:cNvSpPr>
@@ -1191,7 +1315,7 @@
       </p:sp>
       <p:pic>
         <p:nvPicPr>
-          <p:cNvPr id="2" name="Picture 1" descr="LL_Logo_blue.png"/>
+          <p:cNvPr id="9" name="Picture 8" descr="LL_Logo_blue.png"/>
           <p:cNvPicPr>
             <a:picLocks noChangeAspect="1"/>
           </p:cNvPicPr>
@@ -1220,6 +1344,11 @@
         </p:spPr>
       </p:pic>
     </p:spTree>
+    <p:extLst>
+      <p:ext uri="{BB962C8B-B14F-4D97-AF65-F5344CB8AC3E}">
+        <p14:creationId xmlns:p14="http://schemas.microsoft.com/office/powerpoint/2010/main" val="174890803"/>
+      </p:ext>
+    </p:extLst>
   </p:cSld>
   <p:clrMapOvr>
     <a:masterClrMapping/>
@@ -1228,8 +1357,8 @@
 </file>
 
 <file path=ppt/slideLayouts/slideLayout10.xml><?xml version="1.0" encoding="utf-8"?>
-<p:sldLayout xmlns:a="http://schemas.openxmlformats.org/drawingml/2006/main" xmlns:r="http://schemas.openxmlformats.org/officeDocument/2006/relationships" xmlns:p="http://schemas.openxmlformats.org/presentationml/2006/main" preserve="1" userDrawn="1">
-  <p:cSld name="Chart">
+<p:sldLayout xmlns:a="http://schemas.openxmlformats.org/drawingml/2006/main" xmlns:r="http://schemas.openxmlformats.org/officeDocument/2006/relationships" xmlns:p="http://schemas.openxmlformats.org/presentationml/2006/main" type="vertTx" preserve="1">
+  <p:cSld name="Title and Vertical Text">
     <p:spTree>
       <p:nvGrpSpPr>
         <p:cNvPr id="1" name=""/>
@@ -1269,108 +1398,18 @@
       </p:sp>
       <p:sp>
         <p:nvSpPr>
-          <p:cNvPr id="4" name="Chart Placeholder 3"/>
-          <p:cNvSpPr>
-            <a:spLocks noGrp="1"/>
-          </p:cNvSpPr>
-          <p:nvPr>
-            <p:ph type="chart" sz="quarter" idx="10"/>
-          </p:nvPr>
-        </p:nvSpPr>
-        <p:spPr>
-          <a:xfrm>
-            <a:off x="1344168" y="1700784"/>
-            <a:ext cx="6455664" cy="3941064"/>
-          </a:xfrm>
-          <a:prstGeom prst="rect">
-            <a:avLst/>
-          </a:prstGeom>
-          <a:ln w="12700">
-            <a:solidFill>
-              <a:schemeClr val="tx1"/>
-            </a:solidFill>
-          </a:ln>
-        </p:spPr>
-        <p:txBody>
-          <a:bodyPr vert="horz"/>
-          <a:lstStyle>
-            <a:lvl1pPr marL="0" indent="0">
-              <a:lnSpc>
-                <a:spcPts val="2000"/>
-              </a:lnSpc>
-              <a:spcBef>
-                <a:spcPts val="300"/>
-              </a:spcBef>
-              <a:spcAft>
-                <a:spcPts val="600"/>
-              </a:spcAft>
-              <a:buFontTx/>
-              <a:buNone/>
-              <a:defRPr/>
-            </a:lvl1pPr>
-          </a:lstStyle>
-          <a:p>
-            <a:r>
-              <a:rPr lang="en-US" smtClean="0"/>
-              <a:t>Click icon to add chart</a:t>
-            </a:r>
-            <a:endParaRPr lang="en-US" dirty="0"/>
-          </a:p>
-        </p:txBody>
-      </p:sp>
-      <p:sp>
-        <p:nvSpPr>
-          <p:cNvPr id="5" name="Text Placeholder 4"/>
-          <p:cNvSpPr>
-            <a:spLocks noGrp="1"/>
-          </p:cNvSpPr>
-          <p:nvPr>
-            <p:ph type="body" sz="quarter" idx="11"/>
-          </p:nvPr>
-        </p:nvSpPr>
-        <p:spPr>
-          <a:xfrm>
-            <a:off x="1344168" y="1252728"/>
-            <a:ext cx="6455664" cy="374904"/>
-          </a:xfrm>
-          <a:prstGeom prst="rect">
-            <a:avLst/>
-          </a:prstGeom>
-        </p:spPr>
-        <p:txBody>
-          <a:bodyPr vert="horz" anchor="b" anchorCtr="0"/>
-          <a:lstStyle>
-            <a:lvl1pPr marL="0" indent="0" algn="ctr">
-              <a:lnSpc>
-                <a:spcPts val="2000"/>
-              </a:lnSpc>
-              <a:spcBef>
-                <a:spcPts val="300"/>
-              </a:spcBef>
-              <a:spcAft>
-                <a:spcPts val="600"/>
-              </a:spcAft>
-              <a:buFontTx/>
-              <a:buNone/>
-              <a:defRPr sz="1800" baseline="0"/>
-            </a:lvl1pPr>
-            <a:lvl2pPr marL="520700" indent="0">
-              <a:buNone/>
-              <a:defRPr/>
-            </a:lvl2pPr>
-            <a:lvl3pPr marL="976313" indent="0">
-              <a:buNone/>
-              <a:defRPr/>
-            </a:lvl3pPr>
-            <a:lvl4pPr marL="1427162" indent="0">
-              <a:buNone/>
-              <a:defRPr/>
-            </a:lvl4pPr>
-            <a:lvl5pPr>
-              <a:buNone/>
-              <a:defRPr/>
-            </a:lvl5pPr>
-          </a:lstStyle>
+          <p:cNvPr id="3" name="Vertical Text Placeholder 2"/>
+          <p:cNvSpPr>
+            <a:spLocks noGrp="1"/>
+          </p:cNvSpPr>
+          <p:nvPr>
+            <p:ph type="body" orient="vert" idx="1"/>
+          </p:nvPr>
+        </p:nvSpPr>
+        <p:spPr/>
+        <p:txBody>
+          <a:bodyPr vert="eaVert"/>
+          <a:lstStyle/>
           <a:p>
             <a:pPr lvl="0"/>
             <a:r>
@@ -1378,74 +1417,106 @@
               <a:t>Click to edit Master text styles</a:t>
             </a:r>
           </a:p>
-        </p:txBody>
-      </p:sp>
-      <p:sp>
-        <p:nvSpPr>
-          <p:cNvPr id="6" name="Text Placeholder 4"/>
-          <p:cNvSpPr>
-            <a:spLocks noGrp="1"/>
-          </p:cNvSpPr>
-          <p:nvPr>
-            <p:ph type="body" sz="quarter" idx="12"/>
-          </p:nvPr>
-        </p:nvSpPr>
-        <p:spPr>
-          <a:xfrm>
-            <a:off x="1344168" y="5705856"/>
-            <a:ext cx="6455664" cy="274320"/>
-          </a:xfrm>
-          <a:prstGeom prst="rect">
-            <a:avLst/>
-          </a:prstGeom>
-        </p:spPr>
-        <p:txBody>
-          <a:bodyPr vert="horz" anchor="t" anchorCtr="0"/>
-          <a:lstStyle>
-            <a:lvl1pPr marL="0" indent="0" algn="ctr">
-              <a:lnSpc>
-                <a:spcPts val="1400"/>
-              </a:lnSpc>
-              <a:spcBef>
-                <a:spcPts val="300"/>
-              </a:spcBef>
-              <a:spcAft>
-                <a:spcPts val="600"/>
-              </a:spcAft>
-              <a:buFontTx/>
-              <a:buNone/>
-              <a:defRPr sz="1200" b="1" i="0" baseline="0"/>
-            </a:lvl1pPr>
-            <a:lvl2pPr marL="520700" indent="0">
-              <a:buNone/>
-              <a:defRPr/>
-            </a:lvl2pPr>
-            <a:lvl3pPr marL="976313" indent="0">
-              <a:buNone/>
-              <a:defRPr/>
-            </a:lvl3pPr>
-            <a:lvl4pPr marL="1427162" indent="0">
-              <a:buNone/>
-              <a:defRPr/>
-            </a:lvl4pPr>
-            <a:lvl5pPr>
-              <a:buNone/>
-              <a:defRPr/>
-            </a:lvl5pPr>
-          </a:lstStyle>
-          <a:p>
-            <a:pPr lvl="0"/>
-            <a:r>
-              <a:rPr lang="en-US" smtClean="0"/>
-              <a:t>Click to edit Master text styles</a:t>
-            </a:r>
+          <a:p>
+            <a:pPr lvl="1"/>
+            <a:r>
+              <a:rPr lang="en-US" smtClean="0"/>
+              <a:t>Second level</a:t>
+            </a:r>
+          </a:p>
+          <a:p>
+            <a:pPr lvl="2"/>
+            <a:r>
+              <a:rPr lang="en-US" smtClean="0"/>
+              <a:t>Third level</a:t>
+            </a:r>
+          </a:p>
+          <a:p>
+            <a:pPr lvl="3"/>
+            <a:r>
+              <a:rPr lang="en-US" smtClean="0"/>
+              <a:t>Fourth level</a:t>
+            </a:r>
+          </a:p>
+          <a:p>
+            <a:pPr lvl="4"/>
+            <a:r>
+              <a:rPr lang="en-US" smtClean="0"/>
+              <a:t>Fifth level</a:t>
+            </a:r>
+            <a:endParaRPr lang="en-US"/>
+          </a:p>
+        </p:txBody>
+      </p:sp>
+      <p:sp>
+        <p:nvSpPr>
+          <p:cNvPr id="4" name="Date Placeholder 3"/>
+          <p:cNvSpPr>
+            <a:spLocks noGrp="1"/>
+          </p:cNvSpPr>
+          <p:nvPr>
+            <p:ph type="dt" sz="half" idx="10"/>
+          </p:nvPr>
+        </p:nvSpPr>
+        <p:spPr/>
+        <p:txBody>
+          <a:bodyPr/>
+          <a:lstStyle/>
+          <a:p>
+            <a:fld id="{D8602FEB-BDEF-874E-8684-5926EEF90688}" type="datetimeFigureOut">
+              <a:rPr lang="en-US" smtClean="0"/>
+              <a:t>10/9/15</a:t>
+            </a:fld>
+            <a:endParaRPr lang="en-US"/>
+          </a:p>
+        </p:txBody>
+      </p:sp>
+      <p:sp>
+        <p:nvSpPr>
+          <p:cNvPr id="5" name="Footer Placeholder 4"/>
+          <p:cNvSpPr>
+            <a:spLocks noGrp="1"/>
+          </p:cNvSpPr>
+          <p:nvPr>
+            <p:ph type="ftr" sz="quarter" idx="11"/>
+          </p:nvPr>
+        </p:nvSpPr>
+        <p:spPr/>
+        <p:txBody>
+          <a:bodyPr/>
+          <a:lstStyle/>
+          <a:p>
+            <a:endParaRPr lang="en-US"/>
+          </a:p>
+        </p:txBody>
+      </p:sp>
+      <p:sp>
+        <p:nvSpPr>
+          <p:cNvPr id="6" name="Slide Number Placeholder 5"/>
+          <p:cNvSpPr>
+            <a:spLocks noGrp="1"/>
+          </p:cNvSpPr>
+          <p:nvPr>
+            <p:ph type="sldNum" sz="quarter" idx="12"/>
+          </p:nvPr>
+        </p:nvSpPr>
+        <p:spPr/>
+        <p:txBody>
+          <a:bodyPr/>
+          <a:lstStyle/>
+          <a:p>
+            <a:fld id="{0EA0CB27-BC86-2F4A-BD4B-6414B7FEA2A4}" type="slidenum">
+              <a:rPr lang="en-US" smtClean="0"/>
+              <a:t>‹#›</a:t>
+            </a:fld>
+            <a:endParaRPr lang="en-US"/>
           </a:p>
         </p:txBody>
       </p:sp>
     </p:spTree>
     <p:extLst>
       <p:ext uri="{BB962C8B-B14F-4D97-AF65-F5344CB8AC3E}">
-        <p14:creationId xmlns:p14="http://schemas.microsoft.com/office/powerpoint/2010/main" val="2007096246"/>
+        <p14:creationId xmlns:p14="http://schemas.microsoft.com/office/powerpoint/2010/main" val="720263987"/>
       </p:ext>
     </p:extLst>
   </p:cSld>
@@ -1455,9 +1526,9 @@
 </p:sldLayout>
 </file>
 
-<file path=ppt/slideLayouts/slideLayout2.xml><?xml version="1.0" encoding="utf-8"?>
-<p:sldLayout xmlns:a="http://schemas.openxmlformats.org/drawingml/2006/main" xmlns:r="http://schemas.openxmlformats.org/officeDocument/2006/relationships" xmlns:p="http://schemas.openxmlformats.org/presentationml/2006/main" type="obj" preserve="1">
-  <p:cSld name="Title and Content">
+<file path=ppt/slideLayouts/slideLayout11.xml><?xml version="1.0" encoding="utf-8"?>
+<p:sldLayout xmlns:a="http://schemas.openxmlformats.org/drawingml/2006/main" xmlns:r="http://schemas.openxmlformats.org/officeDocument/2006/relationships" xmlns:p="http://schemas.openxmlformats.org/presentationml/2006/main" type="vertTitleAndTx" preserve="1">
+  <p:cSld name="Vertical Title and Text">
     <p:spTree>
       <p:nvGrpSpPr>
         <p:cNvPr id="1" name=""/>
@@ -1474,12 +1545,97 @@
       </p:grpSpPr>
       <p:sp>
         <p:nvSpPr>
-          <p:cNvPr id="2" name="Title 1"/>
-          <p:cNvSpPr>
-            <a:spLocks noGrp="1"/>
-          </p:cNvSpPr>
-          <p:nvPr>
-            <p:ph type="title"/>
+          <p:cNvPr id="2" name="Vertical Title 1"/>
+          <p:cNvSpPr>
+            <a:spLocks noGrp="1"/>
+          </p:cNvSpPr>
+          <p:nvPr>
+            <p:ph type="title" orient="vert"/>
+          </p:nvPr>
+        </p:nvSpPr>
+        <p:spPr>
+          <a:xfrm>
+            <a:off x="6629400" y="274638"/>
+            <a:ext cx="2057400" cy="5851525"/>
+          </a:xfrm>
+        </p:spPr>
+        <p:txBody>
+          <a:bodyPr vert="eaVert"/>
+          <a:lstStyle/>
+          <a:p>
+            <a:r>
+              <a:rPr lang="en-US" smtClean="0"/>
+              <a:t>Click to edit Master title style</a:t>
+            </a:r>
+            <a:endParaRPr lang="en-US"/>
+          </a:p>
+        </p:txBody>
+      </p:sp>
+      <p:sp>
+        <p:nvSpPr>
+          <p:cNvPr id="3" name="Vertical Text Placeholder 2"/>
+          <p:cNvSpPr>
+            <a:spLocks noGrp="1"/>
+          </p:cNvSpPr>
+          <p:nvPr>
+            <p:ph type="body" orient="vert" idx="1"/>
+          </p:nvPr>
+        </p:nvSpPr>
+        <p:spPr>
+          <a:xfrm>
+            <a:off x="457200" y="274638"/>
+            <a:ext cx="6019800" cy="5851525"/>
+          </a:xfrm>
+        </p:spPr>
+        <p:txBody>
+          <a:bodyPr vert="eaVert"/>
+          <a:lstStyle/>
+          <a:p>
+            <a:pPr lvl="0"/>
+            <a:r>
+              <a:rPr lang="en-US" smtClean="0"/>
+              <a:t>Click to edit Master text styles</a:t>
+            </a:r>
+          </a:p>
+          <a:p>
+            <a:pPr lvl="1"/>
+            <a:r>
+              <a:rPr lang="en-US" smtClean="0"/>
+              <a:t>Second level</a:t>
+            </a:r>
+          </a:p>
+          <a:p>
+            <a:pPr lvl="2"/>
+            <a:r>
+              <a:rPr lang="en-US" smtClean="0"/>
+              <a:t>Third level</a:t>
+            </a:r>
+          </a:p>
+          <a:p>
+            <a:pPr lvl="3"/>
+            <a:r>
+              <a:rPr lang="en-US" smtClean="0"/>
+              <a:t>Fourth level</a:t>
+            </a:r>
+          </a:p>
+          <a:p>
+            <a:pPr lvl="4"/>
+            <a:r>
+              <a:rPr lang="en-US" smtClean="0"/>
+              <a:t>Fifth level</a:t>
+            </a:r>
+            <a:endParaRPr lang="en-US"/>
+          </a:p>
+        </p:txBody>
+      </p:sp>
+      <p:sp>
+        <p:nvSpPr>
+          <p:cNvPr id="4" name="Date Placeholder 3"/>
+          <p:cNvSpPr>
+            <a:spLocks noGrp="1"/>
+          </p:cNvSpPr>
+          <p:nvPr>
+            <p:ph type="dt" sz="half" idx="10"/>
           </p:nvPr>
         </p:nvSpPr>
         <p:spPr/>
@@ -1487,132 +1643,62 @@
           <a:bodyPr/>
           <a:lstStyle/>
           <a:p>
-            <a:r>
-              <a:rPr lang="en-US" smtClean="0"/>
-              <a:t>Click to edit Master title style</a:t>
-            </a:r>
-            <a:endParaRPr lang="en-US" dirty="0"/>
-          </a:p>
-        </p:txBody>
-      </p:sp>
-      <p:sp>
-        <p:nvSpPr>
-          <p:cNvPr id="3" name="Content Placeholder 2"/>
-          <p:cNvSpPr>
-            <a:spLocks noGrp="1"/>
-          </p:cNvSpPr>
-          <p:nvPr>
-            <p:ph idx="1"/>
-          </p:nvPr>
-        </p:nvSpPr>
-        <p:spPr>
-          <a:xfrm>
-            <a:off x="475488" y="1289304"/>
-            <a:ext cx="8193024" cy="4828032"/>
-          </a:xfrm>
-          <a:prstGeom prst="rect">
-            <a:avLst/>
-          </a:prstGeom>
-        </p:spPr>
+            <a:fld id="{D8602FEB-BDEF-874E-8684-5926EEF90688}" type="datetimeFigureOut">
+              <a:rPr lang="en-US" smtClean="0"/>
+              <a:t>10/9/15</a:t>
+            </a:fld>
+            <a:endParaRPr lang="en-US"/>
+          </a:p>
+        </p:txBody>
+      </p:sp>
+      <p:sp>
+        <p:nvSpPr>
+          <p:cNvPr id="5" name="Footer Placeholder 4"/>
+          <p:cNvSpPr>
+            <a:spLocks noGrp="1"/>
+          </p:cNvSpPr>
+          <p:nvPr>
+            <p:ph type="ftr" sz="quarter" idx="11"/>
+          </p:nvPr>
+        </p:nvSpPr>
+        <p:spPr/>
         <p:txBody>
           <a:bodyPr/>
-          <a:lstStyle>
-            <a:lvl1pPr marL="237744" indent="-237744">
-              <a:lnSpc>
-                <a:spcPct val="90000"/>
-              </a:lnSpc>
-              <a:spcBef>
-                <a:spcPts val="1200"/>
-              </a:spcBef>
-              <a:buSzPct val="100000"/>
-              <a:buFont typeface="Arial"/>
-              <a:buChar char="•"/>
-              <a:defRPr/>
-            </a:lvl1pPr>
-            <a:lvl2pPr marL="539496" indent="-256032">
-              <a:lnSpc>
-                <a:spcPct val="90000"/>
-              </a:lnSpc>
-              <a:spcBef>
-                <a:spcPts val="600"/>
-              </a:spcBef>
-              <a:defRPr/>
-            </a:lvl2pPr>
-            <a:lvl3pPr marL="758952" indent="-182880">
-              <a:lnSpc>
-                <a:spcPct val="90000"/>
-              </a:lnSpc>
-              <a:spcBef>
-                <a:spcPts val="600"/>
-              </a:spcBef>
-              <a:buSzPct val="90000"/>
-              <a:buFont typeface="Arial"/>
-              <a:buChar char="•"/>
-              <a:defRPr/>
-            </a:lvl3pPr>
-            <a:lvl4pPr marL="1033272" indent="0">
-              <a:lnSpc>
-                <a:spcPct val="90000"/>
-              </a:lnSpc>
-              <a:spcBef>
-                <a:spcPts val="600"/>
-              </a:spcBef>
-              <a:buFontTx/>
-              <a:buNone/>
-              <a:defRPr/>
-            </a:lvl4pPr>
-            <a:lvl5pPr marL="1261872" indent="0">
-              <a:lnSpc>
-                <a:spcPct val="90000"/>
-              </a:lnSpc>
-              <a:spcBef>
-                <a:spcPts val="600"/>
-              </a:spcBef>
-              <a:buSzPct val="85000"/>
-              <a:buFontTx/>
-              <a:buNone/>
-              <a:defRPr sz="1200"/>
-            </a:lvl5pPr>
-          </a:lstStyle>
-          <a:p>
-            <a:pPr lvl="0"/>
-            <a:r>
-              <a:rPr lang="en-US" smtClean="0"/>
-              <a:t>Click to edit Master text styles</a:t>
-            </a:r>
-          </a:p>
-          <a:p>
-            <a:pPr lvl="1"/>
-            <a:r>
-              <a:rPr lang="en-US" smtClean="0"/>
-              <a:t>Second level</a:t>
-            </a:r>
-          </a:p>
-          <a:p>
-            <a:pPr lvl="2"/>
-            <a:r>
-              <a:rPr lang="en-US" smtClean="0"/>
-              <a:t>Third level</a:t>
-            </a:r>
-          </a:p>
-          <a:p>
-            <a:pPr lvl="3"/>
-            <a:r>
-              <a:rPr lang="en-US" smtClean="0"/>
-              <a:t>Fourth level</a:t>
-            </a:r>
-          </a:p>
-          <a:p>
-            <a:pPr lvl="4"/>
-            <a:r>
-              <a:rPr lang="en-US" smtClean="0"/>
-              <a:t>Fifth level</a:t>
-            </a:r>
-            <a:endParaRPr lang="en-US" dirty="0"/>
+          <a:lstStyle/>
+          <a:p>
+            <a:endParaRPr lang="en-US"/>
+          </a:p>
+        </p:txBody>
+      </p:sp>
+      <p:sp>
+        <p:nvSpPr>
+          <p:cNvPr id="6" name="Slide Number Placeholder 5"/>
+          <p:cNvSpPr>
+            <a:spLocks noGrp="1"/>
+          </p:cNvSpPr>
+          <p:nvPr>
+            <p:ph type="sldNum" sz="quarter" idx="12"/>
+          </p:nvPr>
+        </p:nvSpPr>
+        <p:spPr/>
+        <p:txBody>
+          <a:bodyPr/>
+          <a:lstStyle/>
+          <a:p>
+            <a:fld id="{0EA0CB27-BC86-2F4A-BD4B-6414B7FEA2A4}" type="slidenum">
+              <a:rPr lang="en-US" smtClean="0"/>
+              <a:t>‹#›</a:t>
+            </a:fld>
+            <a:endParaRPr lang="en-US"/>
           </a:p>
         </p:txBody>
       </p:sp>
     </p:spTree>
+    <p:extLst>
+      <p:ext uri="{BB962C8B-B14F-4D97-AF65-F5344CB8AC3E}">
+        <p14:creationId xmlns:p14="http://schemas.microsoft.com/office/powerpoint/2010/main" val="3127793794"/>
+      </p:ext>
+    </p:extLst>
   </p:cSld>
   <p:clrMapOvr>
     <a:masterClrMapping/>
@@ -1620,9 +1706,9 @@
 </p:sldLayout>
 </file>
 
-<file path=ppt/slideLayouts/slideLayout3.xml><?xml version="1.0" encoding="utf-8"?>
+<file path=ppt/slideLayouts/slideLayout12.xml><?xml version="1.0" encoding="utf-8"?>
 <p:sldLayout xmlns:a="http://schemas.openxmlformats.org/drawingml/2006/main" xmlns:r="http://schemas.openxmlformats.org/officeDocument/2006/relationships" xmlns:p="http://schemas.openxmlformats.org/presentationml/2006/main" preserve="1" userDrawn="1">
-  <p:cSld name="Two Content">
+  <p:cSld name="1_Two Content">
     <p:spTree>
       <p:nvGrpSpPr>
         <p:cNvPr id="1" name=""/>
@@ -1907,57 +1993,9 @@
 </p:sldLayout>
 </file>
 
-<file path=ppt/slideLayouts/slideLayout4.xml><?xml version="1.0" encoding="utf-8"?>
-<p:sldLayout xmlns:a="http://schemas.openxmlformats.org/drawingml/2006/main" xmlns:r="http://schemas.openxmlformats.org/officeDocument/2006/relationships" xmlns:p="http://schemas.openxmlformats.org/presentationml/2006/main" type="titleOnly" preserve="1">
-  <p:cSld name="Title Only">
-    <p:spTree>
-      <p:nvGrpSpPr>
-        <p:cNvPr id="1" name=""/>
-        <p:cNvGrpSpPr/>
-        <p:nvPr/>
-      </p:nvGrpSpPr>
-      <p:grpSpPr>
-        <a:xfrm>
-          <a:off x="0" y="0"/>
-          <a:ext cx="0" cy="0"/>
-          <a:chOff x="0" y="0"/>
-          <a:chExt cx="0" cy="0"/>
-        </a:xfrm>
-      </p:grpSpPr>
-      <p:sp>
-        <p:nvSpPr>
-          <p:cNvPr id="2" name="Title 1"/>
-          <p:cNvSpPr>
-            <a:spLocks noGrp="1"/>
-          </p:cNvSpPr>
-          <p:nvPr>
-            <p:ph type="title"/>
-          </p:nvPr>
-        </p:nvSpPr>
-        <p:spPr/>
-        <p:txBody>
-          <a:bodyPr/>
-          <a:lstStyle/>
-          <a:p>
-            <a:r>
-              <a:rPr lang="en-US" smtClean="0"/>
-              <a:t>Click to edit Master title style</a:t>
-            </a:r>
-            <a:endParaRPr lang="en-US"/>
-          </a:p>
-        </p:txBody>
-      </p:sp>
-    </p:spTree>
-  </p:cSld>
-  <p:clrMapOvr>
-    <a:masterClrMapping/>
-  </p:clrMapOvr>
-</p:sldLayout>
-</file>
-
-<file path=ppt/slideLayouts/slideLayout5.xml><?xml version="1.0" encoding="utf-8"?>
+<file path=ppt/slideLayouts/slideLayout13.xml><?xml version="1.0" encoding="utf-8"?>
 <p:sldLayout xmlns:a="http://schemas.openxmlformats.org/drawingml/2006/main" xmlns:r="http://schemas.openxmlformats.org/officeDocument/2006/relationships" xmlns:p="http://schemas.openxmlformats.org/presentationml/2006/main" preserve="1" userDrawn="1">
-  <p:cSld name="Blank">
+  <p:cSld name="1_Blank">
     <p:spTree>
       <p:nvGrpSpPr>
         <p:cNvPr id="1" name=""/>
@@ -1985,7 +2023,7 @@
 </p:sldLayout>
 </file>
 
-<file path=ppt/slideLayouts/slideLayout6.xml><?xml version="1.0" encoding="utf-8"?>
+<file path=ppt/slideLayouts/slideLayout14.xml><?xml version="1.0" encoding="utf-8"?>
 <p:sldLayout xmlns:a="http://schemas.openxmlformats.org/drawingml/2006/main" xmlns:r="http://schemas.openxmlformats.org/officeDocument/2006/relationships" xmlns:p="http://schemas.openxmlformats.org/presentationml/2006/main" preserve="1" userDrawn="1">
   <p:cSld name="Title with Subtitle and Content">
     <p:spTree>
@@ -2222,9 +2260,9 @@
 </p:sldLayout>
 </file>
 
-<file path=ppt/slideLayouts/slideLayout7.xml><?xml version="1.0" encoding="utf-8"?>
-<p:sldLayout xmlns:a="http://schemas.openxmlformats.org/drawingml/2006/main" xmlns:r="http://schemas.openxmlformats.org/officeDocument/2006/relationships" xmlns:p="http://schemas.openxmlformats.org/presentationml/2006/main" type="obj" preserve="1">
-  <p:cSld name="Section Header">
+<file path=ppt/slideLayouts/slideLayout15.xml><?xml version="1.0" encoding="utf-8"?>
+<p:sldLayout xmlns:a="http://schemas.openxmlformats.org/drawingml/2006/main" xmlns:r="http://schemas.openxmlformats.org/officeDocument/2006/relationships" xmlns:p="http://schemas.openxmlformats.org/presentationml/2006/main" preserve="1" userDrawn="1">
+  <p:cSld name="1_Picture with Caption">
     <p:spTree>
       <p:nvGrpSpPr>
         <p:cNvPr id="1" name=""/>
@@ -2264,176 +2302,6 @@
       </p:sp>
       <p:sp>
         <p:nvSpPr>
-          <p:cNvPr id="3" name="Content Placeholder 2"/>
-          <p:cNvSpPr>
-            <a:spLocks noGrp="1"/>
-          </p:cNvSpPr>
-          <p:nvPr>
-            <p:ph idx="1"/>
-          </p:nvPr>
-        </p:nvSpPr>
-        <p:spPr>
-          <a:xfrm>
-            <a:off x="475488" y="1682496"/>
-            <a:ext cx="8193024" cy="4443984"/>
-          </a:xfrm>
-          <a:prstGeom prst="rect">
-            <a:avLst/>
-          </a:prstGeom>
-        </p:spPr>
-        <p:txBody>
-          <a:bodyPr anchor="t" anchorCtr="1"/>
-          <a:lstStyle>
-            <a:lvl1pPr marL="237744" indent="-237744">
-              <a:lnSpc>
-                <a:spcPct val="90000"/>
-              </a:lnSpc>
-              <a:spcBef>
-                <a:spcPts val="1500"/>
-              </a:spcBef>
-              <a:buSzPct val="100000"/>
-              <a:buFont typeface="Arial"/>
-              <a:buChar char="•"/>
-              <a:defRPr/>
-            </a:lvl1pPr>
-            <a:lvl2pPr marL="539496" indent="-256032">
-              <a:lnSpc>
-                <a:spcPct val="90000"/>
-              </a:lnSpc>
-              <a:spcBef>
-                <a:spcPts val="1500"/>
-              </a:spcBef>
-              <a:defRPr/>
-            </a:lvl2pPr>
-            <a:lvl3pPr marL="758952" indent="-182880">
-              <a:lnSpc>
-                <a:spcPct val="90000"/>
-              </a:lnSpc>
-              <a:spcBef>
-                <a:spcPts val="1500"/>
-              </a:spcBef>
-              <a:buSzPct val="90000"/>
-              <a:buFont typeface="Wingdings" charset="2"/>
-              <a:buChar char="§"/>
-              <a:defRPr/>
-            </a:lvl3pPr>
-            <a:lvl4pPr marL="1033272" indent="0">
-              <a:lnSpc>
-                <a:spcPct val="90000"/>
-              </a:lnSpc>
-              <a:spcBef>
-                <a:spcPts val="1500"/>
-              </a:spcBef>
-              <a:buFontTx/>
-              <a:buNone/>
-              <a:defRPr/>
-            </a:lvl4pPr>
-            <a:lvl5pPr marL="1261872" indent="0">
-              <a:lnSpc>
-                <a:spcPct val="90000"/>
-              </a:lnSpc>
-              <a:spcBef>
-                <a:spcPts val="1500"/>
-              </a:spcBef>
-              <a:buSzPct val="85000"/>
-              <a:buFontTx/>
-              <a:buNone/>
-              <a:defRPr sz="1200"/>
-            </a:lvl5pPr>
-          </a:lstStyle>
-          <a:p>
-            <a:pPr lvl="0"/>
-            <a:r>
-              <a:rPr lang="en-US" smtClean="0"/>
-              <a:t>Click to edit Master text styles</a:t>
-            </a:r>
-          </a:p>
-          <a:p>
-            <a:pPr lvl="1"/>
-            <a:r>
-              <a:rPr lang="en-US" smtClean="0"/>
-              <a:t>Second level</a:t>
-            </a:r>
-          </a:p>
-          <a:p>
-            <a:pPr lvl="2"/>
-            <a:r>
-              <a:rPr lang="en-US" smtClean="0"/>
-              <a:t>Third level</a:t>
-            </a:r>
-          </a:p>
-          <a:p>
-            <a:pPr lvl="3"/>
-            <a:r>
-              <a:rPr lang="en-US" smtClean="0"/>
-              <a:t>Fourth level</a:t>
-            </a:r>
-          </a:p>
-          <a:p>
-            <a:pPr lvl="4"/>
-            <a:r>
-              <a:rPr lang="en-US" smtClean="0"/>
-              <a:t>Fifth level</a:t>
-            </a:r>
-            <a:endParaRPr lang="en-US" dirty="0"/>
-          </a:p>
-        </p:txBody>
-      </p:sp>
-    </p:spTree>
-    <p:extLst>
-      <p:ext uri="{BB962C8B-B14F-4D97-AF65-F5344CB8AC3E}">
-        <p14:creationId xmlns:p14="http://schemas.microsoft.com/office/powerpoint/2010/main" val="2411346642"/>
-      </p:ext>
-    </p:extLst>
-  </p:cSld>
-  <p:clrMapOvr>
-    <a:masterClrMapping/>
-  </p:clrMapOvr>
-</p:sldLayout>
-</file>
-
-<file path=ppt/slideLayouts/slideLayout8.xml><?xml version="1.0" encoding="utf-8"?>
-<p:sldLayout xmlns:a="http://schemas.openxmlformats.org/drawingml/2006/main" xmlns:r="http://schemas.openxmlformats.org/officeDocument/2006/relationships" xmlns:p="http://schemas.openxmlformats.org/presentationml/2006/main" preserve="1" userDrawn="1">
-  <p:cSld name="Picture with Caption">
-    <p:spTree>
-      <p:nvGrpSpPr>
-        <p:cNvPr id="1" name=""/>
-        <p:cNvGrpSpPr/>
-        <p:nvPr/>
-      </p:nvGrpSpPr>
-      <p:grpSpPr>
-        <a:xfrm>
-          <a:off x="0" y="0"/>
-          <a:ext cx="0" cy="0"/>
-          <a:chOff x="0" y="0"/>
-          <a:chExt cx="0" cy="0"/>
-        </a:xfrm>
-      </p:grpSpPr>
-      <p:sp>
-        <p:nvSpPr>
-          <p:cNvPr id="2" name="Title 1"/>
-          <p:cNvSpPr>
-            <a:spLocks noGrp="1"/>
-          </p:cNvSpPr>
-          <p:nvPr>
-            <p:ph type="title"/>
-          </p:nvPr>
-        </p:nvSpPr>
-        <p:spPr/>
-        <p:txBody>
-          <a:bodyPr/>
-          <a:lstStyle/>
-          <a:p>
-            <a:r>
-              <a:rPr lang="en-US" smtClean="0"/>
-              <a:t>Click to edit Master title style</a:t>
-            </a:r>
-            <a:endParaRPr lang="en-US"/>
-          </a:p>
-        </p:txBody>
-      </p:sp>
-      <p:sp>
-        <p:nvSpPr>
           <p:cNvPr id="4" name="Picture Placeholder 3"/>
           <p:cNvSpPr>
             <a:spLocks noGrp="1"/>
@@ -2620,7 +2488,7 @@
 </p:sldLayout>
 </file>
 
-<file path=ppt/slideLayouts/slideLayout9.xml><?xml version="1.0" encoding="utf-8"?>
+<file path=ppt/slideLayouts/slideLayout16.xml><?xml version="1.0" encoding="utf-8"?>
 <p:sldLayout xmlns:a="http://schemas.openxmlformats.org/drawingml/2006/main" xmlns:r="http://schemas.openxmlformats.org/officeDocument/2006/relationships" xmlns:p="http://schemas.openxmlformats.org/presentationml/2006/main" preserve="1" userDrawn="1">
   <p:cSld name="Media">
     <p:spTree>
@@ -2848,16 +2716,2110 @@
 </p:sldLayout>
 </file>
 
+<file path=ppt/slideLayouts/slideLayout17.xml><?xml version="1.0" encoding="utf-8"?>
+<p:sldLayout xmlns:a="http://schemas.openxmlformats.org/drawingml/2006/main" xmlns:r="http://schemas.openxmlformats.org/officeDocument/2006/relationships" xmlns:p="http://schemas.openxmlformats.org/presentationml/2006/main" preserve="1" userDrawn="1">
+  <p:cSld name="Chart">
+    <p:spTree>
+      <p:nvGrpSpPr>
+        <p:cNvPr id="1" name=""/>
+        <p:cNvGrpSpPr/>
+        <p:nvPr/>
+      </p:nvGrpSpPr>
+      <p:grpSpPr>
+        <a:xfrm>
+          <a:off x="0" y="0"/>
+          <a:ext cx="0" cy="0"/>
+          <a:chOff x="0" y="0"/>
+          <a:chExt cx="0" cy="0"/>
+        </a:xfrm>
+      </p:grpSpPr>
+      <p:sp>
+        <p:nvSpPr>
+          <p:cNvPr id="2" name="Title 1"/>
+          <p:cNvSpPr>
+            <a:spLocks noGrp="1"/>
+          </p:cNvSpPr>
+          <p:nvPr>
+            <p:ph type="title"/>
+          </p:nvPr>
+        </p:nvSpPr>
+        <p:spPr/>
+        <p:txBody>
+          <a:bodyPr/>
+          <a:lstStyle/>
+          <a:p>
+            <a:r>
+              <a:rPr lang="en-US" smtClean="0"/>
+              <a:t>Click to edit Master title style</a:t>
+            </a:r>
+            <a:endParaRPr lang="en-US"/>
+          </a:p>
+        </p:txBody>
+      </p:sp>
+      <p:sp>
+        <p:nvSpPr>
+          <p:cNvPr id="4" name="Chart Placeholder 3"/>
+          <p:cNvSpPr>
+            <a:spLocks noGrp="1"/>
+          </p:cNvSpPr>
+          <p:nvPr>
+            <p:ph type="chart" sz="quarter" idx="10"/>
+          </p:nvPr>
+        </p:nvSpPr>
+        <p:spPr>
+          <a:xfrm>
+            <a:off x="1344168" y="1700784"/>
+            <a:ext cx="6455664" cy="3941064"/>
+          </a:xfrm>
+          <a:prstGeom prst="rect">
+            <a:avLst/>
+          </a:prstGeom>
+          <a:ln w="12700">
+            <a:solidFill>
+              <a:schemeClr val="tx1"/>
+            </a:solidFill>
+          </a:ln>
+        </p:spPr>
+        <p:txBody>
+          <a:bodyPr vert="horz"/>
+          <a:lstStyle>
+            <a:lvl1pPr marL="0" indent="0">
+              <a:lnSpc>
+                <a:spcPts val="2000"/>
+              </a:lnSpc>
+              <a:spcBef>
+                <a:spcPts val="300"/>
+              </a:spcBef>
+              <a:spcAft>
+                <a:spcPts val="600"/>
+              </a:spcAft>
+              <a:buFontTx/>
+              <a:buNone/>
+              <a:defRPr/>
+            </a:lvl1pPr>
+          </a:lstStyle>
+          <a:p>
+            <a:r>
+              <a:rPr lang="en-US" smtClean="0"/>
+              <a:t>Click icon to add chart</a:t>
+            </a:r>
+            <a:endParaRPr lang="en-US" dirty="0"/>
+          </a:p>
+        </p:txBody>
+      </p:sp>
+      <p:sp>
+        <p:nvSpPr>
+          <p:cNvPr id="5" name="Text Placeholder 4"/>
+          <p:cNvSpPr>
+            <a:spLocks noGrp="1"/>
+          </p:cNvSpPr>
+          <p:nvPr>
+            <p:ph type="body" sz="quarter" idx="11"/>
+          </p:nvPr>
+        </p:nvSpPr>
+        <p:spPr>
+          <a:xfrm>
+            <a:off x="1344168" y="1252728"/>
+            <a:ext cx="6455664" cy="374904"/>
+          </a:xfrm>
+          <a:prstGeom prst="rect">
+            <a:avLst/>
+          </a:prstGeom>
+        </p:spPr>
+        <p:txBody>
+          <a:bodyPr vert="horz" anchor="b" anchorCtr="0"/>
+          <a:lstStyle>
+            <a:lvl1pPr marL="0" indent="0" algn="ctr">
+              <a:lnSpc>
+                <a:spcPts val="2000"/>
+              </a:lnSpc>
+              <a:spcBef>
+                <a:spcPts val="300"/>
+              </a:spcBef>
+              <a:spcAft>
+                <a:spcPts val="600"/>
+              </a:spcAft>
+              <a:buFontTx/>
+              <a:buNone/>
+              <a:defRPr sz="1800" baseline="0"/>
+            </a:lvl1pPr>
+            <a:lvl2pPr marL="520700" indent="0">
+              <a:buNone/>
+              <a:defRPr/>
+            </a:lvl2pPr>
+            <a:lvl3pPr marL="976313" indent="0">
+              <a:buNone/>
+              <a:defRPr/>
+            </a:lvl3pPr>
+            <a:lvl4pPr marL="1427162" indent="0">
+              <a:buNone/>
+              <a:defRPr/>
+            </a:lvl4pPr>
+            <a:lvl5pPr>
+              <a:buNone/>
+              <a:defRPr/>
+            </a:lvl5pPr>
+          </a:lstStyle>
+          <a:p>
+            <a:pPr lvl="0"/>
+            <a:r>
+              <a:rPr lang="en-US" smtClean="0"/>
+              <a:t>Click to edit Master text styles</a:t>
+            </a:r>
+          </a:p>
+        </p:txBody>
+      </p:sp>
+      <p:sp>
+        <p:nvSpPr>
+          <p:cNvPr id="6" name="Text Placeholder 4"/>
+          <p:cNvSpPr>
+            <a:spLocks noGrp="1"/>
+          </p:cNvSpPr>
+          <p:nvPr>
+            <p:ph type="body" sz="quarter" idx="12"/>
+          </p:nvPr>
+        </p:nvSpPr>
+        <p:spPr>
+          <a:xfrm>
+            <a:off x="1344168" y="5705856"/>
+            <a:ext cx="6455664" cy="274320"/>
+          </a:xfrm>
+          <a:prstGeom prst="rect">
+            <a:avLst/>
+          </a:prstGeom>
+        </p:spPr>
+        <p:txBody>
+          <a:bodyPr vert="horz" anchor="t" anchorCtr="0"/>
+          <a:lstStyle>
+            <a:lvl1pPr marL="0" indent="0" algn="ctr">
+              <a:lnSpc>
+                <a:spcPts val="1400"/>
+              </a:lnSpc>
+              <a:spcBef>
+                <a:spcPts val="300"/>
+              </a:spcBef>
+              <a:spcAft>
+                <a:spcPts val="600"/>
+              </a:spcAft>
+              <a:buFontTx/>
+              <a:buNone/>
+              <a:defRPr sz="1200" b="1" i="0" baseline="0"/>
+            </a:lvl1pPr>
+            <a:lvl2pPr marL="520700" indent="0">
+              <a:buNone/>
+              <a:defRPr/>
+            </a:lvl2pPr>
+            <a:lvl3pPr marL="976313" indent="0">
+              <a:buNone/>
+              <a:defRPr/>
+            </a:lvl3pPr>
+            <a:lvl4pPr marL="1427162" indent="0">
+              <a:buNone/>
+              <a:defRPr/>
+            </a:lvl4pPr>
+            <a:lvl5pPr>
+              <a:buNone/>
+              <a:defRPr/>
+            </a:lvl5pPr>
+          </a:lstStyle>
+          <a:p>
+            <a:pPr lvl="0"/>
+            <a:r>
+              <a:rPr lang="en-US" smtClean="0"/>
+              <a:t>Click to edit Master text styles</a:t>
+            </a:r>
+          </a:p>
+        </p:txBody>
+      </p:sp>
+    </p:spTree>
+    <p:extLst>
+      <p:ext uri="{BB962C8B-B14F-4D97-AF65-F5344CB8AC3E}">
+        <p14:creationId xmlns:p14="http://schemas.microsoft.com/office/powerpoint/2010/main" val="2007096246"/>
+      </p:ext>
+    </p:extLst>
+  </p:cSld>
+  <p:clrMapOvr>
+    <a:masterClrMapping/>
+  </p:clrMapOvr>
+</p:sldLayout>
+</file>
+
+<file path=ppt/slideLayouts/slideLayout2.xml><?xml version="1.0" encoding="utf-8"?>
+<p:sldLayout xmlns:a="http://schemas.openxmlformats.org/drawingml/2006/main" xmlns:r="http://schemas.openxmlformats.org/officeDocument/2006/relationships" xmlns:p="http://schemas.openxmlformats.org/presentationml/2006/main" type="obj" preserve="1">
+  <p:cSld name="Title and Content">
+    <p:spTree>
+      <p:nvGrpSpPr>
+        <p:cNvPr id="1" name=""/>
+        <p:cNvGrpSpPr/>
+        <p:nvPr/>
+      </p:nvGrpSpPr>
+      <p:grpSpPr>
+        <a:xfrm>
+          <a:off x="0" y="0"/>
+          <a:ext cx="0" cy="0"/>
+          <a:chOff x="0" y="0"/>
+          <a:chExt cx="0" cy="0"/>
+        </a:xfrm>
+      </p:grpSpPr>
+      <p:sp>
+        <p:nvSpPr>
+          <p:cNvPr id="2" name="Title 1"/>
+          <p:cNvSpPr>
+            <a:spLocks noGrp="1"/>
+          </p:cNvSpPr>
+          <p:nvPr>
+            <p:ph type="title"/>
+          </p:nvPr>
+        </p:nvSpPr>
+        <p:spPr/>
+        <p:txBody>
+          <a:bodyPr/>
+          <a:lstStyle/>
+          <a:p>
+            <a:r>
+              <a:rPr lang="en-US" smtClean="0"/>
+              <a:t>Click to edit Master title style</a:t>
+            </a:r>
+            <a:endParaRPr lang="en-US"/>
+          </a:p>
+        </p:txBody>
+      </p:sp>
+      <p:sp>
+        <p:nvSpPr>
+          <p:cNvPr id="3" name="Content Placeholder 2"/>
+          <p:cNvSpPr>
+            <a:spLocks noGrp="1"/>
+          </p:cNvSpPr>
+          <p:nvPr>
+            <p:ph idx="1"/>
+          </p:nvPr>
+        </p:nvSpPr>
+        <p:spPr/>
+        <p:txBody>
+          <a:bodyPr/>
+          <a:lstStyle/>
+          <a:p>
+            <a:pPr lvl="0"/>
+            <a:r>
+              <a:rPr lang="en-US" smtClean="0"/>
+              <a:t>Click to edit Master text styles</a:t>
+            </a:r>
+          </a:p>
+          <a:p>
+            <a:pPr lvl="1"/>
+            <a:r>
+              <a:rPr lang="en-US" smtClean="0"/>
+              <a:t>Second level</a:t>
+            </a:r>
+          </a:p>
+          <a:p>
+            <a:pPr lvl="2"/>
+            <a:r>
+              <a:rPr lang="en-US" smtClean="0"/>
+              <a:t>Third level</a:t>
+            </a:r>
+          </a:p>
+          <a:p>
+            <a:pPr lvl="3"/>
+            <a:r>
+              <a:rPr lang="en-US" smtClean="0"/>
+              <a:t>Fourth level</a:t>
+            </a:r>
+          </a:p>
+          <a:p>
+            <a:pPr lvl="4"/>
+            <a:r>
+              <a:rPr lang="en-US" smtClean="0"/>
+              <a:t>Fifth level</a:t>
+            </a:r>
+            <a:endParaRPr lang="en-US"/>
+          </a:p>
+        </p:txBody>
+      </p:sp>
+      <p:sp>
+        <p:nvSpPr>
+          <p:cNvPr id="4" name="Date Placeholder 3"/>
+          <p:cNvSpPr>
+            <a:spLocks noGrp="1"/>
+          </p:cNvSpPr>
+          <p:nvPr>
+            <p:ph type="dt" sz="half" idx="10"/>
+          </p:nvPr>
+        </p:nvSpPr>
+        <p:spPr/>
+        <p:txBody>
+          <a:bodyPr/>
+          <a:lstStyle/>
+          <a:p>
+            <a:fld id="{D8602FEB-BDEF-874E-8684-5926EEF90688}" type="datetimeFigureOut">
+              <a:rPr lang="en-US" smtClean="0"/>
+              <a:t>10/9/15</a:t>
+            </a:fld>
+            <a:endParaRPr lang="en-US"/>
+          </a:p>
+        </p:txBody>
+      </p:sp>
+      <p:sp>
+        <p:nvSpPr>
+          <p:cNvPr id="5" name="Footer Placeholder 4"/>
+          <p:cNvSpPr>
+            <a:spLocks noGrp="1"/>
+          </p:cNvSpPr>
+          <p:nvPr>
+            <p:ph type="ftr" sz="quarter" idx="11"/>
+          </p:nvPr>
+        </p:nvSpPr>
+        <p:spPr/>
+        <p:txBody>
+          <a:bodyPr/>
+          <a:lstStyle/>
+          <a:p>
+            <a:endParaRPr lang="en-US"/>
+          </a:p>
+        </p:txBody>
+      </p:sp>
+      <p:sp>
+        <p:nvSpPr>
+          <p:cNvPr id="6" name="Slide Number Placeholder 5"/>
+          <p:cNvSpPr>
+            <a:spLocks noGrp="1"/>
+          </p:cNvSpPr>
+          <p:nvPr>
+            <p:ph type="sldNum" sz="quarter" idx="12"/>
+          </p:nvPr>
+        </p:nvSpPr>
+        <p:spPr/>
+        <p:txBody>
+          <a:bodyPr/>
+          <a:lstStyle/>
+          <a:p>
+            <a:fld id="{0EA0CB27-BC86-2F4A-BD4B-6414B7FEA2A4}" type="slidenum">
+              <a:rPr lang="en-US" smtClean="0"/>
+              <a:t>‹#›</a:t>
+            </a:fld>
+            <a:endParaRPr lang="en-US"/>
+          </a:p>
+        </p:txBody>
+      </p:sp>
+    </p:spTree>
+    <p:extLst>
+      <p:ext uri="{BB962C8B-B14F-4D97-AF65-F5344CB8AC3E}">
+        <p14:creationId xmlns:p14="http://schemas.microsoft.com/office/powerpoint/2010/main" val="1428623230"/>
+      </p:ext>
+    </p:extLst>
+  </p:cSld>
+  <p:clrMapOvr>
+    <a:masterClrMapping/>
+  </p:clrMapOvr>
+</p:sldLayout>
+</file>
+
+<file path=ppt/slideLayouts/slideLayout3.xml><?xml version="1.0" encoding="utf-8"?>
+<p:sldLayout xmlns:a="http://schemas.openxmlformats.org/drawingml/2006/main" xmlns:r="http://schemas.openxmlformats.org/officeDocument/2006/relationships" xmlns:p="http://schemas.openxmlformats.org/presentationml/2006/main" type="secHead" preserve="1">
+  <p:cSld name="Section Header">
+    <p:spTree>
+      <p:nvGrpSpPr>
+        <p:cNvPr id="1" name=""/>
+        <p:cNvGrpSpPr/>
+        <p:nvPr/>
+      </p:nvGrpSpPr>
+      <p:grpSpPr>
+        <a:xfrm>
+          <a:off x="0" y="0"/>
+          <a:ext cx="0" cy="0"/>
+          <a:chOff x="0" y="0"/>
+          <a:chExt cx="0" cy="0"/>
+        </a:xfrm>
+      </p:grpSpPr>
+      <p:sp>
+        <p:nvSpPr>
+          <p:cNvPr id="2" name="Title 1"/>
+          <p:cNvSpPr>
+            <a:spLocks noGrp="1"/>
+          </p:cNvSpPr>
+          <p:nvPr>
+            <p:ph type="title"/>
+          </p:nvPr>
+        </p:nvSpPr>
+        <p:spPr>
+          <a:xfrm>
+            <a:off x="722313" y="4406900"/>
+            <a:ext cx="7772400" cy="1362075"/>
+          </a:xfrm>
+        </p:spPr>
+        <p:txBody>
+          <a:bodyPr anchor="t"/>
+          <a:lstStyle>
+            <a:lvl1pPr algn="l">
+              <a:defRPr sz="4000" b="1" cap="all"/>
+            </a:lvl1pPr>
+          </a:lstStyle>
+          <a:p>
+            <a:r>
+              <a:rPr lang="en-US" smtClean="0"/>
+              <a:t>Click to edit Master title style</a:t>
+            </a:r>
+            <a:endParaRPr lang="en-US"/>
+          </a:p>
+        </p:txBody>
+      </p:sp>
+      <p:sp>
+        <p:nvSpPr>
+          <p:cNvPr id="3" name="Text Placeholder 2"/>
+          <p:cNvSpPr>
+            <a:spLocks noGrp="1"/>
+          </p:cNvSpPr>
+          <p:nvPr>
+            <p:ph type="body" idx="1"/>
+          </p:nvPr>
+        </p:nvSpPr>
+        <p:spPr>
+          <a:xfrm>
+            <a:off x="722313" y="2906713"/>
+            <a:ext cx="7772400" cy="1500187"/>
+          </a:xfrm>
+        </p:spPr>
+        <p:txBody>
+          <a:bodyPr anchor="b"/>
+          <a:lstStyle>
+            <a:lvl1pPr marL="0" indent="0">
+              <a:buNone/>
+              <a:defRPr sz="2000">
+                <a:solidFill>
+                  <a:schemeClr val="tx1">
+                    <a:tint val="75000"/>
+                  </a:schemeClr>
+                </a:solidFill>
+              </a:defRPr>
+            </a:lvl1pPr>
+            <a:lvl2pPr marL="457200" indent="0">
+              <a:buNone/>
+              <a:defRPr sz="1800">
+                <a:solidFill>
+                  <a:schemeClr val="tx1">
+                    <a:tint val="75000"/>
+                  </a:schemeClr>
+                </a:solidFill>
+              </a:defRPr>
+            </a:lvl2pPr>
+            <a:lvl3pPr marL="914400" indent="0">
+              <a:buNone/>
+              <a:defRPr sz="1600">
+                <a:solidFill>
+                  <a:schemeClr val="tx1">
+                    <a:tint val="75000"/>
+                  </a:schemeClr>
+                </a:solidFill>
+              </a:defRPr>
+            </a:lvl3pPr>
+            <a:lvl4pPr marL="1371600" indent="0">
+              <a:buNone/>
+              <a:defRPr sz="1400">
+                <a:solidFill>
+                  <a:schemeClr val="tx1">
+                    <a:tint val="75000"/>
+                  </a:schemeClr>
+                </a:solidFill>
+              </a:defRPr>
+            </a:lvl4pPr>
+            <a:lvl5pPr marL="1828800" indent="0">
+              <a:buNone/>
+              <a:defRPr sz="1400">
+                <a:solidFill>
+                  <a:schemeClr val="tx1">
+                    <a:tint val="75000"/>
+                  </a:schemeClr>
+                </a:solidFill>
+              </a:defRPr>
+            </a:lvl5pPr>
+            <a:lvl6pPr marL="2286000" indent="0">
+              <a:buNone/>
+              <a:defRPr sz="1400">
+                <a:solidFill>
+                  <a:schemeClr val="tx1">
+                    <a:tint val="75000"/>
+                  </a:schemeClr>
+                </a:solidFill>
+              </a:defRPr>
+            </a:lvl6pPr>
+            <a:lvl7pPr marL="2743200" indent="0">
+              <a:buNone/>
+              <a:defRPr sz="1400">
+                <a:solidFill>
+                  <a:schemeClr val="tx1">
+                    <a:tint val="75000"/>
+                  </a:schemeClr>
+                </a:solidFill>
+              </a:defRPr>
+            </a:lvl7pPr>
+            <a:lvl8pPr marL="3200400" indent="0">
+              <a:buNone/>
+              <a:defRPr sz="1400">
+                <a:solidFill>
+                  <a:schemeClr val="tx1">
+                    <a:tint val="75000"/>
+                  </a:schemeClr>
+                </a:solidFill>
+              </a:defRPr>
+            </a:lvl8pPr>
+            <a:lvl9pPr marL="3657600" indent="0">
+              <a:buNone/>
+              <a:defRPr sz="1400">
+                <a:solidFill>
+                  <a:schemeClr val="tx1">
+                    <a:tint val="75000"/>
+                  </a:schemeClr>
+                </a:solidFill>
+              </a:defRPr>
+            </a:lvl9pPr>
+          </a:lstStyle>
+          <a:p>
+            <a:pPr lvl="0"/>
+            <a:r>
+              <a:rPr lang="en-US" smtClean="0"/>
+              <a:t>Click to edit Master text styles</a:t>
+            </a:r>
+          </a:p>
+        </p:txBody>
+      </p:sp>
+      <p:sp>
+        <p:nvSpPr>
+          <p:cNvPr id="4" name="Date Placeholder 3"/>
+          <p:cNvSpPr>
+            <a:spLocks noGrp="1"/>
+          </p:cNvSpPr>
+          <p:nvPr>
+            <p:ph type="dt" sz="half" idx="10"/>
+          </p:nvPr>
+        </p:nvSpPr>
+        <p:spPr/>
+        <p:txBody>
+          <a:bodyPr/>
+          <a:lstStyle/>
+          <a:p>
+            <a:fld id="{D8602FEB-BDEF-874E-8684-5926EEF90688}" type="datetimeFigureOut">
+              <a:rPr lang="en-US" smtClean="0"/>
+              <a:t>10/9/15</a:t>
+            </a:fld>
+            <a:endParaRPr lang="en-US"/>
+          </a:p>
+        </p:txBody>
+      </p:sp>
+      <p:sp>
+        <p:nvSpPr>
+          <p:cNvPr id="5" name="Footer Placeholder 4"/>
+          <p:cNvSpPr>
+            <a:spLocks noGrp="1"/>
+          </p:cNvSpPr>
+          <p:nvPr>
+            <p:ph type="ftr" sz="quarter" idx="11"/>
+          </p:nvPr>
+        </p:nvSpPr>
+        <p:spPr/>
+        <p:txBody>
+          <a:bodyPr/>
+          <a:lstStyle/>
+          <a:p>
+            <a:endParaRPr lang="en-US"/>
+          </a:p>
+        </p:txBody>
+      </p:sp>
+      <p:sp>
+        <p:nvSpPr>
+          <p:cNvPr id="6" name="Slide Number Placeholder 5"/>
+          <p:cNvSpPr>
+            <a:spLocks noGrp="1"/>
+          </p:cNvSpPr>
+          <p:nvPr>
+            <p:ph type="sldNum" sz="quarter" idx="12"/>
+          </p:nvPr>
+        </p:nvSpPr>
+        <p:spPr/>
+        <p:txBody>
+          <a:bodyPr/>
+          <a:lstStyle/>
+          <a:p>
+            <a:fld id="{0EA0CB27-BC86-2F4A-BD4B-6414B7FEA2A4}" type="slidenum">
+              <a:rPr lang="en-US" smtClean="0"/>
+              <a:t>‹#›</a:t>
+            </a:fld>
+            <a:endParaRPr lang="en-US"/>
+          </a:p>
+        </p:txBody>
+      </p:sp>
+    </p:spTree>
+    <p:extLst>
+      <p:ext uri="{BB962C8B-B14F-4D97-AF65-F5344CB8AC3E}">
+        <p14:creationId xmlns:p14="http://schemas.microsoft.com/office/powerpoint/2010/main" val="3733732295"/>
+      </p:ext>
+    </p:extLst>
+  </p:cSld>
+  <p:clrMapOvr>
+    <a:masterClrMapping/>
+  </p:clrMapOvr>
+</p:sldLayout>
+</file>
+
+<file path=ppt/slideLayouts/slideLayout4.xml><?xml version="1.0" encoding="utf-8"?>
+<p:sldLayout xmlns:a="http://schemas.openxmlformats.org/drawingml/2006/main" xmlns:r="http://schemas.openxmlformats.org/officeDocument/2006/relationships" xmlns:p="http://schemas.openxmlformats.org/presentationml/2006/main" type="twoObj" preserve="1">
+  <p:cSld name="Two Content">
+    <p:spTree>
+      <p:nvGrpSpPr>
+        <p:cNvPr id="1" name=""/>
+        <p:cNvGrpSpPr/>
+        <p:nvPr/>
+      </p:nvGrpSpPr>
+      <p:grpSpPr>
+        <a:xfrm>
+          <a:off x="0" y="0"/>
+          <a:ext cx="0" cy="0"/>
+          <a:chOff x="0" y="0"/>
+          <a:chExt cx="0" cy="0"/>
+        </a:xfrm>
+      </p:grpSpPr>
+      <p:sp>
+        <p:nvSpPr>
+          <p:cNvPr id="2" name="Title 1"/>
+          <p:cNvSpPr>
+            <a:spLocks noGrp="1"/>
+          </p:cNvSpPr>
+          <p:nvPr>
+            <p:ph type="title"/>
+          </p:nvPr>
+        </p:nvSpPr>
+        <p:spPr/>
+        <p:txBody>
+          <a:bodyPr/>
+          <a:lstStyle/>
+          <a:p>
+            <a:r>
+              <a:rPr lang="en-US" smtClean="0"/>
+              <a:t>Click to edit Master title style</a:t>
+            </a:r>
+            <a:endParaRPr lang="en-US"/>
+          </a:p>
+        </p:txBody>
+      </p:sp>
+      <p:sp>
+        <p:nvSpPr>
+          <p:cNvPr id="3" name="Content Placeholder 2"/>
+          <p:cNvSpPr>
+            <a:spLocks noGrp="1"/>
+          </p:cNvSpPr>
+          <p:nvPr>
+            <p:ph sz="half" idx="1"/>
+          </p:nvPr>
+        </p:nvSpPr>
+        <p:spPr>
+          <a:xfrm>
+            <a:off x="457200" y="1600200"/>
+            <a:ext cx="4038600" cy="4525963"/>
+          </a:xfrm>
+        </p:spPr>
+        <p:txBody>
+          <a:bodyPr/>
+          <a:lstStyle>
+            <a:lvl1pPr>
+              <a:defRPr sz="2800"/>
+            </a:lvl1pPr>
+            <a:lvl2pPr>
+              <a:defRPr sz="2400"/>
+            </a:lvl2pPr>
+            <a:lvl3pPr>
+              <a:defRPr sz="2000"/>
+            </a:lvl3pPr>
+            <a:lvl4pPr>
+              <a:defRPr sz="1800"/>
+            </a:lvl4pPr>
+            <a:lvl5pPr>
+              <a:defRPr sz="1800"/>
+            </a:lvl5pPr>
+            <a:lvl6pPr>
+              <a:defRPr sz="1800"/>
+            </a:lvl6pPr>
+            <a:lvl7pPr>
+              <a:defRPr sz="1800"/>
+            </a:lvl7pPr>
+            <a:lvl8pPr>
+              <a:defRPr sz="1800"/>
+            </a:lvl8pPr>
+            <a:lvl9pPr>
+              <a:defRPr sz="1800"/>
+            </a:lvl9pPr>
+          </a:lstStyle>
+          <a:p>
+            <a:pPr lvl="0"/>
+            <a:r>
+              <a:rPr lang="en-US" smtClean="0"/>
+              <a:t>Click to edit Master text styles</a:t>
+            </a:r>
+          </a:p>
+          <a:p>
+            <a:pPr lvl="1"/>
+            <a:r>
+              <a:rPr lang="en-US" smtClean="0"/>
+              <a:t>Second level</a:t>
+            </a:r>
+          </a:p>
+          <a:p>
+            <a:pPr lvl="2"/>
+            <a:r>
+              <a:rPr lang="en-US" smtClean="0"/>
+              <a:t>Third level</a:t>
+            </a:r>
+          </a:p>
+          <a:p>
+            <a:pPr lvl="3"/>
+            <a:r>
+              <a:rPr lang="en-US" smtClean="0"/>
+              <a:t>Fourth level</a:t>
+            </a:r>
+          </a:p>
+          <a:p>
+            <a:pPr lvl="4"/>
+            <a:r>
+              <a:rPr lang="en-US" smtClean="0"/>
+              <a:t>Fifth level</a:t>
+            </a:r>
+            <a:endParaRPr lang="en-US"/>
+          </a:p>
+        </p:txBody>
+      </p:sp>
+      <p:sp>
+        <p:nvSpPr>
+          <p:cNvPr id="4" name="Content Placeholder 3"/>
+          <p:cNvSpPr>
+            <a:spLocks noGrp="1"/>
+          </p:cNvSpPr>
+          <p:nvPr>
+            <p:ph sz="half" idx="2"/>
+          </p:nvPr>
+        </p:nvSpPr>
+        <p:spPr>
+          <a:xfrm>
+            <a:off x="4648200" y="1600200"/>
+            <a:ext cx="4038600" cy="4525963"/>
+          </a:xfrm>
+        </p:spPr>
+        <p:txBody>
+          <a:bodyPr/>
+          <a:lstStyle>
+            <a:lvl1pPr>
+              <a:defRPr sz="2800"/>
+            </a:lvl1pPr>
+            <a:lvl2pPr>
+              <a:defRPr sz="2400"/>
+            </a:lvl2pPr>
+            <a:lvl3pPr>
+              <a:defRPr sz="2000"/>
+            </a:lvl3pPr>
+            <a:lvl4pPr>
+              <a:defRPr sz="1800"/>
+            </a:lvl4pPr>
+            <a:lvl5pPr>
+              <a:defRPr sz="1800"/>
+            </a:lvl5pPr>
+            <a:lvl6pPr>
+              <a:defRPr sz="1800"/>
+            </a:lvl6pPr>
+            <a:lvl7pPr>
+              <a:defRPr sz="1800"/>
+            </a:lvl7pPr>
+            <a:lvl8pPr>
+              <a:defRPr sz="1800"/>
+            </a:lvl8pPr>
+            <a:lvl9pPr>
+              <a:defRPr sz="1800"/>
+            </a:lvl9pPr>
+          </a:lstStyle>
+          <a:p>
+            <a:pPr lvl="0"/>
+            <a:r>
+              <a:rPr lang="en-US" smtClean="0"/>
+              <a:t>Click to edit Master text styles</a:t>
+            </a:r>
+          </a:p>
+          <a:p>
+            <a:pPr lvl="1"/>
+            <a:r>
+              <a:rPr lang="en-US" smtClean="0"/>
+              <a:t>Second level</a:t>
+            </a:r>
+          </a:p>
+          <a:p>
+            <a:pPr lvl="2"/>
+            <a:r>
+              <a:rPr lang="en-US" smtClean="0"/>
+              <a:t>Third level</a:t>
+            </a:r>
+          </a:p>
+          <a:p>
+            <a:pPr lvl="3"/>
+            <a:r>
+              <a:rPr lang="en-US" smtClean="0"/>
+              <a:t>Fourth level</a:t>
+            </a:r>
+          </a:p>
+          <a:p>
+            <a:pPr lvl="4"/>
+            <a:r>
+              <a:rPr lang="en-US" smtClean="0"/>
+              <a:t>Fifth level</a:t>
+            </a:r>
+            <a:endParaRPr lang="en-US"/>
+          </a:p>
+        </p:txBody>
+      </p:sp>
+      <p:sp>
+        <p:nvSpPr>
+          <p:cNvPr id="5" name="Date Placeholder 4"/>
+          <p:cNvSpPr>
+            <a:spLocks noGrp="1"/>
+          </p:cNvSpPr>
+          <p:nvPr>
+            <p:ph type="dt" sz="half" idx="10"/>
+          </p:nvPr>
+        </p:nvSpPr>
+        <p:spPr/>
+        <p:txBody>
+          <a:bodyPr/>
+          <a:lstStyle/>
+          <a:p>
+            <a:fld id="{D8602FEB-BDEF-874E-8684-5926EEF90688}" type="datetimeFigureOut">
+              <a:rPr lang="en-US" smtClean="0"/>
+              <a:t>10/9/15</a:t>
+            </a:fld>
+            <a:endParaRPr lang="en-US"/>
+          </a:p>
+        </p:txBody>
+      </p:sp>
+      <p:sp>
+        <p:nvSpPr>
+          <p:cNvPr id="6" name="Footer Placeholder 5"/>
+          <p:cNvSpPr>
+            <a:spLocks noGrp="1"/>
+          </p:cNvSpPr>
+          <p:nvPr>
+            <p:ph type="ftr" sz="quarter" idx="11"/>
+          </p:nvPr>
+        </p:nvSpPr>
+        <p:spPr/>
+        <p:txBody>
+          <a:bodyPr/>
+          <a:lstStyle/>
+          <a:p>
+            <a:endParaRPr lang="en-US"/>
+          </a:p>
+        </p:txBody>
+      </p:sp>
+      <p:sp>
+        <p:nvSpPr>
+          <p:cNvPr id="7" name="Slide Number Placeholder 6"/>
+          <p:cNvSpPr>
+            <a:spLocks noGrp="1"/>
+          </p:cNvSpPr>
+          <p:nvPr>
+            <p:ph type="sldNum" sz="quarter" idx="12"/>
+          </p:nvPr>
+        </p:nvSpPr>
+        <p:spPr/>
+        <p:txBody>
+          <a:bodyPr/>
+          <a:lstStyle/>
+          <a:p>
+            <a:fld id="{0EA0CB27-BC86-2F4A-BD4B-6414B7FEA2A4}" type="slidenum">
+              <a:rPr lang="en-US" smtClean="0"/>
+              <a:t>‹#›</a:t>
+            </a:fld>
+            <a:endParaRPr lang="en-US"/>
+          </a:p>
+        </p:txBody>
+      </p:sp>
+    </p:spTree>
+    <p:extLst>
+      <p:ext uri="{BB962C8B-B14F-4D97-AF65-F5344CB8AC3E}">
+        <p14:creationId xmlns:p14="http://schemas.microsoft.com/office/powerpoint/2010/main" val="2850780906"/>
+      </p:ext>
+    </p:extLst>
+  </p:cSld>
+  <p:clrMapOvr>
+    <a:masterClrMapping/>
+  </p:clrMapOvr>
+</p:sldLayout>
+</file>
+
+<file path=ppt/slideLayouts/slideLayout5.xml><?xml version="1.0" encoding="utf-8"?>
+<p:sldLayout xmlns:a="http://schemas.openxmlformats.org/drawingml/2006/main" xmlns:r="http://schemas.openxmlformats.org/officeDocument/2006/relationships" xmlns:p="http://schemas.openxmlformats.org/presentationml/2006/main" type="twoTxTwoObj" preserve="1">
+  <p:cSld name="Comparison">
+    <p:spTree>
+      <p:nvGrpSpPr>
+        <p:cNvPr id="1" name=""/>
+        <p:cNvGrpSpPr/>
+        <p:nvPr/>
+      </p:nvGrpSpPr>
+      <p:grpSpPr>
+        <a:xfrm>
+          <a:off x="0" y="0"/>
+          <a:ext cx="0" cy="0"/>
+          <a:chOff x="0" y="0"/>
+          <a:chExt cx="0" cy="0"/>
+        </a:xfrm>
+      </p:grpSpPr>
+      <p:sp>
+        <p:nvSpPr>
+          <p:cNvPr id="2" name="Title 1"/>
+          <p:cNvSpPr>
+            <a:spLocks noGrp="1"/>
+          </p:cNvSpPr>
+          <p:nvPr>
+            <p:ph type="title"/>
+          </p:nvPr>
+        </p:nvSpPr>
+        <p:spPr/>
+        <p:txBody>
+          <a:bodyPr/>
+          <a:lstStyle>
+            <a:lvl1pPr>
+              <a:defRPr/>
+            </a:lvl1pPr>
+          </a:lstStyle>
+          <a:p>
+            <a:r>
+              <a:rPr lang="en-US" smtClean="0"/>
+              <a:t>Click to edit Master title style</a:t>
+            </a:r>
+            <a:endParaRPr lang="en-US"/>
+          </a:p>
+        </p:txBody>
+      </p:sp>
+      <p:sp>
+        <p:nvSpPr>
+          <p:cNvPr id="3" name="Text Placeholder 2"/>
+          <p:cNvSpPr>
+            <a:spLocks noGrp="1"/>
+          </p:cNvSpPr>
+          <p:nvPr>
+            <p:ph type="body" idx="1"/>
+          </p:nvPr>
+        </p:nvSpPr>
+        <p:spPr>
+          <a:xfrm>
+            <a:off x="457200" y="1535113"/>
+            <a:ext cx="4040188" cy="639762"/>
+          </a:xfrm>
+        </p:spPr>
+        <p:txBody>
+          <a:bodyPr anchor="b"/>
+          <a:lstStyle>
+            <a:lvl1pPr marL="0" indent="0">
+              <a:buNone/>
+              <a:defRPr sz="2400" b="1"/>
+            </a:lvl1pPr>
+            <a:lvl2pPr marL="457200" indent="0">
+              <a:buNone/>
+              <a:defRPr sz="2000" b="1"/>
+            </a:lvl2pPr>
+            <a:lvl3pPr marL="914400" indent="0">
+              <a:buNone/>
+              <a:defRPr sz="1800" b="1"/>
+            </a:lvl3pPr>
+            <a:lvl4pPr marL="1371600" indent="0">
+              <a:buNone/>
+              <a:defRPr sz="1600" b="1"/>
+            </a:lvl4pPr>
+            <a:lvl5pPr marL="1828800" indent="0">
+              <a:buNone/>
+              <a:defRPr sz="1600" b="1"/>
+            </a:lvl5pPr>
+            <a:lvl6pPr marL="2286000" indent="0">
+              <a:buNone/>
+              <a:defRPr sz="1600" b="1"/>
+            </a:lvl6pPr>
+            <a:lvl7pPr marL="2743200" indent="0">
+              <a:buNone/>
+              <a:defRPr sz="1600" b="1"/>
+            </a:lvl7pPr>
+            <a:lvl8pPr marL="3200400" indent="0">
+              <a:buNone/>
+              <a:defRPr sz="1600" b="1"/>
+            </a:lvl8pPr>
+            <a:lvl9pPr marL="3657600" indent="0">
+              <a:buNone/>
+              <a:defRPr sz="1600" b="1"/>
+            </a:lvl9pPr>
+          </a:lstStyle>
+          <a:p>
+            <a:pPr lvl="0"/>
+            <a:r>
+              <a:rPr lang="en-US" smtClean="0"/>
+              <a:t>Click to edit Master text styles</a:t>
+            </a:r>
+          </a:p>
+        </p:txBody>
+      </p:sp>
+      <p:sp>
+        <p:nvSpPr>
+          <p:cNvPr id="4" name="Content Placeholder 3"/>
+          <p:cNvSpPr>
+            <a:spLocks noGrp="1"/>
+          </p:cNvSpPr>
+          <p:nvPr>
+            <p:ph sz="half" idx="2"/>
+          </p:nvPr>
+        </p:nvSpPr>
+        <p:spPr>
+          <a:xfrm>
+            <a:off x="457200" y="2174875"/>
+            <a:ext cx="4040188" cy="3951288"/>
+          </a:xfrm>
+        </p:spPr>
+        <p:txBody>
+          <a:bodyPr/>
+          <a:lstStyle>
+            <a:lvl1pPr>
+              <a:defRPr sz="2400"/>
+            </a:lvl1pPr>
+            <a:lvl2pPr>
+              <a:defRPr sz="2000"/>
+            </a:lvl2pPr>
+            <a:lvl3pPr>
+              <a:defRPr sz="1800"/>
+            </a:lvl3pPr>
+            <a:lvl4pPr>
+              <a:defRPr sz="1600"/>
+            </a:lvl4pPr>
+            <a:lvl5pPr>
+              <a:defRPr sz="1600"/>
+            </a:lvl5pPr>
+            <a:lvl6pPr>
+              <a:defRPr sz="1600"/>
+            </a:lvl6pPr>
+            <a:lvl7pPr>
+              <a:defRPr sz="1600"/>
+            </a:lvl7pPr>
+            <a:lvl8pPr>
+              <a:defRPr sz="1600"/>
+            </a:lvl8pPr>
+            <a:lvl9pPr>
+              <a:defRPr sz="1600"/>
+            </a:lvl9pPr>
+          </a:lstStyle>
+          <a:p>
+            <a:pPr lvl="0"/>
+            <a:r>
+              <a:rPr lang="en-US" smtClean="0"/>
+              <a:t>Click to edit Master text styles</a:t>
+            </a:r>
+          </a:p>
+          <a:p>
+            <a:pPr lvl="1"/>
+            <a:r>
+              <a:rPr lang="en-US" smtClean="0"/>
+              <a:t>Second level</a:t>
+            </a:r>
+          </a:p>
+          <a:p>
+            <a:pPr lvl="2"/>
+            <a:r>
+              <a:rPr lang="en-US" smtClean="0"/>
+              <a:t>Third level</a:t>
+            </a:r>
+          </a:p>
+          <a:p>
+            <a:pPr lvl="3"/>
+            <a:r>
+              <a:rPr lang="en-US" smtClean="0"/>
+              <a:t>Fourth level</a:t>
+            </a:r>
+          </a:p>
+          <a:p>
+            <a:pPr lvl="4"/>
+            <a:r>
+              <a:rPr lang="en-US" smtClean="0"/>
+              <a:t>Fifth level</a:t>
+            </a:r>
+            <a:endParaRPr lang="en-US"/>
+          </a:p>
+        </p:txBody>
+      </p:sp>
+      <p:sp>
+        <p:nvSpPr>
+          <p:cNvPr id="5" name="Text Placeholder 4"/>
+          <p:cNvSpPr>
+            <a:spLocks noGrp="1"/>
+          </p:cNvSpPr>
+          <p:nvPr>
+            <p:ph type="body" sz="quarter" idx="3"/>
+          </p:nvPr>
+        </p:nvSpPr>
+        <p:spPr>
+          <a:xfrm>
+            <a:off x="4645025" y="1535113"/>
+            <a:ext cx="4041775" cy="639762"/>
+          </a:xfrm>
+        </p:spPr>
+        <p:txBody>
+          <a:bodyPr anchor="b"/>
+          <a:lstStyle>
+            <a:lvl1pPr marL="0" indent="0">
+              <a:buNone/>
+              <a:defRPr sz="2400" b="1"/>
+            </a:lvl1pPr>
+            <a:lvl2pPr marL="457200" indent="0">
+              <a:buNone/>
+              <a:defRPr sz="2000" b="1"/>
+            </a:lvl2pPr>
+            <a:lvl3pPr marL="914400" indent="0">
+              <a:buNone/>
+              <a:defRPr sz="1800" b="1"/>
+            </a:lvl3pPr>
+            <a:lvl4pPr marL="1371600" indent="0">
+              <a:buNone/>
+              <a:defRPr sz="1600" b="1"/>
+            </a:lvl4pPr>
+            <a:lvl5pPr marL="1828800" indent="0">
+              <a:buNone/>
+              <a:defRPr sz="1600" b="1"/>
+            </a:lvl5pPr>
+            <a:lvl6pPr marL="2286000" indent="0">
+              <a:buNone/>
+              <a:defRPr sz="1600" b="1"/>
+            </a:lvl6pPr>
+            <a:lvl7pPr marL="2743200" indent="0">
+              <a:buNone/>
+              <a:defRPr sz="1600" b="1"/>
+            </a:lvl7pPr>
+            <a:lvl8pPr marL="3200400" indent="0">
+              <a:buNone/>
+              <a:defRPr sz="1600" b="1"/>
+            </a:lvl8pPr>
+            <a:lvl9pPr marL="3657600" indent="0">
+              <a:buNone/>
+              <a:defRPr sz="1600" b="1"/>
+            </a:lvl9pPr>
+          </a:lstStyle>
+          <a:p>
+            <a:pPr lvl="0"/>
+            <a:r>
+              <a:rPr lang="en-US" smtClean="0"/>
+              <a:t>Click to edit Master text styles</a:t>
+            </a:r>
+          </a:p>
+        </p:txBody>
+      </p:sp>
+      <p:sp>
+        <p:nvSpPr>
+          <p:cNvPr id="6" name="Content Placeholder 5"/>
+          <p:cNvSpPr>
+            <a:spLocks noGrp="1"/>
+          </p:cNvSpPr>
+          <p:nvPr>
+            <p:ph sz="quarter" idx="4"/>
+          </p:nvPr>
+        </p:nvSpPr>
+        <p:spPr>
+          <a:xfrm>
+            <a:off x="4645025" y="2174875"/>
+            <a:ext cx="4041775" cy="3951288"/>
+          </a:xfrm>
+        </p:spPr>
+        <p:txBody>
+          <a:bodyPr/>
+          <a:lstStyle>
+            <a:lvl1pPr>
+              <a:defRPr sz="2400"/>
+            </a:lvl1pPr>
+            <a:lvl2pPr>
+              <a:defRPr sz="2000"/>
+            </a:lvl2pPr>
+            <a:lvl3pPr>
+              <a:defRPr sz="1800"/>
+            </a:lvl3pPr>
+            <a:lvl4pPr>
+              <a:defRPr sz="1600"/>
+            </a:lvl4pPr>
+            <a:lvl5pPr>
+              <a:defRPr sz="1600"/>
+            </a:lvl5pPr>
+            <a:lvl6pPr>
+              <a:defRPr sz="1600"/>
+            </a:lvl6pPr>
+            <a:lvl7pPr>
+              <a:defRPr sz="1600"/>
+            </a:lvl7pPr>
+            <a:lvl8pPr>
+              <a:defRPr sz="1600"/>
+            </a:lvl8pPr>
+            <a:lvl9pPr>
+              <a:defRPr sz="1600"/>
+            </a:lvl9pPr>
+          </a:lstStyle>
+          <a:p>
+            <a:pPr lvl="0"/>
+            <a:r>
+              <a:rPr lang="en-US" smtClean="0"/>
+              <a:t>Click to edit Master text styles</a:t>
+            </a:r>
+          </a:p>
+          <a:p>
+            <a:pPr lvl="1"/>
+            <a:r>
+              <a:rPr lang="en-US" smtClean="0"/>
+              <a:t>Second level</a:t>
+            </a:r>
+          </a:p>
+          <a:p>
+            <a:pPr lvl="2"/>
+            <a:r>
+              <a:rPr lang="en-US" smtClean="0"/>
+              <a:t>Third level</a:t>
+            </a:r>
+          </a:p>
+          <a:p>
+            <a:pPr lvl="3"/>
+            <a:r>
+              <a:rPr lang="en-US" smtClean="0"/>
+              <a:t>Fourth level</a:t>
+            </a:r>
+          </a:p>
+          <a:p>
+            <a:pPr lvl="4"/>
+            <a:r>
+              <a:rPr lang="en-US" smtClean="0"/>
+              <a:t>Fifth level</a:t>
+            </a:r>
+            <a:endParaRPr lang="en-US"/>
+          </a:p>
+        </p:txBody>
+      </p:sp>
+      <p:sp>
+        <p:nvSpPr>
+          <p:cNvPr id="7" name="Date Placeholder 6"/>
+          <p:cNvSpPr>
+            <a:spLocks noGrp="1"/>
+          </p:cNvSpPr>
+          <p:nvPr>
+            <p:ph type="dt" sz="half" idx="10"/>
+          </p:nvPr>
+        </p:nvSpPr>
+        <p:spPr/>
+        <p:txBody>
+          <a:bodyPr/>
+          <a:lstStyle/>
+          <a:p>
+            <a:fld id="{D8602FEB-BDEF-874E-8684-5926EEF90688}" type="datetimeFigureOut">
+              <a:rPr lang="en-US" smtClean="0"/>
+              <a:t>10/9/15</a:t>
+            </a:fld>
+            <a:endParaRPr lang="en-US"/>
+          </a:p>
+        </p:txBody>
+      </p:sp>
+      <p:sp>
+        <p:nvSpPr>
+          <p:cNvPr id="8" name="Footer Placeholder 7"/>
+          <p:cNvSpPr>
+            <a:spLocks noGrp="1"/>
+          </p:cNvSpPr>
+          <p:nvPr>
+            <p:ph type="ftr" sz="quarter" idx="11"/>
+          </p:nvPr>
+        </p:nvSpPr>
+        <p:spPr/>
+        <p:txBody>
+          <a:bodyPr/>
+          <a:lstStyle/>
+          <a:p>
+            <a:endParaRPr lang="en-US"/>
+          </a:p>
+        </p:txBody>
+      </p:sp>
+      <p:sp>
+        <p:nvSpPr>
+          <p:cNvPr id="9" name="Slide Number Placeholder 8"/>
+          <p:cNvSpPr>
+            <a:spLocks noGrp="1"/>
+          </p:cNvSpPr>
+          <p:nvPr>
+            <p:ph type="sldNum" sz="quarter" idx="12"/>
+          </p:nvPr>
+        </p:nvSpPr>
+        <p:spPr/>
+        <p:txBody>
+          <a:bodyPr/>
+          <a:lstStyle/>
+          <a:p>
+            <a:fld id="{0EA0CB27-BC86-2F4A-BD4B-6414B7FEA2A4}" type="slidenum">
+              <a:rPr lang="en-US" smtClean="0"/>
+              <a:t>‹#›</a:t>
+            </a:fld>
+            <a:endParaRPr lang="en-US"/>
+          </a:p>
+        </p:txBody>
+      </p:sp>
+    </p:spTree>
+    <p:extLst>
+      <p:ext uri="{BB962C8B-B14F-4D97-AF65-F5344CB8AC3E}">
+        <p14:creationId xmlns:p14="http://schemas.microsoft.com/office/powerpoint/2010/main" val="1416797538"/>
+      </p:ext>
+    </p:extLst>
+  </p:cSld>
+  <p:clrMapOvr>
+    <a:masterClrMapping/>
+  </p:clrMapOvr>
+</p:sldLayout>
+</file>
+
+<file path=ppt/slideLayouts/slideLayout6.xml><?xml version="1.0" encoding="utf-8"?>
+<p:sldLayout xmlns:a="http://schemas.openxmlformats.org/drawingml/2006/main" xmlns:r="http://schemas.openxmlformats.org/officeDocument/2006/relationships" xmlns:p="http://schemas.openxmlformats.org/presentationml/2006/main" type="titleOnly" preserve="1">
+  <p:cSld name="Title Only">
+    <p:spTree>
+      <p:nvGrpSpPr>
+        <p:cNvPr id="1" name=""/>
+        <p:cNvGrpSpPr/>
+        <p:nvPr/>
+      </p:nvGrpSpPr>
+      <p:grpSpPr>
+        <a:xfrm>
+          <a:off x="0" y="0"/>
+          <a:ext cx="0" cy="0"/>
+          <a:chOff x="0" y="0"/>
+          <a:chExt cx="0" cy="0"/>
+        </a:xfrm>
+      </p:grpSpPr>
+      <p:sp>
+        <p:nvSpPr>
+          <p:cNvPr id="2" name="Title 1"/>
+          <p:cNvSpPr>
+            <a:spLocks noGrp="1"/>
+          </p:cNvSpPr>
+          <p:nvPr>
+            <p:ph type="title"/>
+          </p:nvPr>
+        </p:nvSpPr>
+        <p:spPr/>
+        <p:txBody>
+          <a:bodyPr/>
+          <a:lstStyle/>
+          <a:p>
+            <a:r>
+              <a:rPr lang="en-US" smtClean="0"/>
+              <a:t>Click to edit Master title style</a:t>
+            </a:r>
+            <a:endParaRPr lang="en-US"/>
+          </a:p>
+        </p:txBody>
+      </p:sp>
+      <p:sp>
+        <p:nvSpPr>
+          <p:cNvPr id="3" name="Date Placeholder 2"/>
+          <p:cNvSpPr>
+            <a:spLocks noGrp="1"/>
+          </p:cNvSpPr>
+          <p:nvPr>
+            <p:ph type="dt" sz="half" idx="10"/>
+          </p:nvPr>
+        </p:nvSpPr>
+        <p:spPr/>
+        <p:txBody>
+          <a:bodyPr/>
+          <a:lstStyle/>
+          <a:p>
+            <a:fld id="{D8602FEB-BDEF-874E-8684-5926EEF90688}" type="datetimeFigureOut">
+              <a:rPr lang="en-US" smtClean="0"/>
+              <a:t>10/9/15</a:t>
+            </a:fld>
+            <a:endParaRPr lang="en-US"/>
+          </a:p>
+        </p:txBody>
+      </p:sp>
+      <p:sp>
+        <p:nvSpPr>
+          <p:cNvPr id="4" name="Footer Placeholder 3"/>
+          <p:cNvSpPr>
+            <a:spLocks noGrp="1"/>
+          </p:cNvSpPr>
+          <p:nvPr>
+            <p:ph type="ftr" sz="quarter" idx="11"/>
+          </p:nvPr>
+        </p:nvSpPr>
+        <p:spPr/>
+        <p:txBody>
+          <a:bodyPr/>
+          <a:lstStyle/>
+          <a:p>
+            <a:endParaRPr lang="en-US"/>
+          </a:p>
+        </p:txBody>
+      </p:sp>
+      <p:sp>
+        <p:nvSpPr>
+          <p:cNvPr id="5" name="Slide Number Placeholder 4"/>
+          <p:cNvSpPr>
+            <a:spLocks noGrp="1"/>
+          </p:cNvSpPr>
+          <p:nvPr>
+            <p:ph type="sldNum" sz="quarter" idx="12"/>
+          </p:nvPr>
+        </p:nvSpPr>
+        <p:spPr/>
+        <p:txBody>
+          <a:bodyPr/>
+          <a:lstStyle/>
+          <a:p>
+            <a:fld id="{0EA0CB27-BC86-2F4A-BD4B-6414B7FEA2A4}" type="slidenum">
+              <a:rPr lang="en-US" smtClean="0"/>
+              <a:t>‹#›</a:t>
+            </a:fld>
+            <a:endParaRPr lang="en-US"/>
+          </a:p>
+        </p:txBody>
+      </p:sp>
+    </p:spTree>
+    <p:extLst>
+      <p:ext uri="{BB962C8B-B14F-4D97-AF65-F5344CB8AC3E}">
+        <p14:creationId xmlns:p14="http://schemas.microsoft.com/office/powerpoint/2010/main" val="3137345535"/>
+      </p:ext>
+    </p:extLst>
+  </p:cSld>
+  <p:clrMapOvr>
+    <a:masterClrMapping/>
+  </p:clrMapOvr>
+</p:sldLayout>
+</file>
+
+<file path=ppt/slideLayouts/slideLayout7.xml><?xml version="1.0" encoding="utf-8"?>
+<p:sldLayout xmlns:a="http://schemas.openxmlformats.org/drawingml/2006/main" xmlns:r="http://schemas.openxmlformats.org/officeDocument/2006/relationships" xmlns:p="http://schemas.openxmlformats.org/presentationml/2006/main" type="blank" preserve="1">
+  <p:cSld name="Blank">
+    <p:spTree>
+      <p:nvGrpSpPr>
+        <p:cNvPr id="1" name=""/>
+        <p:cNvGrpSpPr/>
+        <p:nvPr/>
+      </p:nvGrpSpPr>
+      <p:grpSpPr>
+        <a:xfrm>
+          <a:off x="0" y="0"/>
+          <a:ext cx="0" cy="0"/>
+          <a:chOff x="0" y="0"/>
+          <a:chExt cx="0" cy="0"/>
+        </a:xfrm>
+      </p:grpSpPr>
+      <p:sp>
+        <p:nvSpPr>
+          <p:cNvPr id="2" name="Date Placeholder 1"/>
+          <p:cNvSpPr>
+            <a:spLocks noGrp="1"/>
+          </p:cNvSpPr>
+          <p:nvPr>
+            <p:ph type="dt" sz="half" idx="10"/>
+          </p:nvPr>
+        </p:nvSpPr>
+        <p:spPr/>
+        <p:txBody>
+          <a:bodyPr/>
+          <a:lstStyle/>
+          <a:p>
+            <a:fld id="{D8602FEB-BDEF-874E-8684-5926EEF90688}" type="datetimeFigureOut">
+              <a:rPr lang="en-US" smtClean="0"/>
+              <a:t>10/9/15</a:t>
+            </a:fld>
+            <a:endParaRPr lang="en-US"/>
+          </a:p>
+        </p:txBody>
+      </p:sp>
+      <p:sp>
+        <p:nvSpPr>
+          <p:cNvPr id="3" name="Footer Placeholder 2"/>
+          <p:cNvSpPr>
+            <a:spLocks noGrp="1"/>
+          </p:cNvSpPr>
+          <p:nvPr>
+            <p:ph type="ftr" sz="quarter" idx="11"/>
+          </p:nvPr>
+        </p:nvSpPr>
+        <p:spPr/>
+        <p:txBody>
+          <a:bodyPr/>
+          <a:lstStyle/>
+          <a:p>
+            <a:endParaRPr lang="en-US"/>
+          </a:p>
+        </p:txBody>
+      </p:sp>
+      <p:sp>
+        <p:nvSpPr>
+          <p:cNvPr id="4" name="Slide Number Placeholder 3"/>
+          <p:cNvSpPr>
+            <a:spLocks noGrp="1"/>
+          </p:cNvSpPr>
+          <p:nvPr>
+            <p:ph type="sldNum" sz="quarter" idx="12"/>
+          </p:nvPr>
+        </p:nvSpPr>
+        <p:spPr/>
+        <p:txBody>
+          <a:bodyPr/>
+          <a:lstStyle/>
+          <a:p>
+            <a:fld id="{0EA0CB27-BC86-2F4A-BD4B-6414B7FEA2A4}" type="slidenum">
+              <a:rPr lang="en-US" smtClean="0"/>
+              <a:t>‹#›</a:t>
+            </a:fld>
+            <a:endParaRPr lang="en-US"/>
+          </a:p>
+        </p:txBody>
+      </p:sp>
+    </p:spTree>
+    <p:extLst>
+      <p:ext uri="{BB962C8B-B14F-4D97-AF65-F5344CB8AC3E}">
+        <p14:creationId xmlns:p14="http://schemas.microsoft.com/office/powerpoint/2010/main" val="3785526042"/>
+      </p:ext>
+    </p:extLst>
+  </p:cSld>
+  <p:clrMapOvr>
+    <a:masterClrMapping/>
+  </p:clrMapOvr>
+</p:sldLayout>
+</file>
+
+<file path=ppt/slideLayouts/slideLayout8.xml><?xml version="1.0" encoding="utf-8"?>
+<p:sldLayout xmlns:a="http://schemas.openxmlformats.org/drawingml/2006/main" xmlns:r="http://schemas.openxmlformats.org/officeDocument/2006/relationships" xmlns:p="http://schemas.openxmlformats.org/presentationml/2006/main" type="objTx" preserve="1">
+  <p:cSld name="Content with Caption">
+    <p:spTree>
+      <p:nvGrpSpPr>
+        <p:cNvPr id="1" name=""/>
+        <p:cNvGrpSpPr/>
+        <p:nvPr/>
+      </p:nvGrpSpPr>
+      <p:grpSpPr>
+        <a:xfrm>
+          <a:off x="0" y="0"/>
+          <a:ext cx="0" cy="0"/>
+          <a:chOff x="0" y="0"/>
+          <a:chExt cx="0" cy="0"/>
+        </a:xfrm>
+      </p:grpSpPr>
+      <p:sp>
+        <p:nvSpPr>
+          <p:cNvPr id="2" name="Title 1"/>
+          <p:cNvSpPr>
+            <a:spLocks noGrp="1"/>
+          </p:cNvSpPr>
+          <p:nvPr>
+            <p:ph type="title"/>
+          </p:nvPr>
+        </p:nvSpPr>
+        <p:spPr>
+          <a:xfrm>
+            <a:off x="457200" y="273050"/>
+            <a:ext cx="3008313" cy="1162050"/>
+          </a:xfrm>
+        </p:spPr>
+        <p:txBody>
+          <a:bodyPr anchor="b"/>
+          <a:lstStyle>
+            <a:lvl1pPr algn="l">
+              <a:defRPr sz="2000" b="1"/>
+            </a:lvl1pPr>
+          </a:lstStyle>
+          <a:p>
+            <a:r>
+              <a:rPr lang="en-US" smtClean="0"/>
+              <a:t>Click to edit Master title style</a:t>
+            </a:r>
+            <a:endParaRPr lang="en-US"/>
+          </a:p>
+        </p:txBody>
+      </p:sp>
+      <p:sp>
+        <p:nvSpPr>
+          <p:cNvPr id="3" name="Content Placeholder 2"/>
+          <p:cNvSpPr>
+            <a:spLocks noGrp="1"/>
+          </p:cNvSpPr>
+          <p:nvPr>
+            <p:ph idx="1"/>
+          </p:nvPr>
+        </p:nvSpPr>
+        <p:spPr>
+          <a:xfrm>
+            <a:off x="3575050" y="273050"/>
+            <a:ext cx="5111750" cy="5853113"/>
+          </a:xfrm>
+        </p:spPr>
+        <p:txBody>
+          <a:bodyPr/>
+          <a:lstStyle>
+            <a:lvl1pPr>
+              <a:defRPr sz="3200"/>
+            </a:lvl1pPr>
+            <a:lvl2pPr>
+              <a:defRPr sz="2800"/>
+            </a:lvl2pPr>
+            <a:lvl3pPr>
+              <a:defRPr sz="2400"/>
+            </a:lvl3pPr>
+            <a:lvl4pPr>
+              <a:defRPr sz="2000"/>
+            </a:lvl4pPr>
+            <a:lvl5pPr>
+              <a:defRPr sz="2000"/>
+            </a:lvl5pPr>
+            <a:lvl6pPr>
+              <a:defRPr sz="2000"/>
+            </a:lvl6pPr>
+            <a:lvl7pPr>
+              <a:defRPr sz="2000"/>
+            </a:lvl7pPr>
+            <a:lvl8pPr>
+              <a:defRPr sz="2000"/>
+            </a:lvl8pPr>
+            <a:lvl9pPr>
+              <a:defRPr sz="2000"/>
+            </a:lvl9pPr>
+          </a:lstStyle>
+          <a:p>
+            <a:pPr lvl="0"/>
+            <a:r>
+              <a:rPr lang="en-US" smtClean="0"/>
+              <a:t>Click to edit Master text styles</a:t>
+            </a:r>
+          </a:p>
+          <a:p>
+            <a:pPr lvl="1"/>
+            <a:r>
+              <a:rPr lang="en-US" smtClean="0"/>
+              <a:t>Second level</a:t>
+            </a:r>
+          </a:p>
+          <a:p>
+            <a:pPr lvl="2"/>
+            <a:r>
+              <a:rPr lang="en-US" smtClean="0"/>
+              <a:t>Third level</a:t>
+            </a:r>
+          </a:p>
+          <a:p>
+            <a:pPr lvl="3"/>
+            <a:r>
+              <a:rPr lang="en-US" smtClean="0"/>
+              <a:t>Fourth level</a:t>
+            </a:r>
+          </a:p>
+          <a:p>
+            <a:pPr lvl="4"/>
+            <a:r>
+              <a:rPr lang="en-US" smtClean="0"/>
+              <a:t>Fifth level</a:t>
+            </a:r>
+            <a:endParaRPr lang="en-US"/>
+          </a:p>
+        </p:txBody>
+      </p:sp>
+      <p:sp>
+        <p:nvSpPr>
+          <p:cNvPr id="4" name="Text Placeholder 3"/>
+          <p:cNvSpPr>
+            <a:spLocks noGrp="1"/>
+          </p:cNvSpPr>
+          <p:nvPr>
+            <p:ph type="body" sz="half" idx="2"/>
+          </p:nvPr>
+        </p:nvSpPr>
+        <p:spPr>
+          <a:xfrm>
+            <a:off x="457200" y="1435100"/>
+            <a:ext cx="3008313" cy="4691063"/>
+          </a:xfrm>
+        </p:spPr>
+        <p:txBody>
+          <a:bodyPr/>
+          <a:lstStyle>
+            <a:lvl1pPr marL="0" indent="0">
+              <a:buNone/>
+              <a:defRPr sz="1400"/>
+            </a:lvl1pPr>
+            <a:lvl2pPr marL="457200" indent="0">
+              <a:buNone/>
+              <a:defRPr sz="1200"/>
+            </a:lvl2pPr>
+            <a:lvl3pPr marL="914400" indent="0">
+              <a:buNone/>
+              <a:defRPr sz="1000"/>
+            </a:lvl3pPr>
+            <a:lvl4pPr marL="1371600" indent="0">
+              <a:buNone/>
+              <a:defRPr sz="900"/>
+            </a:lvl4pPr>
+            <a:lvl5pPr marL="1828800" indent="0">
+              <a:buNone/>
+              <a:defRPr sz="900"/>
+            </a:lvl5pPr>
+            <a:lvl6pPr marL="2286000" indent="0">
+              <a:buNone/>
+              <a:defRPr sz="900"/>
+            </a:lvl6pPr>
+            <a:lvl7pPr marL="2743200" indent="0">
+              <a:buNone/>
+              <a:defRPr sz="900"/>
+            </a:lvl7pPr>
+            <a:lvl8pPr marL="3200400" indent="0">
+              <a:buNone/>
+              <a:defRPr sz="900"/>
+            </a:lvl8pPr>
+            <a:lvl9pPr marL="3657600" indent="0">
+              <a:buNone/>
+              <a:defRPr sz="900"/>
+            </a:lvl9pPr>
+          </a:lstStyle>
+          <a:p>
+            <a:pPr lvl="0"/>
+            <a:r>
+              <a:rPr lang="en-US" smtClean="0"/>
+              <a:t>Click to edit Master text styles</a:t>
+            </a:r>
+          </a:p>
+        </p:txBody>
+      </p:sp>
+      <p:sp>
+        <p:nvSpPr>
+          <p:cNvPr id="5" name="Date Placeholder 4"/>
+          <p:cNvSpPr>
+            <a:spLocks noGrp="1"/>
+          </p:cNvSpPr>
+          <p:nvPr>
+            <p:ph type="dt" sz="half" idx="10"/>
+          </p:nvPr>
+        </p:nvSpPr>
+        <p:spPr/>
+        <p:txBody>
+          <a:bodyPr/>
+          <a:lstStyle/>
+          <a:p>
+            <a:fld id="{D8602FEB-BDEF-874E-8684-5926EEF90688}" type="datetimeFigureOut">
+              <a:rPr lang="en-US" smtClean="0"/>
+              <a:t>10/9/15</a:t>
+            </a:fld>
+            <a:endParaRPr lang="en-US"/>
+          </a:p>
+        </p:txBody>
+      </p:sp>
+      <p:sp>
+        <p:nvSpPr>
+          <p:cNvPr id="6" name="Footer Placeholder 5"/>
+          <p:cNvSpPr>
+            <a:spLocks noGrp="1"/>
+          </p:cNvSpPr>
+          <p:nvPr>
+            <p:ph type="ftr" sz="quarter" idx="11"/>
+          </p:nvPr>
+        </p:nvSpPr>
+        <p:spPr/>
+        <p:txBody>
+          <a:bodyPr/>
+          <a:lstStyle/>
+          <a:p>
+            <a:endParaRPr lang="en-US"/>
+          </a:p>
+        </p:txBody>
+      </p:sp>
+      <p:sp>
+        <p:nvSpPr>
+          <p:cNvPr id="7" name="Slide Number Placeholder 6"/>
+          <p:cNvSpPr>
+            <a:spLocks noGrp="1"/>
+          </p:cNvSpPr>
+          <p:nvPr>
+            <p:ph type="sldNum" sz="quarter" idx="12"/>
+          </p:nvPr>
+        </p:nvSpPr>
+        <p:spPr/>
+        <p:txBody>
+          <a:bodyPr/>
+          <a:lstStyle/>
+          <a:p>
+            <a:fld id="{0EA0CB27-BC86-2F4A-BD4B-6414B7FEA2A4}" type="slidenum">
+              <a:rPr lang="en-US" smtClean="0"/>
+              <a:t>‹#›</a:t>
+            </a:fld>
+            <a:endParaRPr lang="en-US"/>
+          </a:p>
+        </p:txBody>
+      </p:sp>
+    </p:spTree>
+    <p:extLst>
+      <p:ext uri="{BB962C8B-B14F-4D97-AF65-F5344CB8AC3E}">
+        <p14:creationId xmlns:p14="http://schemas.microsoft.com/office/powerpoint/2010/main" val="621994011"/>
+      </p:ext>
+    </p:extLst>
+  </p:cSld>
+  <p:clrMapOvr>
+    <a:masterClrMapping/>
+  </p:clrMapOvr>
+</p:sldLayout>
+</file>
+
+<file path=ppt/slideLayouts/slideLayout9.xml><?xml version="1.0" encoding="utf-8"?>
+<p:sldLayout xmlns:a="http://schemas.openxmlformats.org/drawingml/2006/main" xmlns:r="http://schemas.openxmlformats.org/officeDocument/2006/relationships" xmlns:p="http://schemas.openxmlformats.org/presentationml/2006/main" type="picTx" preserve="1">
+  <p:cSld name="Picture with Caption">
+    <p:spTree>
+      <p:nvGrpSpPr>
+        <p:cNvPr id="1" name=""/>
+        <p:cNvGrpSpPr/>
+        <p:nvPr/>
+      </p:nvGrpSpPr>
+      <p:grpSpPr>
+        <a:xfrm>
+          <a:off x="0" y="0"/>
+          <a:ext cx="0" cy="0"/>
+          <a:chOff x="0" y="0"/>
+          <a:chExt cx="0" cy="0"/>
+        </a:xfrm>
+      </p:grpSpPr>
+      <p:sp>
+        <p:nvSpPr>
+          <p:cNvPr id="2" name="Title 1"/>
+          <p:cNvSpPr>
+            <a:spLocks noGrp="1"/>
+          </p:cNvSpPr>
+          <p:nvPr>
+            <p:ph type="title"/>
+          </p:nvPr>
+        </p:nvSpPr>
+        <p:spPr>
+          <a:xfrm>
+            <a:off x="1792288" y="4800600"/>
+            <a:ext cx="5486400" cy="566738"/>
+          </a:xfrm>
+        </p:spPr>
+        <p:txBody>
+          <a:bodyPr anchor="b"/>
+          <a:lstStyle>
+            <a:lvl1pPr algn="l">
+              <a:defRPr sz="2000" b="1"/>
+            </a:lvl1pPr>
+          </a:lstStyle>
+          <a:p>
+            <a:r>
+              <a:rPr lang="en-US" smtClean="0"/>
+              <a:t>Click to edit Master title style</a:t>
+            </a:r>
+            <a:endParaRPr lang="en-US"/>
+          </a:p>
+        </p:txBody>
+      </p:sp>
+      <p:sp>
+        <p:nvSpPr>
+          <p:cNvPr id="3" name="Picture Placeholder 2"/>
+          <p:cNvSpPr>
+            <a:spLocks noGrp="1"/>
+          </p:cNvSpPr>
+          <p:nvPr>
+            <p:ph type="pic" idx="1"/>
+          </p:nvPr>
+        </p:nvSpPr>
+        <p:spPr>
+          <a:xfrm>
+            <a:off x="1792288" y="612775"/>
+            <a:ext cx="5486400" cy="4114800"/>
+          </a:xfrm>
+        </p:spPr>
+        <p:txBody>
+          <a:bodyPr/>
+          <a:lstStyle>
+            <a:lvl1pPr marL="0" indent="0">
+              <a:buNone/>
+              <a:defRPr sz="3200"/>
+            </a:lvl1pPr>
+            <a:lvl2pPr marL="457200" indent="0">
+              <a:buNone/>
+              <a:defRPr sz="2800"/>
+            </a:lvl2pPr>
+            <a:lvl3pPr marL="914400" indent="0">
+              <a:buNone/>
+              <a:defRPr sz="2400"/>
+            </a:lvl3pPr>
+            <a:lvl4pPr marL="1371600" indent="0">
+              <a:buNone/>
+              <a:defRPr sz="2000"/>
+            </a:lvl4pPr>
+            <a:lvl5pPr marL="1828800" indent="0">
+              <a:buNone/>
+              <a:defRPr sz="2000"/>
+            </a:lvl5pPr>
+            <a:lvl6pPr marL="2286000" indent="0">
+              <a:buNone/>
+              <a:defRPr sz="2000"/>
+            </a:lvl6pPr>
+            <a:lvl7pPr marL="2743200" indent="0">
+              <a:buNone/>
+              <a:defRPr sz="2000"/>
+            </a:lvl7pPr>
+            <a:lvl8pPr marL="3200400" indent="0">
+              <a:buNone/>
+              <a:defRPr sz="2000"/>
+            </a:lvl8pPr>
+            <a:lvl9pPr marL="3657600" indent="0">
+              <a:buNone/>
+              <a:defRPr sz="2000"/>
+            </a:lvl9pPr>
+          </a:lstStyle>
+          <a:p>
+            <a:endParaRPr lang="en-US"/>
+          </a:p>
+        </p:txBody>
+      </p:sp>
+      <p:sp>
+        <p:nvSpPr>
+          <p:cNvPr id="4" name="Text Placeholder 3"/>
+          <p:cNvSpPr>
+            <a:spLocks noGrp="1"/>
+          </p:cNvSpPr>
+          <p:nvPr>
+            <p:ph type="body" sz="half" idx="2"/>
+          </p:nvPr>
+        </p:nvSpPr>
+        <p:spPr>
+          <a:xfrm>
+            <a:off x="1792288" y="5367338"/>
+            <a:ext cx="5486400" cy="804862"/>
+          </a:xfrm>
+        </p:spPr>
+        <p:txBody>
+          <a:bodyPr/>
+          <a:lstStyle>
+            <a:lvl1pPr marL="0" indent="0">
+              <a:buNone/>
+              <a:defRPr sz="1400"/>
+            </a:lvl1pPr>
+            <a:lvl2pPr marL="457200" indent="0">
+              <a:buNone/>
+              <a:defRPr sz="1200"/>
+            </a:lvl2pPr>
+            <a:lvl3pPr marL="914400" indent="0">
+              <a:buNone/>
+              <a:defRPr sz="1000"/>
+            </a:lvl3pPr>
+            <a:lvl4pPr marL="1371600" indent="0">
+              <a:buNone/>
+              <a:defRPr sz="900"/>
+            </a:lvl4pPr>
+            <a:lvl5pPr marL="1828800" indent="0">
+              <a:buNone/>
+              <a:defRPr sz="900"/>
+            </a:lvl5pPr>
+            <a:lvl6pPr marL="2286000" indent="0">
+              <a:buNone/>
+              <a:defRPr sz="900"/>
+            </a:lvl6pPr>
+            <a:lvl7pPr marL="2743200" indent="0">
+              <a:buNone/>
+              <a:defRPr sz="900"/>
+            </a:lvl7pPr>
+            <a:lvl8pPr marL="3200400" indent="0">
+              <a:buNone/>
+              <a:defRPr sz="900"/>
+            </a:lvl8pPr>
+            <a:lvl9pPr marL="3657600" indent="0">
+              <a:buNone/>
+              <a:defRPr sz="900"/>
+            </a:lvl9pPr>
+          </a:lstStyle>
+          <a:p>
+            <a:pPr lvl="0"/>
+            <a:r>
+              <a:rPr lang="en-US" smtClean="0"/>
+              <a:t>Click to edit Master text styles</a:t>
+            </a:r>
+          </a:p>
+        </p:txBody>
+      </p:sp>
+      <p:sp>
+        <p:nvSpPr>
+          <p:cNvPr id="5" name="Date Placeholder 4"/>
+          <p:cNvSpPr>
+            <a:spLocks noGrp="1"/>
+          </p:cNvSpPr>
+          <p:nvPr>
+            <p:ph type="dt" sz="half" idx="10"/>
+          </p:nvPr>
+        </p:nvSpPr>
+        <p:spPr/>
+        <p:txBody>
+          <a:bodyPr/>
+          <a:lstStyle/>
+          <a:p>
+            <a:fld id="{D8602FEB-BDEF-874E-8684-5926EEF90688}" type="datetimeFigureOut">
+              <a:rPr lang="en-US" smtClean="0"/>
+              <a:t>10/9/15</a:t>
+            </a:fld>
+            <a:endParaRPr lang="en-US"/>
+          </a:p>
+        </p:txBody>
+      </p:sp>
+      <p:sp>
+        <p:nvSpPr>
+          <p:cNvPr id="6" name="Footer Placeholder 5"/>
+          <p:cNvSpPr>
+            <a:spLocks noGrp="1"/>
+          </p:cNvSpPr>
+          <p:nvPr>
+            <p:ph type="ftr" sz="quarter" idx="11"/>
+          </p:nvPr>
+        </p:nvSpPr>
+        <p:spPr/>
+        <p:txBody>
+          <a:bodyPr/>
+          <a:lstStyle/>
+          <a:p>
+            <a:endParaRPr lang="en-US"/>
+          </a:p>
+        </p:txBody>
+      </p:sp>
+      <p:sp>
+        <p:nvSpPr>
+          <p:cNvPr id="7" name="Slide Number Placeholder 6"/>
+          <p:cNvSpPr>
+            <a:spLocks noGrp="1"/>
+          </p:cNvSpPr>
+          <p:nvPr>
+            <p:ph type="sldNum" sz="quarter" idx="12"/>
+          </p:nvPr>
+        </p:nvSpPr>
+        <p:spPr/>
+        <p:txBody>
+          <a:bodyPr/>
+          <a:lstStyle/>
+          <a:p>
+            <a:fld id="{0EA0CB27-BC86-2F4A-BD4B-6414B7FEA2A4}" type="slidenum">
+              <a:rPr lang="en-US" smtClean="0"/>
+              <a:t>‹#›</a:t>
+            </a:fld>
+            <a:endParaRPr lang="en-US"/>
+          </a:p>
+        </p:txBody>
+      </p:sp>
+    </p:spTree>
+    <p:extLst>
+      <p:ext uri="{BB962C8B-B14F-4D97-AF65-F5344CB8AC3E}">
+        <p14:creationId xmlns:p14="http://schemas.microsoft.com/office/powerpoint/2010/main" val="1799833524"/>
+      </p:ext>
+    </p:extLst>
+  </p:cSld>
+  <p:clrMapOvr>
+    <a:masterClrMapping/>
+  </p:clrMapOvr>
+</p:sldLayout>
+</file>
+
 <file path=ppt/slideMasters/slideMaster1.xml><?xml version="1.0" encoding="utf-8"?>
 <p:sldMaster xmlns:a="http://schemas.openxmlformats.org/drawingml/2006/main" xmlns:r="http://schemas.openxmlformats.org/officeDocument/2006/relationships" xmlns:p="http://schemas.openxmlformats.org/presentationml/2006/main">
   <p:cSld>
     <p:bg>
-      <p:bgPr>
-        <a:solidFill>
-          <a:schemeClr val="bg1"/>
-        </a:solidFill>
-        <a:effectLst/>
-      </p:bgPr>
+      <p:bgRef idx="1001">
+        <a:schemeClr val="bg1"/>
+      </p:bgRef>
     </p:bg>
     <p:spTree>
       <p:nvGrpSpPr>
@@ -2875,523 +4837,270 @@
       </p:grpSpPr>
       <p:sp>
         <p:nvSpPr>
-          <p:cNvPr id="1030" name="Rectangle 6"/>
-          <p:cNvSpPr>
-            <a:spLocks noGrp="1" noChangeArrowheads="1"/>
+          <p:cNvPr id="2" name="Title Placeholder 1"/>
+          <p:cNvSpPr>
+            <a:spLocks noGrp="1"/>
           </p:cNvSpPr>
           <p:nvPr>
             <p:ph type="title"/>
           </p:nvPr>
         </p:nvSpPr>
-        <p:spPr bwMode="auto">
-          <a:xfrm>
-            <a:off x="941832" y="100584"/>
-            <a:ext cx="7260336" cy="813816"/>
-          </a:xfrm>
-          <a:prstGeom prst="rect">
-            <a:avLst/>
-          </a:prstGeom>
-          <a:noFill/>
-          <a:ln w="9525">
-            <a:noFill/>
-            <a:miter lim="800000"/>
-            <a:headEnd/>
-            <a:tailEnd/>
-          </a:ln>
-          <a:effectLst/>
-        </p:spPr>
-        <p:txBody>
-          <a:bodyPr vert="horz" wrap="square" lIns="92064" tIns="46033" rIns="92064" bIns="46033" numCol="1" anchor="ctr" anchorCtr="0" compatLnSpc="1">
-            <a:prstTxWarp prst="textNoShape">
-              <a:avLst/>
-            </a:prstTxWarp>
-          </a:bodyPr>
-          <a:lstStyle/>
-          <a:p>
-            <a:pPr lvl="0"/>
-            <a:r>
-              <a:rPr lang="en-US" altLang="en-US" smtClean="0"/>
-              <a:t>Click to edit Master title style</a:t>
-            </a:r>
-            <a:endParaRPr lang="en-US" altLang="en-US" dirty="0"/>
-          </a:p>
-        </p:txBody>
-      </p:sp>
-      <p:sp>
-        <p:nvSpPr>
-          <p:cNvPr id="1032" name="Freeform 8"/>
-          <p:cNvSpPr>
-            <a:spLocks/>
-          </p:cNvSpPr>
-          <p:nvPr/>
-        </p:nvSpPr>
-        <p:spPr bwMode="auto">
-          <a:xfrm>
-            <a:off x="0" y="950976"/>
-            <a:ext cx="9144000" cy="0"/>
-          </a:xfrm>
-          <a:custGeom>
-            <a:avLst/>
-            <a:gdLst/>
-            <a:ahLst/>
-            <a:cxnLst>
-              <a:cxn ang="0">
-                <a:pos x="0" y="0"/>
-              </a:cxn>
-              <a:cxn ang="0">
-                <a:pos x="6144" y="0"/>
-              </a:cxn>
-              <a:cxn ang="0">
-                <a:pos x="0" y="0"/>
-              </a:cxn>
-            </a:cxnLst>
-            <a:rect l="0" t="0" r="r" b="b"/>
-            <a:pathLst>
-              <a:path w="6145" h="1">
-                <a:moveTo>
-                  <a:pt x="0" y="0"/>
-                </a:moveTo>
-                <a:lnTo>
-                  <a:pt x="6144" y="0"/>
-                </a:lnTo>
-                <a:lnTo>
-                  <a:pt x="0" y="0"/>
-                </a:lnTo>
-              </a:path>
-            </a:pathLst>
-          </a:custGeom>
-          <a:noFill/>
-          <a:ln w="22225" cap="flat" cmpd="sng">
-            <a:solidFill>
-              <a:schemeClr val="accent4"/>
-            </a:solidFill>
-            <a:prstDash val="solid"/>
-            <a:round/>
-            <a:headEnd/>
-            <a:tailEnd/>
-          </a:ln>
-          <a:effectLst/>
-        </p:spPr>
-        <p:txBody>
-          <a:bodyPr>
-            <a:prstTxWarp prst="textNoShape">
-              <a:avLst/>
-            </a:prstTxWarp>
-          </a:bodyPr>
-          <a:lstStyle/>
-          <a:p>
-            <a:endParaRPr lang="en-US"/>
-          </a:p>
-        </p:txBody>
-      </p:sp>
-      <p:sp>
-        <p:nvSpPr>
-          <p:cNvPr id="1048" name="Rectangle 24"/>
-          <p:cNvSpPr>
-            <a:spLocks noChangeArrowheads="1"/>
-          </p:cNvSpPr>
-          <p:nvPr/>
-        </p:nvSpPr>
-        <p:spPr bwMode="auto">
-          <a:xfrm>
-            <a:off x="320040" y="6455664"/>
-            <a:ext cx="1088136" cy="219456"/>
-          </a:xfrm>
-          <a:prstGeom prst="rect">
-            <a:avLst/>
-          </a:prstGeom>
-          <a:noFill/>
-          <a:ln w="9525">
-            <a:noFill/>
-            <a:miter lim="800000"/>
-            <a:headEnd/>
-            <a:tailEnd/>
-          </a:ln>
-          <a:effectLst/>
-        </p:spPr>
-        <p:txBody>
-          <a:bodyPr wrap="square" lIns="0" tIns="0" rIns="0" bIns="0" anchor="t" anchorCtr="0">
-            <a:prstTxWarp prst="textNoShape">
-              <a:avLst/>
-            </a:prstTxWarp>
-          </a:bodyPr>
-          <a:lstStyle/>
-          <a:p>
-            <a:pPr marL="0" marR="0" indent="0" algn="l" defTabSz="914400" rtl="0" eaLnBrk="0" fontAlgn="base" latinLnBrk="0" hangingPunct="0">
-              <a:lnSpc>
-                <a:spcPct val="100000"/>
-              </a:lnSpc>
-              <a:spcBef>
-                <a:spcPct val="0"/>
-              </a:spcBef>
-              <a:spcAft>
-                <a:spcPct val="0"/>
-              </a:spcAft>
-              <a:buClrTx/>
-              <a:buSzTx/>
-              <a:buFontTx/>
-              <a:buNone/>
-              <a:tabLst/>
-              <a:defRPr/>
-            </a:pPr>
-            <a:r>
-              <a:rPr lang="en-US" altLang="en-US" sz="700" b="0" i="0" dirty="0" smtClean="0"/>
-              <a:t>Presentation</a:t>
-            </a:r>
-            <a:r>
-              <a:rPr lang="en-US" altLang="en-US" sz="700" b="0" i="0" baseline="0" dirty="0" smtClean="0"/>
-              <a:t> Name - </a:t>
-            </a:r>
-            <a:fld id="{321F32AB-3DDB-C54A-A434-42EC1FB733CD}" type="slidenum">
-              <a:rPr lang="en-US" altLang="en-US" sz="700" b="0" i="0" smtClean="0"/>
-              <a:pPr marL="0" marR="0" indent="0" algn="l" defTabSz="914400" rtl="0" eaLnBrk="0" fontAlgn="base" latinLnBrk="0" hangingPunct="0">
-                <a:lnSpc>
-                  <a:spcPct val="100000"/>
-                </a:lnSpc>
-                <a:spcBef>
-                  <a:spcPct val="0"/>
-                </a:spcBef>
-                <a:spcAft>
-                  <a:spcPct val="0"/>
-                </a:spcAft>
-                <a:buClrTx/>
-                <a:buSzTx/>
-                <a:buFontTx/>
-                <a:buNone/>
-                <a:tabLst/>
-                <a:defRPr/>
-              </a:pPr>
-              <a:t>‹#›</a:t>
-            </a:fld>
-            <a:endParaRPr lang="en-US" altLang="en-US" sz="700" b="0" i="0" baseline="0" dirty="0" smtClean="0"/>
-          </a:p>
-          <a:p>
-            <a:pPr algn="l">
-              <a:lnSpc>
-                <a:spcPct val="100000"/>
-              </a:lnSpc>
-            </a:pPr>
-            <a:r>
-              <a:rPr lang="en-US" altLang="en-US" sz="700" b="0" i="0" baseline="0" dirty="0" smtClean="0"/>
-              <a:t>Author Initials  MM/DD/YY</a:t>
-            </a:r>
-          </a:p>
-        </p:txBody>
-      </p:sp>
-      <p:sp>
-        <p:nvSpPr>
-          <p:cNvPr id="11" name="Freeform 8"/>
-          <p:cNvSpPr>
-            <a:spLocks/>
-          </p:cNvSpPr>
-          <p:nvPr/>
-        </p:nvSpPr>
-        <p:spPr bwMode="auto">
-          <a:xfrm>
-            <a:off x="0" y="6355080"/>
-            <a:ext cx="9144000" cy="0"/>
-          </a:xfrm>
-          <a:custGeom>
-            <a:avLst/>
-            <a:gdLst/>
-            <a:ahLst/>
-            <a:cxnLst>
-              <a:cxn ang="0">
-                <a:pos x="0" y="0"/>
-              </a:cxn>
-              <a:cxn ang="0">
-                <a:pos x="6144" y="0"/>
-              </a:cxn>
-              <a:cxn ang="0">
-                <a:pos x="0" y="0"/>
-              </a:cxn>
-            </a:cxnLst>
-            <a:rect l="0" t="0" r="r" b="b"/>
-            <a:pathLst>
-              <a:path w="6145" h="1">
-                <a:moveTo>
-                  <a:pt x="0" y="0"/>
-                </a:moveTo>
-                <a:lnTo>
-                  <a:pt x="6144" y="0"/>
-                </a:lnTo>
-                <a:lnTo>
-                  <a:pt x="0" y="0"/>
-                </a:lnTo>
-              </a:path>
-            </a:pathLst>
-          </a:custGeom>
-          <a:noFill/>
-          <a:ln w="22225" cap="flat" cmpd="sng">
-            <a:solidFill>
-              <a:schemeClr val="accent4"/>
-            </a:solidFill>
-            <a:prstDash val="solid"/>
-            <a:round/>
-            <a:headEnd/>
-            <a:tailEnd/>
-          </a:ln>
-          <a:effectLst/>
-        </p:spPr>
-        <p:txBody>
-          <a:bodyPr>
-            <a:prstTxWarp prst="textNoShape">
-              <a:avLst/>
-            </a:prstTxWarp>
-          </a:bodyPr>
-          <a:lstStyle/>
-          <a:p>
-            <a:endParaRPr lang="en-US"/>
-          </a:p>
-        </p:txBody>
-      </p:sp>
-      <p:pic>
-        <p:nvPicPr>
-          <p:cNvPr id="3" name="Picture 2" descr="LL_Logo_blue_nomark.png"/>
-          <p:cNvPicPr>
-            <a:picLocks noChangeAspect="1"/>
-          </p:cNvPicPr>
-          <p:nvPr/>
-        </p:nvPicPr>
-        <p:blipFill>
-          <a:blip r:embed="rId12">
-            <a:extLst>
-              <a:ext uri="{28A0092B-C50C-407E-A947-70E740481C1C}">
-                <a14:useLocalDpi xmlns:a14="http://schemas.microsoft.com/office/drawing/2010/main" val="0"/>
-              </a:ext>
-            </a:extLst>
-          </a:blip>
-          <a:stretch>
-            <a:fillRect/>
-          </a:stretch>
-        </p:blipFill>
         <p:spPr>
           <a:xfrm>
-            <a:off x="6775704" y="6473952"/>
-            <a:ext cx="2023269" cy="230071"/>
+            <a:off x="457200" y="274638"/>
+            <a:ext cx="8229600" cy="1143000"/>
           </a:xfrm>
           <a:prstGeom prst="rect">
             <a:avLst/>
           </a:prstGeom>
         </p:spPr>
-      </p:pic>
-      <p:pic>
-        <p:nvPicPr>
-          <p:cNvPr id="6" name="Picture 5" descr="LL_Logo_alone_blue.png"/>
-          <p:cNvPicPr>
-            <a:picLocks noChangeAspect="1"/>
-          </p:cNvPicPr>
-          <p:nvPr/>
-        </p:nvPicPr>
-        <p:blipFill>
-          <a:blip r:embed="rId13">
-            <a:extLst>
-              <a:ext uri="{28A0092B-C50C-407E-A947-70E740481C1C}">
-                <a14:useLocalDpi xmlns:a14="http://schemas.microsoft.com/office/drawing/2010/main" val="0"/>
-              </a:ext>
-            </a:extLst>
-          </a:blip>
-          <a:stretch>
-            <a:fillRect/>
-          </a:stretch>
-        </p:blipFill>
+        <p:txBody>
+          <a:bodyPr vert="horz" lIns="91440" tIns="45720" rIns="91440" bIns="45720" rtlCol="0" anchor="ctr">
+            <a:normAutofit/>
+          </a:bodyPr>
+          <a:lstStyle/>
+          <a:p>
+            <a:r>
+              <a:rPr lang="en-US" smtClean="0"/>
+              <a:t>Click to edit Master title style</a:t>
+            </a:r>
+            <a:endParaRPr lang="en-US"/>
+          </a:p>
+        </p:txBody>
+      </p:sp>
+      <p:sp>
+        <p:nvSpPr>
+          <p:cNvPr id="3" name="Text Placeholder 2"/>
+          <p:cNvSpPr>
+            <a:spLocks noGrp="1"/>
+          </p:cNvSpPr>
+          <p:nvPr>
+            <p:ph type="body" idx="1"/>
+          </p:nvPr>
+        </p:nvSpPr>
         <p:spPr>
           <a:xfrm>
-            <a:off x="365760" y="246888"/>
-            <a:ext cx="548658" cy="531101"/>
+            <a:off x="457200" y="1600200"/>
+            <a:ext cx="8229600" cy="4525963"/>
           </a:xfrm>
           <a:prstGeom prst="rect">
             <a:avLst/>
           </a:prstGeom>
         </p:spPr>
-      </p:pic>
+        <p:txBody>
+          <a:bodyPr vert="horz" lIns="91440" tIns="45720" rIns="91440" bIns="45720" rtlCol="0">
+            <a:normAutofit/>
+          </a:bodyPr>
+          <a:lstStyle/>
+          <a:p>
+            <a:pPr lvl="0"/>
+            <a:r>
+              <a:rPr lang="en-US" smtClean="0"/>
+              <a:t>Click to edit Master text styles</a:t>
+            </a:r>
+          </a:p>
+          <a:p>
+            <a:pPr lvl="1"/>
+            <a:r>
+              <a:rPr lang="en-US" smtClean="0"/>
+              <a:t>Second level</a:t>
+            </a:r>
+          </a:p>
+          <a:p>
+            <a:pPr lvl="2"/>
+            <a:r>
+              <a:rPr lang="en-US" smtClean="0"/>
+              <a:t>Third level</a:t>
+            </a:r>
+          </a:p>
+          <a:p>
+            <a:pPr lvl="3"/>
+            <a:r>
+              <a:rPr lang="en-US" smtClean="0"/>
+              <a:t>Fourth level</a:t>
+            </a:r>
+          </a:p>
+          <a:p>
+            <a:pPr lvl="4"/>
+            <a:r>
+              <a:rPr lang="en-US" smtClean="0"/>
+              <a:t>Fifth level</a:t>
+            </a:r>
+            <a:endParaRPr lang="en-US"/>
+          </a:p>
+        </p:txBody>
+      </p:sp>
+      <p:sp>
+        <p:nvSpPr>
+          <p:cNvPr id="4" name="Date Placeholder 3"/>
+          <p:cNvSpPr>
+            <a:spLocks noGrp="1"/>
+          </p:cNvSpPr>
+          <p:nvPr>
+            <p:ph type="dt" sz="half" idx="2"/>
+          </p:nvPr>
+        </p:nvSpPr>
+        <p:spPr>
+          <a:xfrm>
+            <a:off x="457200" y="6356350"/>
+            <a:ext cx="2133600" cy="365125"/>
+          </a:xfrm>
+          <a:prstGeom prst="rect">
+            <a:avLst/>
+          </a:prstGeom>
+        </p:spPr>
+        <p:txBody>
+          <a:bodyPr vert="horz" lIns="91440" tIns="45720" rIns="91440" bIns="45720" rtlCol="0" anchor="ctr"/>
+          <a:lstStyle>
+            <a:lvl1pPr algn="l">
+              <a:defRPr sz="1200">
+                <a:solidFill>
+                  <a:schemeClr val="tx1">
+                    <a:tint val="75000"/>
+                  </a:schemeClr>
+                </a:solidFill>
+              </a:defRPr>
+            </a:lvl1pPr>
+          </a:lstStyle>
+          <a:p>
+            <a:fld id="{D8602FEB-BDEF-874E-8684-5926EEF90688}" type="datetimeFigureOut">
+              <a:rPr lang="en-US" smtClean="0"/>
+              <a:t>10/9/15</a:t>
+            </a:fld>
+            <a:endParaRPr lang="en-US"/>
+          </a:p>
+        </p:txBody>
+      </p:sp>
+      <p:sp>
+        <p:nvSpPr>
+          <p:cNvPr id="5" name="Footer Placeholder 4"/>
+          <p:cNvSpPr>
+            <a:spLocks noGrp="1"/>
+          </p:cNvSpPr>
+          <p:nvPr>
+            <p:ph type="ftr" sz="quarter" idx="3"/>
+          </p:nvPr>
+        </p:nvSpPr>
+        <p:spPr>
+          <a:xfrm>
+            <a:off x="3124200" y="6356350"/>
+            <a:ext cx="2895600" cy="365125"/>
+          </a:xfrm>
+          <a:prstGeom prst="rect">
+            <a:avLst/>
+          </a:prstGeom>
+        </p:spPr>
+        <p:txBody>
+          <a:bodyPr vert="horz" lIns="91440" tIns="45720" rIns="91440" bIns="45720" rtlCol="0" anchor="ctr"/>
+          <a:lstStyle>
+            <a:lvl1pPr algn="ctr">
+              <a:defRPr sz="1200">
+                <a:solidFill>
+                  <a:schemeClr val="tx1">
+                    <a:tint val="75000"/>
+                  </a:schemeClr>
+                </a:solidFill>
+              </a:defRPr>
+            </a:lvl1pPr>
+          </a:lstStyle>
+          <a:p>
+            <a:endParaRPr lang="en-US"/>
+          </a:p>
+        </p:txBody>
+      </p:sp>
+      <p:sp>
+        <p:nvSpPr>
+          <p:cNvPr id="6" name="Slide Number Placeholder 5"/>
+          <p:cNvSpPr>
+            <a:spLocks noGrp="1"/>
+          </p:cNvSpPr>
+          <p:nvPr>
+            <p:ph type="sldNum" sz="quarter" idx="4"/>
+          </p:nvPr>
+        </p:nvSpPr>
+        <p:spPr>
+          <a:xfrm>
+            <a:off x="6553200" y="6356350"/>
+            <a:ext cx="2133600" cy="365125"/>
+          </a:xfrm>
+          <a:prstGeom prst="rect">
+            <a:avLst/>
+          </a:prstGeom>
+        </p:spPr>
+        <p:txBody>
+          <a:bodyPr vert="horz" lIns="91440" tIns="45720" rIns="91440" bIns="45720" rtlCol="0" anchor="ctr"/>
+          <a:lstStyle>
+            <a:lvl1pPr algn="r">
+              <a:defRPr sz="1200">
+                <a:solidFill>
+                  <a:schemeClr val="tx1">
+                    <a:tint val="75000"/>
+                  </a:schemeClr>
+                </a:solidFill>
+              </a:defRPr>
+            </a:lvl1pPr>
+          </a:lstStyle>
+          <a:p>
+            <a:fld id="{0EA0CB27-BC86-2F4A-BD4B-6414B7FEA2A4}" type="slidenum">
+              <a:rPr lang="en-US" smtClean="0"/>
+              <a:t>‹#›</a:t>
+            </a:fld>
+            <a:endParaRPr lang="en-US"/>
+          </a:p>
+        </p:txBody>
+      </p:sp>
     </p:spTree>
+    <p:extLst>
+      <p:ext uri="{BB962C8B-B14F-4D97-AF65-F5344CB8AC3E}">
+        <p14:creationId xmlns:p14="http://schemas.microsoft.com/office/powerpoint/2010/main" val="768583990"/>
+      </p:ext>
+    </p:extLst>
   </p:cSld>
   <p:clrMap bg1="lt1" tx1="dk1" bg2="lt2" tx2="dk2" accent1="accent1" accent2="accent2" accent3="accent3" accent4="accent4" accent5="accent5" accent6="accent6" hlink="hlink" folHlink="folHlink"/>
   <p:sldLayoutIdLst>
-    <p:sldLayoutId id="2147483649" r:id="rId1"/>
-    <p:sldLayoutId id="2147483650" r:id="rId2"/>
-    <p:sldLayoutId id="2147483655" r:id="rId3"/>
-    <p:sldLayoutId id="2147483654" r:id="rId4"/>
-    <p:sldLayoutId id="2147483662" r:id="rId5"/>
-    <p:sldLayoutId id="2147483656" r:id="rId6"/>
-    <p:sldLayoutId id="2147483658" r:id="rId7"/>
-    <p:sldLayoutId id="2147483659" r:id="rId8"/>
-    <p:sldLayoutId id="2147483660" r:id="rId9"/>
-    <p:sldLayoutId id="2147483661" r:id="rId10"/>
+    <p:sldLayoutId id="2147483664" r:id="rId1"/>
+    <p:sldLayoutId id="2147483665" r:id="rId2"/>
+    <p:sldLayoutId id="2147483666" r:id="rId3"/>
+    <p:sldLayoutId id="2147483667" r:id="rId4"/>
+    <p:sldLayoutId id="2147483668" r:id="rId5"/>
+    <p:sldLayoutId id="2147483669" r:id="rId6"/>
+    <p:sldLayoutId id="2147483670" r:id="rId7"/>
+    <p:sldLayoutId id="2147483671" r:id="rId8"/>
+    <p:sldLayoutId id="2147483672" r:id="rId9"/>
+    <p:sldLayoutId id="2147483673" r:id="rId10"/>
+    <p:sldLayoutId id="2147483674" r:id="rId11"/>
+    <p:sldLayoutId id="2147483655" r:id="rId12"/>
+    <p:sldLayoutId id="2147483662" r:id="rId13"/>
+    <p:sldLayoutId id="2147483656" r:id="rId14"/>
+    <p:sldLayoutId id="2147483659" r:id="rId15"/>
+    <p:sldLayoutId id="2147483660" r:id="rId16"/>
+    <p:sldLayoutId id="2147483661" r:id="rId17"/>
   </p:sldLayoutIdLst>
   <p:txStyles>
     <p:titleStyle>
-      <a:lvl1pPr algn="ctr" rtl="0" eaLnBrk="1" fontAlgn="base" hangingPunct="1">
-        <a:lnSpc>
-          <a:spcPts val="2800"/>
-        </a:lnSpc>
+      <a:lvl1pPr algn="ctr" defTabSz="457200" rtl="0" eaLnBrk="1" latinLnBrk="0" hangingPunct="1">
         <a:spcBef>
           <a:spcPct val="0"/>
         </a:spcBef>
-        <a:spcAft>
-          <a:spcPct val="0"/>
-        </a:spcAft>
-        <a:defRPr sz="2800" b="1">
+        <a:buNone/>
+        <a:defRPr sz="4400" kern="1200">
           <a:solidFill>
-            <a:schemeClr val="tx2"/>
+            <a:schemeClr val="tx1"/>
           </a:solidFill>
           <a:latin typeface="+mj-lt"/>
           <a:ea typeface="+mj-ea"/>
           <a:cs typeface="+mj-cs"/>
         </a:defRPr>
       </a:lvl1pPr>
-      <a:lvl2pPr algn="ctr" rtl="0" eaLnBrk="1" fontAlgn="base" hangingPunct="1">
-        <a:lnSpc>
-          <a:spcPts val="3000"/>
-        </a:lnSpc>
-        <a:spcBef>
-          <a:spcPct val="0"/>
-        </a:spcBef>
-        <a:spcAft>
-          <a:spcPct val="0"/>
-        </a:spcAft>
-        <a:defRPr sz="2800" b="1">
-          <a:solidFill>
-            <a:schemeClr val="tx2"/>
-          </a:solidFill>
-          <a:latin typeface="Arial" pitchFamily="-110" charset="0"/>
-        </a:defRPr>
-      </a:lvl2pPr>
-      <a:lvl3pPr algn="ctr" rtl="0" eaLnBrk="1" fontAlgn="base" hangingPunct="1">
-        <a:lnSpc>
-          <a:spcPts val="3000"/>
-        </a:lnSpc>
-        <a:spcBef>
-          <a:spcPct val="0"/>
-        </a:spcBef>
-        <a:spcAft>
-          <a:spcPct val="0"/>
-        </a:spcAft>
-        <a:defRPr sz="2800" b="1">
-          <a:solidFill>
-            <a:schemeClr val="tx2"/>
-          </a:solidFill>
-          <a:latin typeface="Arial" pitchFamily="-110" charset="0"/>
-        </a:defRPr>
-      </a:lvl3pPr>
-      <a:lvl4pPr algn="ctr" rtl="0" eaLnBrk="1" fontAlgn="base" hangingPunct="1">
-        <a:lnSpc>
-          <a:spcPts val="3000"/>
-        </a:lnSpc>
-        <a:spcBef>
-          <a:spcPct val="0"/>
-        </a:spcBef>
-        <a:spcAft>
-          <a:spcPct val="0"/>
-        </a:spcAft>
-        <a:defRPr sz="2800" b="1">
-          <a:solidFill>
-            <a:schemeClr val="tx2"/>
-          </a:solidFill>
-          <a:latin typeface="Arial" pitchFamily="-110" charset="0"/>
-        </a:defRPr>
-      </a:lvl4pPr>
-      <a:lvl5pPr algn="ctr" rtl="0" eaLnBrk="1" fontAlgn="base" hangingPunct="1">
-        <a:lnSpc>
-          <a:spcPts val="3000"/>
-        </a:lnSpc>
-        <a:spcBef>
-          <a:spcPct val="0"/>
-        </a:spcBef>
-        <a:spcAft>
-          <a:spcPct val="0"/>
-        </a:spcAft>
-        <a:defRPr sz="2800" b="1">
-          <a:solidFill>
-            <a:schemeClr val="tx2"/>
-          </a:solidFill>
-          <a:latin typeface="Arial" pitchFamily="-110" charset="0"/>
-        </a:defRPr>
-      </a:lvl5pPr>
-      <a:lvl6pPr marL="457200" algn="ctr" rtl="0" eaLnBrk="1" fontAlgn="base" hangingPunct="1">
-        <a:lnSpc>
-          <a:spcPts val="3000"/>
-        </a:lnSpc>
-        <a:spcBef>
-          <a:spcPct val="0"/>
-        </a:spcBef>
-        <a:spcAft>
-          <a:spcPct val="0"/>
-        </a:spcAft>
-        <a:defRPr sz="2800" b="1">
-          <a:solidFill>
-            <a:schemeClr val="tx2"/>
-          </a:solidFill>
-          <a:latin typeface="Arial" pitchFamily="-110" charset="0"/>
-        </a:defRPr>
-      </a:lvl6pPr>
-      <a:lvl7pPr marL="914400" algn="ctr" rtl="0" eaLnBrk="1" fontAlgn="base" hangingPunct="1">
-        <a:lnSpc>
-          <a:spcPts val="3000"/>
-        </a:lnSpc>
-        <a:spcBef>
-          <a:spcPct val="0"/>
-        </a:spcBef>
-        <a:spcAft>
-          <a:spcPct val="0"/>
-        </a:spcAft>
-        <a:defRPr sz="2800" b="1">
-          <a:solidFill>
-            <a:schemeClr val="tx2"/>
-          </a:solidFill>
-          <a:latin typeface="Arial" pitchFamily="-110" charset="0"/>
-        </a:defRPr>
-      </a:lvl7pPr>
-      <a:lvl8pPr marL="1371600" algn="ctr" rtl="0" eaLnBrk="1" fontAlgn="base" hangingPunct="1">
-        <a:lnSpc>
-          <a:spcPts val="3000"/>
-        </a:lnSpc>
-        <a:spcBef>
-          <a:spcPct val="0"/>
-        </a:spcBef>
-        <a:spcAft>
-          <a:spcPct val="0"/>
-        </a:spcAft>
-        <a:defRPr sz="2800" b="1">
-          <a:solidFill>
-            <a:schemeClr val="tx2"/>
-          </a:solidFill>
-          <a:latin typeface="Arial" pitchFamily="-110" charset="0"/>
-        </a:defRPr>
-      </a:lvl8pPr>
-      <a:lvl9pPr marL="1828800" algn="ctr" rtl="0" eaLnBrk="1" fontAlgn="base" hangingPunct="1">
-        <a:lnSpc>
-          <a:spcPts val="3000"/>
-        </a:lnSpc>
-        <a:spcBef>
-          <a:spcPct val="0"/>
-        </a:spcBef>
-        <a:spcAft>
-          <a:spcPct val="0"/>
-        </a:spcAft>
-        <a:defRPr sz="2800" b="1">
-          <a:solidFill>
-            <a:schemeClr val="tx2"/>
-          </a:solidFill>
-          <a:latin typeface="Arial" pitchFamily="-110" charset="0"/>
-        </a:defRPr>
-      </a:lvl9pPr>
     </p:titleStyle>
     <p:bodyStyle>
-      <a:lvl1pPr marL="342900" indent="-342900" algn="l" rtl="0" eaLnBrk="1" fontAlgn="base" hangingPunct="1">
-        <a:lnSpc>
-          <a:spcPct val="90000"/>
-        </a:lnSpc>
+      <a:lvl1pPr marL="342900" indent="-342900" algn="l" defTabSz="457200" rtl="0" eaLnBrk="1" latinLnBrk="0" hangingPunct="1">
         <a:spcBef>
-          <a:spcPct val="25000"/>
+          <a:spcPct val="20000"/>
         </a:spcBef>
-        <a:spcAft>
-          <a:spcPct val="0"/>
-        </a:spcAft>
-        <a:buSzPct val="125000"/>
+        <a:buFont typeface="Arial"/>
         <a:buChar char="•"/>
-        <a:defRPr sz="2000" b="1">
+        <a:defRPr sz="3200" kern="1200">
           <a:solidFill>
             <a:schemeClr val="tx1"/>
           </a:solidFill>
@@ -3400,164 +5109,124 @@
           <a:cs typeface="+mn-cs"/>
         </a:defRPr>
       </a:lvl1pPr>
-      <a:lvl2pPr marL="862013" indent="-341313" algn="l" rtl="0" eaLnBrk="1" fontAlgn="base" hangingPunct="1">
-        <a:lnSpc>
-          <a:spcPct val="90000"/>
-        </a:lnSpc>
+      <a:lvl2pPr marL="742950" indent="-285750" algn="l" defTabSz="457200" rtl="0" eaLnBrk="1" latinLnBrk="0" hangingPunct="1">
         <a:spcBef>
-          <a:spcPct val="25000"/>
+          <a:spcPct val="20000"/>
         </a:spcBef>
-        <a:spcAft>
-          <a:spcPct val="0"/>
-        </a:spcAft>
-        <a:buSzPct val="100000"/>
+        <a:buFont typeface="Arial"/>
         <a:buChar char="–"/>
-        <a:defRPr b="1">
+        <a:defRPr sz="2800" kern="1200">
           <a:solidFill>
             <a:schemeClr val="tx1"/>
           </a:solidFill>
           <a:latin typeface="+mn-lt"/>
-          <a:ea typeface="ＭＳ Ｐゴシック" pitchFamily="-110" charset="-128"/>
+          <a:ea typeface="+mn-ea"/>
+          <a:cs typeface="+mn-cs"/>
         </a:defRPr>
       </a:lvl2pPr>
-      <a:lvl3pPr marL="1204913" indent="-228600" algn="l" rtl="0" eaLnBrk="1" fontAlgn="base" hangingPunct="1">
-        <a:lnSpc>
-          <a:spcPct val="90000"/>
-        </a:lnSpc>
+      <a:lvl3pPr marL="1143000" indent="-228600" algn="l" defTabSz="457200" rtl="0" eaLnBrk="1" latinLnBrk="0" hangingPunct="1">
         <a:spcBef>
-          <a:spcPct val="25000"/>
+          <a:spcPct val="20000"/>
         </a:spcBef>
-        <a:spcAft>
-          <a:spcPct val="0"/>
-        </a:spcAft>
-        <a:buSzPct val="100000"/>
-        <a:buChar char=" "/>
-        <a:defRPr sz="1600" b="1">
+        <a:buFont typeface="Arial"/>
+        <a:buChar char="•"/>
+        <a:defRPr sz="2400" kern="1200">
           <a:solidFill>
             <a:schemeClr val="tx1"/>
           </a:solidFill>
           <a:latin typeface="+mn-lt"/>
-          <a:ea typeface="ＭＳ Ｐゴシック" pitchFamily="-110" charset="-128"/>
+          <a:ea typeface="+mn-ea"/>
+          <a:cs typeface="+mn-cs"/>
         </a:defRPr>
       </a:lvl3pPr>
-      <a:lvl4pPr marL="1546225" indent="-119063" algn="l" rtl="0" eaLnBrk="1" fontAlgn="base" hangingPunct="1">
-        <a:lnSpc>
-          <a:spcPct val="90000"/>
-        </a:lnSpc>
+      <a:lvl4pPr marL="1600200" indent="-228600" algn="l" defTabSz="457200" rtl="0" eaLnBrk="1" latinLnBrk="0" hangingPunct="1">
         <a:spcBef>
-          <a:spcPct val="25000"/>
+          <a:spcPct val="20000"/>
         </a:spcBef>
-        <a:spcAft>
-          <a:spcPct val="0"/>
-        </a:spcAft>
-        <a:buSzPct val="100000"/>
-        <a:buChar char=" "/>
-        <a:defRPr sz="1400" b="1">
+        <a:buFont typeface="Arial"/>
+        <a:buChar char="–"/>
+        <a:defRPr sz="2000" kern="1200">
           <a:solidFill>
             <a:schemeClr val="tx1"/>
           </a:solidFill>
           <a:latin typeface="+mn-lt"/>
-          <a:ea typeface="ＭＳ Ｐゴシック" pitchFamily="-110" charset="-128"/>
+          <a:ea typeface="+mn-ea"/>
+          <a:cs typeface="+mn-cs"/>
         </a:defRPr>
       </a:lvl4pPr>
-      <a:lvl5pPr marL="1828800" algn="l" rtl="0" eaLnBrk="1" fontAlgn="base" hangingPunct="1">
-        <a:lnSpc>
-          <a:spcPct val="90000"/>
-        </a:lnSpc>
+      <a:lvl5pPr marL="2057400" indent="-228600" algn="l" defTabSz="457200" rtl="0" eaLnBrk="1" latinLnBrk="0" hangingPunct="1">
         <a:spcBef>
-          <a:spcPct val="25000"/>
+          <a:spcPct val="20000"/>
         </a:spcBef>
-        <a:spcAft>
-          <a:spcPct val="0"/>
-        </a:spcAft>
-        <a:buSzPct val="100000"/>
-        <a:buChar char=" "/>
-        <a:defRPr sz="1400" b="1">
+        <a:buFont typeface="Arial"/>
+        <a:buChar char="»"/>
+        <a:defRPr sz="2000" kern="1200">
           <a:solidFill>
             <a:schemeClr val="tx1"/>
           </a:solidFill>
           <a:latin typeface="+mn-lt"/>
-          <a:ea typeface="ＭＳ Ｐゴシック" pitchFamily="-110" charset="-128"/>
+          <a:ea typeface="+mn-ea"/>
+          <a:cs typeface="+mn-cs"/>
         </a:defRPr>
       </a:lvl5pPr>
-      <a:lvl6pPr marL="2286000" algn="l" rtl="0" eaLnBrk="1" fontAlgn="base" hangingPunct="1">
-        <a:lnSpc>
-          <a:spcPct val="90000"/>
-        </a:lnSpc>
+      <a:lvl6pPr marL="2514600" indent="-228600" algn="l" defTabSz="457200" rtl="0" eaLnBrk="1" latinLnBrk="0" hangingPunct="1">
         <a:spcBef>
-          <a:spcPct val="25000"/>
+          <a:spcPct val="20000"/>
         </a:spcBef>
-        <a:spcAft>
-          <a:spcPct val="0"/>
-        </a:spcAft>
-        <a:buSzPct val="100000"/>
-        <a:buChar char=" "/>
-        <a:defRPr sz="1400" b="1">
+        <a:buFont typeface="Arial"/>
+        <a:buChar char="•"/>
+        <a:defRPr sz="2000" kern="1200">
           <a:solidFill>
             <a:schemeClr val="tx1"/>
           </a:solidFill>
           <a:latin typeface="+mn-lt"/>
-          <a:ea typeface="ＭＳ Ｐゴシック" pitchFamily="-110" charset="-128"/>
+          <a:ea typeface="+mn-ea"/>
+          <a:cs typeface="+mn-cs"/>
         </a:defRPr>
       </a:lvl6pPr>
-      <a:lvl7pPr marL="2743200" algn="l" rtl="0" eaLnBrk="1" fontAlgn="base" hangingPunct="1">
-        <a:lnSpc>
-          <a:spcPct val="90000"/>
-        </a:lnSpc>
+      <a:lvl7pPr marL="2971800" indent="-228600" algn="l" defTabSz="457200" rtl="0" eaLnBrk="1" latinLnBrk="0" hangingPunct="1">
         <a:spcBef>
-          <a:spcPct val="25000"/>
+          <a:spcPct val="20000"/>
         </a:spcBef>
-        <a:spcAft>
-          <a:spcPct val="0"/>
-        </a:spcAft>
-        <a:buSzPct val="100000"/>
-        <a:buChar char=" "/>
-        <a:defRPr sz="1400" b="1">
+        <a:buFont typeface="Arial"/>
+        <a:buChar char="•"/>
+        <a:defRPr sz="2000" kern="1200">
           <a:solidFill>
             <a:schemeClr val="tx1"/>
           </a:solidFill>
           <a:latin typeface="+mn-lt"/>
-          <a:ea typeface="ＭＳ Ｐゴシック" pitchFamily="-110" charset="-128"/>
+          <a:ea typeface="+mn-ea"/>
+          <a:cs typeface="+mn-cs"/>
         </a:defRPr>
       </a:lvl7pPr>
-      <a:lvl8pPr marL="3200400" algn="l" rtl="0" eaLnBrk="1" fontAlgn="base" hangingPunct="1">
-        <a:lnSpc>
-          <a:spcPct val="90000"/>
-        </a:lnSpc>
+      <a:lvl8pPr marL="3429000" indent="-228600" algn="l" defTabSz="457200" rtl="0" eaLnBrk="1" latinLnBrk="0" hangingPunct="1">
         <a:spcBef>
-          <a:spcPct val="25000"/>
+          <a:spcPct val="20000"/>
         </a:spcBef>
-        <a:spcAft>
-          <a:spcPct val="0"/>
-        </a:spcAft>
-        <a:buSzPct val="100000"/>
-        <a:buChar char=" "/>
-        <a:defRPr sz="1400" b="1">
+        <a:buFont typeface="Arial"/>
+        <a:buChar char="•"/>
+        <a:defRPr sz="2000" kern="1200">
           <a:solidFill>
             <a:schemeClr val="tx1"/>
           </a:solidFill>
           <a:latin typeface="+mn-lt"/>
-          <a:ea typeface="ＭＳ Ｐゴシック" pitchFamily="-110" charset="-128"/>
+          <a:ea typeface="+mn-ea"/>
+          <a:cs typeface="+mn-cs"/>
         </a:defRPr>
       </a:lvl8pPr>
-      <a:lvl9pPr marL="3657600" algn="l" rtl="0" eaLnBrk="1" fontAlgn="base" hangingPunct="1">
-        <a:lnSpc>
-          <a:spcPct val="90000"/>
-        </a:lnSpc>
+      <a:lvl9pPr marL="3886200" indent="-228600" algn="l" defTabSz="457200" rtl="0" eaLnBrk="1" latinLnBrk="0" hangingPunct="1">
         <a:spcBef>
-          <a:spcPct val="25000"/>
+          <a:spcPct val="20000"/>
         </a:spcBef>
-        <a:spcAft>
-          <a:spcPct val="0"/>
-        </a:spcAft>
-        <a:buSzPct val="100000"/>
-        <a:buChar char=" "/>
-        <a:defRPr sz="1400" b="1">
+        <a:buFont typeface="Arial"/>
+        <a:buChar char="•"/>
+        <a:defRPr sz="2000" kern="1200">
           <a:solidFill>
             <a:schemeClr val="tx1"/>
           </a:solidFill>
           <a:latin typeface="+mn-lt"/>
-          <a:ea typeface="ＭＳ Ｐゴシック" pitchFamily="-110" charset="-128"/>
+          <a:ea typeface="+mn-ea"/>
+          <a:cs typeface="+mn-cs"/>
         </a:defRPr>
       </a:lvl9pPr>
     </p:bodyStyle>
@@ -3679,45 +5348,14 @@
       </p:grpSpPr>
       <p:sp>
         <p:nvSpPr>
-          <p:cNvPr id="2" name="Title 1"/>
-          <p:cNvSpPr>
-            <a:spLocks noGrp="1"/>
-          </p:cNvSpPr>
-          <p:nvPr>
-            <p:ph type="title"/>
-          </p:nvPr>
-        </p:nvSpPr>
-        <p:spPr/>
-        <p:txBody>
-          <a:bodyPr/>
-          <a:lstStyle/>
-          <a:p>
-            <a:r>
-              <a:rPr lang="en-US" dirty="0" smtClean="0"/>
-              <a:t>LAVA Taint-based bug </a:t>
-            </a:r>
-            <a:r>
-              <a:rPr lang="en-US" dirty="0"/>
-              <a:t>i</a:t>
-            </a:r>
-            <a:r>
-              <a:rPr lang="en-US" dirty="0" smtClean="0"/>
-              <a:t>njection</a:t>
-            </a:r>
-            <a:endParaRPr lang="en-US" dirty="0"/>
-          </a:p>
-        </p:txBody>
-      </p:sp>
-      <p:sp>
-        <p:nvSpPr>
           <p:cNvPr id="6" name="Process 5"/>
           <p:cNvSpPr/>
           <p:nvPr/>
         </p:nvSpPr>
         <p:spPr bwMode="auto">
           <a:xfrm>
-            <a:off x="3131715" y="1856065"/>
-            <a:ext cx="1895230" cy="1084385"/>
+            <a:off x="2711629" y="2980617"/>
+            <a:ext cx="2413895" cy="1381147"/>
           </a:xfrm>
           <a:prstGeom prst="flowChartProcess">
             <a:avLst/>
@@ -3759,7 +5397,7 @@
               <a:tabLst/>
             </a:pPr>
             <a:r>
-              <a:rPr kumimoji="0" lang="en-US" sz="1400" b="1" i="0" u="none" strike="noStrike" cap="none" normalizeH="0" baseline="0" dirty="0" smtClean="0">
+              <a:rPr kumimoji="0" lang="en-US" sz="1800" b="1" i="0" u="none" strike="noStrike" cap="none" normalizeH="0" baseline="0" dirty="0" smtClean="0">
                 <a:ln>
                   <a:noFill/>
                 </a:ln>
@@ -3767,9 +5405,24 @@
                   <a:schemeClr val="tx1"/>
                 </a:solidFill>
                 <a:effectLst/>
-                <a:latin typeface="Arial" pitchFamily="-110" charset="0"/>
               </a:rPr>
-              <a:t>Find Dead, Uncomplicated Data</a:t>
+              <a:t>Find Dead, Uncomplicated </a:t>
+            </a:r>
+            <a:r>
+              <a:rPr kumimoji="0" lang="en-US" sz="1800" b="1" i="0" u="none" strike="noStrike" cap="none" normalizeH="0" baseline="0" dirty="0" smtClean="0">
+                <a:ln>
+                  <a:noFill/>
+                </a:ln>
+                <a:solidFill>
+                  <a:schemeClr val="tx1"/>
+                </a:solidFill>
+                <a:effectLst/>
+              </a:rPr>
+              <a:t>Data </a:t>
+            </a:r>
+            <a:r>
+              <a:rPr lang="en-US" sz="1800" b="1" dirty="0" smtClean="0"/>
+              <a:t>and</a:t>
             </a:r>
           </a:p>
           <a:p>
@@ -3790,33 +5443,7 @@
               <a:tabLst/>
             </a:pPr>
             <a:r>
-              <a:rPr lang="en-US" sz="1400" b="1" dirty="0"/>
-              <a:t>a</a:t>
-            </a:r>
-            <a:r>
-              <a:rPr lang="en-US" sz="1400" b="1" dirty="0" smtClean="0"/>
-              <a:t>nd</a:t>
-            </a:r>
-          </a:p>
-          <a:p>
-            <a:pPr marL="0" marR="0" indent="0" algn="ctr" defTabSz="914400" rtl="0" eaLnBrk="0" fontAlgn="base" latinLnBrk="0" hangingPunct="0">
-              <a:lnSpc>
-                <a:spcPct val="100000"/>
-              </a:lnSpc>
-              <a:spcBef>
-                <a:spcPct val="0"/>
-              </a:spcBef>
-              <a:spcAft>
-                <a:spcPct val="0"/>
-              </a:spcAft>
-              <a:buClrTx/>
-              <a:buSzTx/>
-              <a:buFontTx/>
-              <a:buNone/>
-              <a:tabLst/>
-            </a:pPr>
-            <a:r>
-              <a:rPr kumimoji="0" lang="en-US" sz="1400" b="1" i="0" u="none" strike="noStrike" cap="none" normalizeH="0" baseline="0" dirty="0" smtClean="0">
+              <a:rPr kumimoji="0" lang="en-US" sz="1800" b="1" i="0" u="none" strike="noStrike" cap="none" normalizeH="0" baseline="0" dirty="0" smtClean="0">
                 <a:ln>
                   <a:noFill/>
                 </a:ln>
@@ -3824,9 +5451,20 @@
                   <a:schemeClr val="tx1"/>
                 </a:solidFill>
                 <a:effectLst/>
-                <a:latin typeface="Arial" pitchFamily="-110" charset="0"/>
               </a:rPr>
-              <a:t>Attack Points</a:t>
+              <a:t>Attack </a:t>
+            </a:r>
+            <a:r>
+              <a:rPr kumimoji="0" lang="en-US" sz="1800" b="1" i="0" u="none" strike="noStrike" cap="none" normalizeH="0" baseline="0" dirty="0" smtClean="0">
+                <a:ln>
+                  <a:noFill/>
+                </a:ln>
+                <a:solidFill>
+                  <a:schemeClr val="tx1"/>
+                </a:solidFill>
+                <a:effectLst/>
+              </a:rPr>
+              <a:t>Points</a:t>
             </a:r>
           </a:p>
         </p:txBody>
@@ -3839,8 +5477,8 @@
         </p:nvSpPr>
         <p:spPr bwMode="auto">
           <a:xfrm>
-            <a:off x="6052714" y="1816990"/>
-            <a:ext cx="1387231" cy="1250461"/>
+            <a:off x="6432014" y="2936592"/>
+            <a:ext cx="1766873" cy="1592673"/>
           </a:xfrm>
           <a:prstGeom prst="flowChartMagneticDisk">
             <a:avLst/>
@@ -3882,7 +5520,7 @@
               <a:tabLst/>
             </a:pPr>
             <a:r>
-              <a:rPr kumimoji="0" lang="en-US" sz="1400" b="1" i="0" u="none" strike="noStrike" cap="none" normalizeH="0" baseline="0" dirty="0" smtClean="0">
+              <a:rPr kumimoji="0" lang="en-US" sz="1800" b="1" i="0" u="none" strike="noStrike" cap="none" normalizeH="0" baseline="0" dirty="0" smtClean="0">
                 <a:ln>
                   <a:noFill/>
                 </a:ln>
@@ -3905,8 +5543,8 @@
         </p:nvSpPr>
         <p:spPr bwMode="auto">
           <a:xfrm>
-            <a:off x="3127806" y="3346858"/>
-            <a:ext cx="1895230" cy="873363"/>
+            <a:off x="2706650" y="4885137"/>
+            <a:ext cx="2413895" cy="1112375"/>
           </a:xfrm>
           <a:prstGeom prst="flowChartProcess">
             <a:avLst/>
@@ -3948,9 +5586,99 @@
               <a:tabLst/>
             </a:pPr>
             <a:r>
-              <a:rPr lang="en-US" sz="1400" b="1" dirty="0" smtClean="0"/>
-              <a:t>Inject Bug into Program Source</a:t>
-            </a:r>
+              <a:rPr lang="en-US" sz="1800" b="1" dirty="0" smtClean="0"/>
+              <a:t>Inject Bug into Program </a:t>
+            </a:r>
+            <a:r>
+              <a:rPr lang="en-US" sz="1800" b="1" dirty="0" smtClean="0"/>
+              <a:t>Source, </a:t>
+            </a:r>
+            <a:r>
+              <a:rPr kumimoji="0" lang="en-US" sz="1800" b="1" i="0" u="none" strike="noStrike" cap="none" normalizeH="0" baseline="0" dirty="0" smtClean="0">
+                <a:ln>
+                  <a:noFill/>
+                </a:ln>
+                <a:solidFill>
+                  <a:schemeClr val="tx1"/>
+                </a:solidFill>
+                <a:effectLst/>
+              </a:rPr>
+              <a:t>Compile</a:t>
+            </a:r>
+            <a:r>
+              <a:rPr kumimoji="0" lang="en-US" sz="1800" b="1" i="0" u="none" strike="noStrike" cap="none" normalizeH="0" dirty="0" smtClean="0">
+                <a:ln>
+                  <a:noFill/>
+                </a:ln>
+                <a:solidFill>
+                  <a:schemeClr val="tx1"/>
+                </a:solidFill>
+                <a:effectLst/>
+              </a:rPr>
+              <a:t> and Test</a:t>
+            </a:r>
+            <a:endParaRPr kumimoji="0" lang="en-US" sz="1800" b="1" i="0" u="none" strike="noStrike" cap="none" normalizeH="0" baseline="0" dirty="0" smtClean="0">
+              <a:ln>
+                <a:noFill/>
+              </a:ln>
+              <a:solidFill>
+                <a:schemeClr val="tx1"/>
+              </a:solidFill>
+              <a:effectLst/>
+            </a:endParaRPr>
+          </a:p>
+        </p:txBody>
+      </p:sp>
+      <p:sp>
+        <p:nvSpPr>
+          <p:cNvPr id="10" name="Right Arrow 9"/>
+          <p:cNvSpPr/>
+          <p:nvPr/>
+        </p:nvSpPr>
+        <p:spPr bwMode="auto">
+          <a:xfrm>
+            <a:off x="5262393" y="3496518"/>
+            <a:ext cx="1057633" cy="360838"/>
+          </a:xfrm>
+          <a:prstGeom prst="rightArrow">
+            <a:avLst/>
+          </a:prstGeom>
+          <a:noFill/>
+          <a:ln w="12700" cap="flat" cmpd="sng" algn="ctr">
+            <a:solidFill>
+              <a:schemeClr val="tx1"/>
+            </a:solidFill>
+            <a:prstDash val="solid"/>
+            <a:round/>
+            <a:headEnd type="none" w="sm" len="sm"/>
+            <a:tailEnd type="none" w="sm" len="sm"/>
+          </a:ln>
+          <a:effectLst/>
+        </p:spPr>
+        <p:txBody>
+          <a:bodyPr vert="horz" wrap="square" lIns="91440" tIns="45720" rIns="91440" bIns="45720" numCol="1" rtlCol="0" anchor="ctr" anchorCtr="0" compatLnSpc="1">
+            <a:prstTxWarp prst="textNoShape">
+              <a:avLst/>
+            </a:prstTxWarp>
+          </a:bodyPr>
+          <a:lstStyle/>
+          <a:p>
+            <a:pPr marL="0" marR="0" indent="0" algn="ctr" defTabSz="914400" rtl="0" eaLnBrk="0" fontAlgn="base" latinLnBrk="0" hangingPunct="0">
+              <a:lnSpc>
+                <a:spcPct val="100000"/>
+              </a:lnSpc>
+              <a:spcBef>
+                <a:spcPct val="0"/>
+              </a:spcBef>
+              <a:spcAft>
+                <a:spcPct val="0"/>
+              </a:spcAft>
+              <a:buClrTx/>
+              <a:buSzTx/>
+              <a:buFontTx/>
+              <a:buNone/>
+              <a:tabLst/>
+            </a:pPr>
             <a:endParaRPr kumimoji="0" lang="en-US" sz="1400" b="1" i="0" u="none" strike="noStrike" cap="none" normalizeH="0" baseline="0" dirty="0" smtClean="0">
               <a:ln>
                 <a:noFill/>
@@ -3966,14 +5694,316 @@
       </p:sp>
       <p:sp>
         <p:nvSpPr>
-          <p:cNvPr id="9" name="Process 8"/>
+          <p:cNvPr id="11" name="Right Arrow 10"/>
           <p:cNvSpPr/>
           <p:nvPr/>
         </p:nvSpPr>
         <p:spPr bwMode="auto">
+          <a:xfrm rot="9556378">
+            <a:off x="5217574" y="4698058"/>
+            <a:ext cx="1368875" cy="324062"/>
+          </a:xfrm>
+          <a:prstGeom prst="rightArrow">
+            <a:avLst/>
+          </a:prstGeom>
+          <a:noFill/>
+          <a:ln w="12700" cap="flat" cmpd="sng" algn="ctr">
+            <a:solidFill>
+              <a:schemeClr val="tx1"/>
+            </a:solidFill>
+            <a:prstDash val="solid"/>
+            <a:round/>
+            <a:headEnd type="none" w="sm" len="sm"/>
+            <a:tailEnd type="none" w="sm" len="sm"/>
+          </a:ln>
+          <a:effectLst/>
+        </p:spPr>
+        <p:txBody>
+          <a:bodyPr vert="horz" wrap="square" lIns="91440" tIns="45720" rIns="91440" bIns="45720" numCol="1" rtlCol="0" anchor="ctr" anchorCtr="0" compatLnSpc="1">
+            <a:prstTxWarp prst="textNoShape">
+              <a:avLst/>
+            </a:prstTxWarp>
+          </a:bodyPr>
+          <a:lstStyle/>
+          <a:p>
+            <a:pPr marL="0" marR="0" indent="0" algn="ctr" defTabSz="914400" rtl="0" eaLnBrk="0" fontAlgn="base" latinLnBrk="0" hangingPunct="0">
+              <a:lnSpc>
+                <a:spcPct val="100000"/>
+              </a:lnSpc>
+              <a:spcBef>
+                <a:spcPct val="0"/>
+              </a:spcBef>
+              <a:spcAft>
+                <a:spcPct val="0"/>
+              </a:spcAft>
+              <a:buClrTx/>
+              <a:buSzTx/>
+              <a:buFontTx/>
+              <a:buNone/>
+              <a:tabLst/>
+            </a:pPr>
+            <a:endParaRPr kumimoji="0" lang="en-US" sz="1400" b="1" i="0" u="none" strike="noStrike" cap="none" normalizeH="0" baseline="0" dirty="0" smtClean="0">
+              <a:ln>
+                <a:noFill/>
+              </a:ln>
+              <a:solidFill>
+                <a:schemeClr val="tx1"/>
+              </a:solidFill>
+              <a:effectLst/>
+              <a:latin typeface="Arial" pitchFamily="-110" charset="0"/>
+            </a:endParaRPr>
+          </a:p>
+        </p:txBody>
+      </p:sp>
+      <p:cxnSp>
+        <p:nvCxnSpPr>
+          <p:cNvPr id="13" name="Straight Arrow Connector 12"/>
+          <p:cNvCxnSpPr>
+            <a:stCxn id="6" idx="2"/>
+            <a:endCxn id="8" idx="0"/>
+          </p:cNvCxnSpPr>
+          <p:nvPr/>
+        </p:nvCxnSpPr>
+        <p:spPr bwMode="auto">
+          <a:xfrm flipH="1">
+            <a:off x="3913598" y="4361764"/>
+            <a:ext cx="4979" cy="523372"/>
+          </a:xfrm>
+          <a:prstGeom prst="straightConnector1">
+            <a:avLst/>
+          </a:prstGeom>
+          <a:solidFill>
+            <a:schemeClr val="accent1"/>
+          </a:solidFill>
+          <a:ln w="12700" cap="flat" cmpd="sng" algn="ctr">
+            <a:solidFill>
+              <a:schemeClr val="tx1"/>
+            </a:solidFill>
+            <a:prstDash val="solid"/>
+            <a:round/>
+            <a:headEnd type="none" w="sm" len="sm"/>
+            <a:tailEnd type="arrow"/>
+          </a:ln>
+          <a:effectLst/>
+        </p:spPr>
+      </p:cxnSp>
+      <p:sp>
+        <p:nvSpPr>
+          <p:cNvPr id="4" name="TextBox 3"/>
+          <p:cNvSpPr txBox="1"/>
+          <p:nvPr/>
+        </p:nvSpPr>
+        <p:spPr>
           <a:xfrm>
-            <a:off x="3133668" y="4691104"/>
-            <a:ext cx="1895230" cy="873363"/>
+            <a:off x="444808" y="3325990"/>
+            <a:ext cx="1634295" cy="901612"/>
+          </a:xfrm>
+          <a:prstGeom prst="rect">
+            <a:avLst/>
+          </a:prstGeom>
+          <a:noFill/>
+        </p:spPr>
+        <p:txBody>
+          <a:bodyPr wrap="square" rtlCol="0">
+            <a:spAutoFit/>
+          </a:bodyPr>
+          <a:lstStyle/>
+          <a:p>
+            <a:pPr algn="ctr"/>
+            <a:r>
+              <a:rPr lang="en-US" sz="2000" b="1" dirty="0" smtClean="0">
+                <a:solidFill>
+                  <a:srgbClr val="3366FF"/>
+                </a:solidFill>
+              </a:rPr>
+              <a:t>PANDA &amp; FIB</a:t>
+            </a:r>
+            <a:endParaRPr lang="en-US" sz="2000" b="1" dirty="0" smtClean="0">
+              <a:solidFill>
+                <a:srgbClr val="3366FF"/>
+              </a:solidFill>
+            </a:endParaRPr>
+          </a:p>
+        </p:txBody>
+      </p:sp>
+      <p:sp>
+        <p:nvSpPr>
+          <p:cNvPr id="14" name="TextBox 13"/>
+          <p:cNvSpPr txBox="1"/>
+          <p:nvPr/>
+        </p:nvSpPr>
+        <p:spPr>
+          <a:xfrm>
+            <a:off x="647818" y="5046885"/>
+            <a:ext cx="1142641" cy="509608"/>
+          </a:xfrm>
+          <a:prstGeom prst="rect">
+            <a:avLst/>
+          </a:prstGeom>
+          <a:noFill/>
+        </p:spPr>
+        <p:txBody>
+          <a:bodyPr wrap="none" rtlCol="0">
+            <a:spAutoFit/>
+          </a:bodyPr>
+          <a:lstStyle/>
+          <a:p>
+            <a:pPr algn="ctr"/>
+            <a:r>
+              <a:rPr lang="en-US" sz="2000" b="1" dirty="0" smtClean="0">
+                <a:solidFill>
+                  <a:srgbClr val="3366FF"/>
+                </a:solidFill>
+              </a:rPr>
+              <a:t>Clang</a:t>
+            </a:r>
+            <a:endParaRPr lang="en-US" sz="2000" b="1" dirty="0">
+              <a:solidFill>
+                <a:srgbClr val="3366FF"/>
+              </a:solidFill>
+            </a:endParaRPr>
+          </a:p>
+        </p:txBody>
+      </p:sp>
+      <p:sp>
+        <p:nvSpPr>
+          <p:cNvPr id="16" name="Explosion 1 15"/>
+          <p:cNvSpPr/>
+          <p:nvPr/>
+        </p:nvSpPr>
+        <p:spPr bwMode="auto">
+          <a:xfrm>
+            <a:off x="6422336" y="5115457"/>
+            <a:ext cx="1975422" cy="1135353"/>
+          </a:xfrm>
+          <a:prstGeom prst="irregularSeal1">
+            <a:avLst/>
+          </a:prstGeom>
+          <a:noFill/>
+          <a:ln w="12700" cap="flat" cmpd="sng" algn="ctr">
+            <a:solidFill>
+              <a:schemeClr val="tx1"/>
+            </a:solidFill>
+            <a:prstDash val="solid"/>
+            <a:round/>
+            <a:headEnd type="none" w="sm" len="sm"/>
+            <a:tailEnd type="none" w="sm" len="sm"/>
+          </a:ln>
+          <a:effectLst/>
+        </p:spPr>
+        <p:txBody>
+          <a:bodyPr vert="horz" wrap="square" lIns="91440" tIns="45720" rIns="91440" bIns="45720" numCol="1" rtlCol="0" anchor="ctr" anchorCtr="0" compatLnSpc="1">
+            <a:prstTxWarp prst="textNoShape">
+              <a:avLst/>
+            </a:prstTxWarp>
+          </a:bodyPr>
+          <a:lstStyle/>
+          <a:p>
+            <a:pPr marL="0" marR="0" indent="0" algn="ctr" defTabSz="914400" rtl="0" eaLnBrk="0" fontAlgn="base" latinLnBrk="0" hangingPunct="0">
+              <a:lnSpc>
+                <a:spcPct val="100000"/>
+              </a:lnSpc>
+              <a:spcBef>
+                <a:spcPct val="0"/>
+              </a:spcBef>
+              <a:spcAft>
+                <a:spcPct val="0"/>
+              </a:spcAft>
+              <a:buClrTx/>
+              <a:buSzTx/>
+              <a:buFontTx/>
+              <a:buNone/>
+              <a:tabLst/>
+            </a:pPr>
+            <a:r>
+              <a:rPr kumimoji="0" lang="en-US" sz="1800" b="1" i="0" u="none" strike="noStrike" cap="none" normalizeH="0" baseline="0" dirty="0" smtClean="0">
+                <a:ln>
+                  <a:noFill/>
+                </a:ln>
+                <a:solidFill>
+                  <a:schemeClr val="tx1"/>
+                </a:solidFill>
+                <a:effectLst/>
+                <a:latin typeface="Arial" pitchFamily="-110" charset="0"/>
+              </a:rPr>
+              <a:t>Crash</a:t>
+            </a:r>
+          </a:p>
+        </p:txBody>
+      </p:sp>
+      <p:sp>
+        <p:nvSpPr>
+          <p:cNvPr id="18" name="Right Arrow 17"/>
+          <p:cNvSpPr/>
+          <p:nvPr/>
+        </p:nvSpPr>
+        <p:spPr bwMode="auto">
+          <a:xfrm>
+            <a:off x="5254293" y="5486651"/>
+            <a:ext cx="1057633" cy="360838"/>
+          </a:xfrm>
+          <a:prstGeom prst="rightArrow">
+            <a:avLst/>
+          </a:prstGeom>
+          <a:noFill/>
+          <a:ln w="12700" cap="flat" cmpd="sng" algn="ctr">
+            <a:solidFill>
+              <a:schemeClr val="tx1"/>
+            </a:solidFill>
+            <a:prstDash val="solid"/>
+            <a:round/>
+            <a:headEnd type="none" w="sm" len="sm"/>
+            <a:tailEnd type="none" w="sm" len="sm"/>
+          </a:ln>
+          <a:effectLst/>
+        </p:spPr>
+        <p:txBody>
+          <a:bodyPr vert="horz" wrap="square" lIns="91440" tIns="45720" rIns="91440" bIns="45720" numCol="1" rtlCol="0" anchor="ctr" anchorCtr="0" compatLnSpc="1">
+            <a:prstTxWarp prst="textNoShape">
+              <a:avLst/>
+            </a:prstTxWarp>
+          </a:bodyPr>
+          <a:lstStyle/>
+          <a:p>
+            <a:pPr marL="0" marR="0" indent="0" algn="ctr" defTabSz="914400" rtl="0" eaLnBrk="0" fontAlgn="base" latinLnBrk="0" hangingPunct="0">
+              <a:lnSpc>
+                <a:spcPct val="100000"/>
+              </a:lnSpc>
+              <a:spcBef>
+                <a:spcPct val="0"/>
+              </a:spcBef>
+              <a:spcAft>
+                <a:spcPct val="0"/>
+              </a:spcAft>
+              <a:buClrTx/>
+              <a:buSzTx/>
+              <a:buFontTx/>
+              <a:buNone/>
+              <a:tabLst/>
+            </a:pPr>
+            <a:endParaRPr kumimoji="0" lang="en-US" sz="1400" b="1" i="0" u="none" strike="noStrike" cap="none" normalizeH="0" baseline="0" dirty="0" smtClean="0">
+              <a:ln>
+                <a:noFill/>
+              </a:ln>
+              <a:solidFill>
+                <a:schemeClr val="tx1"/>
+              </a:solidFill>
+              <a:effectLst/>
+              <a:latin typeface="Arial" pitchFamily="-110" charset="0"/>
+            </a:endParaRPr>
+          </a:p>
+        </p:txBody>
+      </p:sp>
+      <p:sp>
+        <p:nvSpPr>
+          <p:cNvPr id="21" name="Process 20"/>
+          <p:cNvSpPr/>
+          <p:nvPr/>
+        </p:nvSpPr>
+        <p:spPr bwMode="auto">
+          <a:xfrm>
+            <a:off x="2713687" y="259200"/>
+            <a:ext cx="2413895" cy="837337"/>
           </a:xfrm>
           <a:prstGeom prst="flowChartProcess">
             <a:avLst/>
@@ -4015,10 +6045,10 @@
               <a:tabLst/>
             </a:pPr>
             <a:r>
-              <a:rPr lang="en-US" sz="1400" b="1" dirty="0" smtClean="0"/>
-              <a:t>Compile &amp; Test</a:t>
-            </a:r>
-            <a:endParaRPr kumimoji="0" lang="en-US" sz="1400" b="1" i="0" u="none" strike="noStrike" cap="none" normalizeH="0" baseline="0" dirty="0" smtClean="0">
+              <a:rPr lang="en-US" sz="1800" b="1" dirty="0" smtClean="0"/>
+              <a:t>Instrument Source with Taint Queries</a:t>
+            </a:r>
+            <a:endParaRPr kumimoji="0" lang="en-US" sz="1800" b="1" i="0" u="none" strike="noStrike" cap="none" normalizeH="0" baseline="0" dirty="0" smtClean="0">
               <a:ln>
                 <a:noFill/>
               </a:ln>
@@ -4026,150 +6056,20 @@
                 <a:schemeClr val="tx1"/>
               </a:solidFill>
               <a:effectLst/>
-              <a:latin typeface="Arial" pitchFamily="-110" charset="0"/>
-            </a:endParaRPr>
-          </a:p>
-        </p:txBody>
-      </p:sp>
-      <p:sp>
-        <p:nvSpPr>
-          <p:cNvPr id="10" name="Right Arrow 9"/>
-          <p:cNvSpPr/>
-          <p:nvPr/>
-        </p:nvSpPr>
-        <p:spPr bwMode="auto">
-          <a:xfrm>
-            <a:off x="5134406" y="2256607"/>
-            <a:ext cx="830383" cy="283306"/>
-          </a:xfrm>
-          <a:prstGeom prst="rightArrow">
-            <a:avLst/>
-          </a:prstGeom>
-          <a:noFill/>
-          <a:ln w="12700" cap="flat" cmpd="sng" algn="ctr">
-            <a:solidFill>
-              <a:schemeClr val="tx1"/>
-            </a:solidFill>
-            <a:prstDash val="solid"/>
-            <a:round/>
-            <a:headEnd type="none" w="sm" len="sm"/>
-            <a:tailEnd type="none" w="sm" len="sm"/>
-          </a:ln>
-          <a:effectLst/>
-        </p:spPr>
-        <p:txBody>
-          <a:bodyPr vert="horz" wrap="square" lIns="91440" tIns="45720" rIns="91440" bIns="45720" numCol="1" rtlCol="0" anchor="ctr" anchorCtr="0" compatLnSpc="1">
-            <a:prstTxWarp prst="textNoShape">
-              <a:avLst/>
-            </a:prstTxWarp>
-          </a:bodyPr>
-          <a:lstStyle/>
-          <a:p>
-            <a:pPr marL="0" marR="0" indent="0" algn="ctr" defTabSz="914400" rtl="0" eaLnBrk="0" fontAlgn="base" latinLnBrk="0" hangingPunct="0">
-              <a:lnSpc>
-                <a:spcPct val="100000"/>
-              </a:lnSpc>
-              <a:spcBef>
-                <a:spcPct val="0"/>
-              </a:spcBef>
-              <a:spcAft>
-                <a:spcPct val="0"/>
-              </a:spcAft>
-              <a:buClrTx/>
-              <a:buSzTx/>
-              <a:buFontTx/>
-              <a:buNone/>
-              <a:tabLst/>
-            </a:pPr>
-            <a:endParaRPr kumimoji="0" lang="en-US" sz="1400" b="1" i="0" u="none" strike="noStrike" cap="none" normalizeH="0" baseline="0" dirty="0" smtClean="0">
-              <a:ln>
-                <a:noFill/>
-              </a:ln>
-              <a:solidFill>
-                <a:schemeClr val="tx1"/>
-              </a:solidFill>
-              <a:effectLst/>
-              <a:latin typeface="Arial" pitchFamily="-110" charset="0"/>
-            </a:endParaRPr>
-          </a:p>
-        </p:txBody>
-      </p:sp>
-      <p:sp>
-        <p:nvSpPr>
-          <p:cNvPr id="11" name="Right Arrow 10"/>
-          <p:cNvSpPr/>
-          <p:nvPr/>
-        </p:nvSpPr>
-        <p:spPr bwMode="auto">
-          <a:xfrm rot="8790386">
-            <a:off x="5048536" y="3284346"/>
-            <a:ext cx="1130020" cy="254432"/>
-          </a:xfrm>
-          <a:prstGeom prst="rightArrow">
-            <a:avLst/>
-          </a:prstGeom>
-          <a:noFill/>
-          <a:ln w="12700" cap="flat" cmpd="sng" algn="ctr">
-            <a:solidFill>
-              <a:schemeClr val="tx1"/>
-            </a:solidFill>
-            <a:prstDash val="solid"/>
-            <a:round/>
-            <a:headEnd type="none" w="sm" len="sm"/>
-            <a:tailEnd type="none" w="sm" len="sm"/>
-          </a:ln>
-          <a:effectLst/>
-        </p:spPr>
-        <p:txBody>
-          <a:bodyPr vert="horz" wrap="square" lIns="91440" tIns="45720" rIns="91440" bIns="45720" numCol="1" rtlCol="0" anchor="ctr" anchorCtr="0" compatLnSpc="1">
-            <a:prstTxWarp prst="textNoShape">
-              <a:avLst/>
-            </a:prstTxWarp>
-          </a:bodyPr>
-          <a:lstStyle/>
-          <a:p>
-            <a:pPr marL="0" marR="0" indent="0" algn="ctr" defTabSz="914400" rtl="0" eaLnBrk="0" fontAlgn="base" latinLnBrk="0" hangingPunct="0">
-              <a:lnSpc>
-                <a:spcPct val="100000"/>
-              </a:lnSpc>
-              <a:spcBef>
-                <a:spcPct val="0"/>
-              </a:spcBef>
-              <a:spcAft>
-                <a:spcPct val="0"/>
-              </a:spcAft>
-              <a:buClrTx/>
-              <a:buSzTx/>
-              <a:buFontTx/>
-              <a:buNone/>
-              <a:tabLst/>
-            </a:pPr>
-            <a:endParaRPr kumimoji="0" lang="en-US" sz="1400" b="1" i="0" u="none" strike="noStrike" cap="none" normalizeH="0" baseline="0" dirty="0" smtClean="0">
-              <a:ln>
-                <a:noFill/>
-              </a:ln>
-              <a:solidFill>
-                <a:schemeClr val="tx1"/>
-              </a:solidFill>
-              <a:effectLst/>
-              <a:latin typeface="Arial" pitchFamily="-110" charset="0"/>
             </a:endParaRPr>
           </a:p>
         </p:txBody>
       </p:sp>
       <p:cxnSp>
         <p:nvCxnSpPr>
-          <p:cNvPr id="13" name="Straight Arrow Connector 12"/>
-          <p:cNvCxnSpPr>
-            <a:stCxn id="6" idx="2"/>
-            <a:endCxn id="8" idx="0"/>
-          </p:cNvCxnSpPr>
+          <p:cNvPr id="22" name="Straight Arrow Connector 21"/>
+          <p:cNvCxnSpPr/>
           <p:nvPr/>
         </p:nvCxnSpPr>
         <p:spPr bwMode="auto">
           <a:xfrm flipH="1">
-            <a:off x="4075421" y="2940450"/>
-            <a:ext cx="3909" cy="406408"/>
+            <a:off x="3920636" y="2481765"/>
+            <a:ext cx="4979" cy="517629"/>
           </a:xfrm>
           <a:prstGeom prst="straightConnector1">
             <a:avLst/>
@@ -4191,17 +6091,118 @@
       </p:cxnSp>
       <p:cxnSp>
         <p:nvCxnSpPr>
-          <p:cNvPr id="15" name="Straight Arrow Connector 14"/>
+          <p:cNvPr id="26" name="Curved Connector 25"/>
           <p:cNvCxnSpPr>
             <a:stCxn id="8" idx="2"/>
-            <a:endCxn id="9" idx="0"/>
+            <a:endCxn id="8" idx="1"/>
+          </p:cNvCxnSpPr>
+          <p:nvPr/>
+        </p:nvCxnSpPr>
+        <p:spPr bwMode="auto">
+          <a:xfrm rot="5400000" flipH="1">
+            <a:off x="3032030" y="5115946"/>
+            <a:ext cx="556187" cy="1206947"/>
+          </a:xfrm>
+          <a:prstGeom prst="curvedConnector4">
+            <a:avLst>
+              <a:gd name="adj1" fmla="val -143363"/>
+              <a:gd name="adj2" fmla="val 152388"/>
+            </a:avLst>
+          </a:prstGeom>
+          <a:solidFill>
+            <a:schemeClr val="accent1"/>
+          </a:solidFill>
+          <a:ln w="12700" cap="flat" cmpd="sng" algn="ctr">
+            <a:solidFill>
+              <a:schemeClr val="tx1"/>
+            </a:solidFill>
+            <a:prstDash val="solid"/>
+            <a:round/>
+            <a:headEnd type="none" w="sm" len="sm"/>
+            <a:tailEnd type="arrow"/>
+          </a:ln>
+          <a:effectLst/>
+        </p:spPr>
+      </p:cxnSp>
+      <p:sp>
+        <p:nvSpPr>
+          <p:cNvPr id="31" name="Process 30"/>
+          <p:cNvSpPr/>
+          <p:nvPr/>
+        </p:nvSpPr>
+        <p:spPr bwMode="auto">
+          <a:xfrm>
+            <a:off x="2720725" y="1619909"/>
+            <a:ext cx="2413895" cy="837337"/>
+          </a:xfrm>
+          <a:prstGeom prst="flowChartProcess">
+            <a:avLst/>
+          </a:prstGeom>
+          <a:noFill/>
+          <a:ln w="12700" cap="flat" cmpd="sng" algn="ctr">
+            <a:solidFill>
+              <a:schemeClr val="tx1"/>
+            </a:solidFill>
+            <a:prstDash val="solid"/>
+            <a:round/>
+            <a:headEnd type="none" w="sm" len="sm"/>
+            <a:tailEnd type="none" w="sm" len="sm"/>
+          </a:ln>
+          <a:effectLst/>
+        </p:spPr>
+        <p:txBody>
+          <a:bodyPr vert="horz" wrap="square" lIns="91440" tIns="45720" rIns="91440" bIns="45720" numCol="1" rtlCol="0" anchor="ctr" anchorCtr="0" compatLnSpc="1">
+            <a:prstTxWarp prst="textNoShape">
+              <a:avLst/>
+            </a:prstTxWarp>
+          </a:bodyPr>
+          <a:lstStyle/>
+          <a:p>
+            <a:pPr marL="0" marR="0" indent="0" algn="ctr" defTabSz="914400" rtl="0" eaLnBrk="0" fontAlgn="base" latinLnBrk="0" hangingPunct="0">
+              <a:lnSpc>
+                <a:spcPct val="100000"/>
+              </a:lnSpc>
+              <a:spcBef>
+                <a:spcPct val="0"/>
+              </a:spcBef>
+              <a:spcAft>
+                <a:spcPct val="0"/>
+              </a:spcAft>
+              <a:buClrTx/>
+              <a:buSzTx/>
+              <a:buFontTx/>
+              <a:buNone/>
+              <a:tabLst/>
+            </a:pPr>
+            <a:r>
+              <a:rPr lang="en-US" sz="1800" b="1" dirty="0" smtClean="0"/>
+              <a:t>Run Instrumented Program on Inputs</a:t>
+            </a:r>
+            <a:endParaRPr kumimoji="0" lang="en-US" sz="1800" b="1" i="0" u="none" strike="noStrike" cap="none" normalizeH="0" baseline="0" dirty="0" smtClean="0">
+              <a:ln>
+                <a:noFill/>
+              </a:ln>
+              <a:solidFill>
+                <a:schemeClr val="tx1"/>
+              </a:solidFill>
+              <a:effectLst/>
+            </a:endParaRPr>
+          </a:p>
+        </p:txBody>
+      </p:sp>
+      <p:cxnSp>
+        <p:nvCxnSpPr>
+          <p:cNvPr id="33" name="Straight Arrow Connector 32"/>
+          <p:cNvCxnSpPr>
+            <a:stCxn id="21" idx="2"/>
+            <a:endCxn id="31" idx="0"/>
           </p:cNvCxnSpPr>
           <p:nvPr/>
         </p:nvCxnSpPr>
         <p:spPr bwMode="auto">
           <a:xfrm>
-            <a:off x="4075421" y="4220221"/>
-            <a:ext cx="5862" cy="470883"/>
+            <a:off x="3920635" y="1096537"/>
+            <a:ext cx="7038" cy="523372"/>
           </a:xfrm>
           <a:prstGeom prst="straightConnector1">
             <a:avLst/>
@@ -4221,50 +6222,16 @@
           <a:effectLst/>
         </p:spPr>
       </p:cxnSp>
-      <p:cxnSp>
-        <p:nvCxnSpPr>
-          <p:cNvPr id="17" name="Curved Connector 16"/>
-          <p:cNvCxnSpPr>
-            <a:stCxn id="9" idx="1"/>
-            <a:endCxn id="8" idx="1"/>
-          </p:cNvCxnSpPr>
-          <p:nvPr/>
-        </p:nvCxnSpPr>
-        <p:spPr bwMode="auto">
-          <a:xfrm rot="10800000">
-            <a:off x="3127806" y="3783540"/>
-            <a:ext cx="5862" cy="1344246"/>
-          </a:xfrm>
-          <a:prstGeom prst="curvedConnector3">
-            <a:avLst>
-              <a:gd name="adj1" fmla="val 13998908"/>
-            </a:avLst>
-          </a:prstGeom>
-          <a:solidFill>
-            <a:schemeClr val="accent1"/>
-          </a:solidFill>
-          <a:ln w="12700" cap="flat" cmpd="sng" algn="ctr">
-            <a:solidFill>
-              <a:schemeClr val="tx1"/>
-            </a:solidFill>
-            <a:prstDash val="solid"/>
-            <a:round/>
-            <a:headEnd type="none" w="sm" len="sm"/>
-            <a:tailEnd type="arrow"/>
-          </a:ln>
-          <a:effectLst/>
-        </p:spPr>
-      </p:cxnSp>
-      <p:sp>
-        <p:nvSpPr>
-          <p:cNvPr id="4" name="TextBox 3"/>
+      <p:sp>
+        <p:nvSpPr>
+          <p:cNvPr id="34" name="TextBox 33"/>
           <p:cNvSpPr txBox="1"/>
           <p:nvPr/>
         </p:nvSpPr>
         <p:spPr>
           <a:xfrm>
-            <a:off x="1277558" y="2088230"/>
-            <a:ext cx="1352980" cy="707886"/>
+            <a:off x="687868" y="421022"/>
+            <a:ext cx="1142641" cy="509608"/>
           </a:xfrm>
           <a:prstGeom prst="rect">
             <a:avLst/>
@@ -4284,201 +6251,12 @@
                   <a:srgbClr val="3366FF"/>
                 </a:solidFill>
               </a:rPr>
-              <a:t>PANDA</a:t>
-            </a:r>
-          </a:p>
-          <a:p>
-            <a:pPr algn="ctr"/>
-            <a:r>
-              <a:rPr lang="en-US" sz="2000" b="1" dirty="0" smtClean="0">
-                <a:solidFill>
-                  <a:srgbClr val="3366FF"/>
-                </a:solidFill>
-              </a:rPr>
-              <a:t>&amp; CLANG</a:t>
+              <a:t>Clang</a:t>
             </a:r>
             <a:endParaRPr lang="en-US" sz="2000" b="1" dirty="0">
               <a:solidFill>
                 <a:srgbClr val="3366FF"/>
               </a:solidFill>
-            </a:endParaRPr>
-          </a:p>
-        </p:txBody>
-      </p:sp>
-      <p:sp>
-        <p:nvSpPr>
-          <p:cNvPr id="14" name="TextBox 13"/>
-          <p:cNvSpPr txBox="1"/>
-          <p:nvPr/>
-        </p:nvSpPr>
-        <p:spPr>
-          <a:xfrm>
-            <a:off x="1411661" y="3473852"/>
-            <a:ext cx="1096499" cy="400110"/>
-          </a:xfrm>
-          <a:prstGeom prst="rect">
-            <a:avLst/>
-          </a:prstGeom>
-          <a:noFill/>
-        </p:spPr>
-        <p:txBody>
-          <a:bodyPr wrap="none" rtlCol="0">
-            <a:spAutoFit/>
-          </a:bodyPr>
-          <a:lstStyle/>
-          <a:p>
-            <a:pPr algn="ctr"/>
-            <a:r>
-              <a:rPr lang="en-US" sz="2000" b="1" dirty="0" smtClean="0">
-                <a:solidFill>
-                  <a:srgbClr val="3366FF"/>
-                </a:solidFill>
-              </a:rPr>
-              <a:t>CLANG</a:t>
-            </a:r>
-            <a:endParaRPr lang="en-US" sz="2000" b="1" dirty="0">
-              <a:solidFill>
-                <a:srgbClr val="3366FF"/>
-              </a:solidFill>
-            </a:endParaRPr>
-          </a:p>
-        </p:txBody>
-      </p:sp>
-      <p:sp>
-        <p:nvSpPr>
-          <p:cNvPr id="16" name="Explosion 1 15"/>
-          <p:cNvSpPr/>
-          <p:nvPr/>
-        </p:nvSpPr>
-        <p:spPr bwMode="auto">
-          <a:xfrm>
-            <a:off x="6045116" y="4676810"/>
-            <a:ext cx="1550970" cy="891404"/>
-          </a:xfrm>
-          <a:prstGeom prst="irregularSeal1">
-            <a:avLst/>
-          </a:prstGeom>
-          <a:noFill/>
-          <a:ln w="12700" cap="flat" cmpd="sng" algn="ctr">
-            <a:solidFill>
-              <a:schemeClr val="tx1"/>
-            </a:solidFill>
-            <a:prstDash val="solid"/>
-            <a:round/>
-            <a:headEnd type="none" w="sm" len="sm"/>
-            <a:tailEnd type="none" w="sm" len="sm"/>
-          </a:ln>
-          <a:effectLst/>
-        </p:spPr>
-        <p:txBody>
-          <a:bodyPr vert="horz" wrap="square" lIns="91440" tIns="45720" rIns="91440" bIns="45720" numCol="1" rtlCol="0" anchor="ctr" anchorCtr="0" compatLnSpc="1">
-            <a:prstTxWarp prst="textNoShape">
-              <a:avLst/>
-            </a:prstTxWarp>
-          </a:bodyPr>
-          <a:lstStyle/>
-          <a:p>
-            <a:pPr marL="0" marR="0" indent="0" algn="ctr" defTabSz="914400" rtl="0" eaLnBrk="0" fontAlgn="base" latinLnBrk="0" hangingPunct="0">
-              <a:lnSpc>
-                <a:spcPct val="100000"/>
-              </a:lnSpc>
-              <a:spcBef>
-                <a:spcPct val="0"/>
-              </a:spcBef>
-              <a:spcAft>
-                <a:spcPct val="0"/>
-              </a:spcAft>
-              <a:buClrTx/>
-              <a:buSzTx/>
-              <a:buFontTx/>
-              <a:buNone/>
-              <a:tabLst/>
-            </a:pPr>
-            <a:r>
-              <a:rPr kumimoji="0" lang="en-US" sz="1400" b="1" i="0" u="none" strike="noStrike" cap="none" normalizeH="0" baseline="0" dirty="0" smtClean="0">
-                <a:ln>
-                  <a:noFill/>
-                </a:ln>
-                <a:solidFill>
-                  <a:schemeClr val="tx1"/>
-                </a:solidFill>
-                <a:effectLst/>
-                <a:latin typeface="Arial" pitchFamily="-110" charset="0"/>
-              </a:rPr>
-              <a:t>Crash</a:t>
-            </a:r>
-            <a:endParaRPr kumimoji="0" lang="en-US" sz="1000" b="1" i="0" u="none" strike="noStrike" cap="none" normalizeH="0" baseline="0" dirty="0" smtClean="0">
-              <a:ln>
-                <a:noFill/>
-              </a:ln>
-              <a:solidFill>
-                <a:schemeClr val="tx1"/>
-              </a:solidFill>
-              <a:effectLst/>
-              <a:latin typeface="Arial" pitchFamily="-110" charset="0"/>
-            </a:endParaRPr>
-          </a:p>
-        </p:txBody>
-      </p:sp>
-      <p:sp>
-        <p:nvSpPr>
-          <p:cNvPr id="18" name="Right Arrow 17"/>
-          <p:cNvSpPr/>
-          <p:nvPr/>
-        </p:nvSpPr>
-        <p:spPr bwMode="auto">
-          <a:xfrm>
-            <a:off x="5128046" y="4985527"/>
-            <a:ext cx="830383" cy="283306"/>
-          </a:xfrm>
-          <a:prstGeom prst="rightArrow">
-            <a:avLst/>
-          </a:prstGeom>
-          <a:noFill/>
-          <a:ln w="12700" cap="flat" cmpd="sng" algn="ctr">
-            <a:solidFill>
-              <a:schemeClr val="tx1"/>
-            </a:solidFill>
-            <a:prstDash val="solid"/>
-            <a:round/>
-            <a:headEnd type="none" w="sm" len="sm"/>
-            <a:tailEnd type="none" w="sm" len="sm"/>
-          </a:ln>
-          <a:effectLst/>
-        </p:spPr>
-        <p:txBody>
-          <a:bodyPr vert="horz" wrap="square" lIns="91440" tIns="45720" rIns="91440" bIns="45720" numCol="1" rtlCol="0" anchor="ctr" anchorCtr="0" compatLnSpc="1">
-            <a:prstTxWarp prst="textNoShape">
-              <a:avLst/>
-            </a:prstTxWarp>
-          </a:bodyPr>
-          <a:lstStyle/>
-          <a:p>
-            <a:pPr marL="0" marR="0" indent="0" algn="ctr" defTabSz="914400" rtl="0" eaLnBrk="0" fontAlgn="base" latinLnBrk="0" hangingPunct="0">
-              <a:lnSpc>
-                <a:spcPct val="100000"/>
-              </a:lnSpc>
-              <a:spcBef>
-                <a:spcPct val="0"/>
-              </a:spcBef>
-              <a:spcAft>
-                <a:spcPct val="0"/>
-              </a:spcAft>
-              <a:buClrTx/>
-              <a:buSzTx/>
-              <a:buFontTx/>
-              <a:buNone/>
-              <a:tabLst/>
-            </a:pPr>
-            <a:endParaRPr kumimoji="0" lang="en-US" sz="1400" b="1" i="0" u="none" strike="noStrike" cap="none" normalizeH="0" baseline="0" dirty="0" smtClean="0">
-              <a:ln>
-                <a:noFill/>
-              </a:ln>
-              <a:solidFill>
-                <a:schemeClr val="tx1"/>
-              </a:solidFill>
-              <a:effectLst/>
-              <a:latin typeface="Arial" pitchFamily="-110" charset="0"/>
             </a:endParaRPr>
           </a:p>
         </p:txBody>
@@ -4496,586 +6274,124 @@
   <p:timing>
     <p:tnLst>
       <p:par>
-        <p:cTn xmlns:p14="http://schemas.microsoft.com/office/powerpoint/2010/main" id="1" dur="indefinite" restart="never" nodeType="tmRoot">
-          <p:childTnLst>
-            <p:seq concurrent="1" nextAc="seek">
-              <p:cTn id="2" dur="indefinite" nodeType="mainSeq">
-                <p:childTnLst>
-                  <p:par>
-                    <p:cTn id="3" fill="hold">
-                      <p:stCondLst>
-                        <p:cond delay="indefinite"/>
-                      </p:stCondLst>
-                      <p:childTnLst>
-                        <p:par>
-                          <p:cTn id="4" fill="hold">
-                            <p:stCondLst>
-                              <p:cond delay="0"/>
-                            </p:stCondLst>
-                            <p:childTnLst>
-                              <p:par>
-                                <p:cTn id="5" presetID="1" presetClass="entr" presetSubtype="0" fill="hold" grpId="0" nodeType="clickEffect">
-                                  <p:stCondLst>
-                                    <p:cond delay="0"/>
-                                  </p:stCondLst>
-                                  <p:childTnLst>
-                                    <p:set>
-                                      <p:cBhvr>
-                                        <p:cTn id="6" dur="1" fill="hold">
-                                          <p:stCondLst>
-                                            <p:cond delay="0"/>
-                                          </p:stCondLst>
-                                        </p:cTn>
-                                        <p:tgtEl>
-                                          <p:spTgt spid="6"/>
-                                        </p:tgtEl>
-                                        <p:attrNameLst>
-                                          <p:attrName>style.visibility</p:attrName>
-                                        </p:attrNameLst>
-                                      </p:cBhvr>
-                                      <p:to>
-                                        <p:strVal val="visible"/>
-                                      </p:to>
-                                    </p:set>
-                                  </p:childTnLst>
-                                </p:cTn>
-                              </p:par>
-                              <p:par>
-                                <p:cTn id="7" presetID="1" presetClass="entr" presetSubtype="0" fill="hold" grpId="0" nodeType="withEffect">
-                                  <p:stCondLst>
-                                    <p:cond delay="0"/>
-                                  </p:stCondLst>
-                                  <p:childTnLst>
-                                    <p:set>
-                                      <p:cBhvr>
-                                        <p:cTn id="8" dur="1" fill="hold">
-                                          <p:stCondLst>
-                                            <p:cond delay="0"/>
-                                          </p:stCondLst>
-                                        </p:cTn>
-                                        <p:tgtEl>
-                                          <p:spTgt spid="4"/>
-                                        </p:tgtEl>
-                                        <p:attrNameLst>
-                                          <p:attrName>style.visibility</p:attrName>
-                                        </p:attrNameLst>
-                                      </p:cBhvr>
-                                      <p:to>
-                                        <p:strVal val="visible"/>
-                                      </p:to>
-                                    </p:set>
-                                  </p:childTnLst>
-                                </p:cTn>
-                              </p:par>
-                            </p:childTnLst>
-                          </p:cTn>
-                        </p:par>
-                      </p:childTnLst>
-                    </p:cTn>
-                  </p:par>
-                  <p:par>
-                    <p:cTn id="9" fill="hold">
-                      <p:stCondLst>
-                        <p:cond delay="indefinite"/>
-                      </p:stCondLst>
-                      <p:childTnLst>
-                        <p:par>
-                          <p:cTn id="10" fill="hold">
-                            <p:stCondLst>
-                              <p:cond delay="0"/>
-                            </p:stCondLst>
-                            <p:childTnLst>
-                              <p:par>
-                                <p:cTn id="11" presetID="1" presetClass="entr" presetSubtype="0" fill="hold" grpId="0" nodeType="clickEffect">
-                                  <p:stCondLst>
-                                    <p:cond delay="0"/>
-                                  </p:stCondLst>
-                                  <p:childTnLst>
-                                    <p:set>
-                                      <p:cBhvr>
-                                        <p:cTn id="12" dur="1" fill="hold">
-                                          <p:stCondLst>
-                                            <p:cond delay="0"/>
-                                          </p:stCondLst>
-                                        </p:cTn>
-                                        <p:tgtEl>
-                                          <p:spTgt spid="10"/>
-                                        </p:tgtEl>
-                                        <p:attrNameLst>
-                                          <p:attrName>style.visibility</p:attrName>
-                                        </p:attrNameLst>
-                                      </p:cBhvr>
-                                      <p:to>
-                                        <p:strVal val="visible"/>
-                                      </p:to>
-                                    </p:set>
-                                  </p:childTnLst>
-                                </p:cTn>
-                              </p:par>
-                              <p:par>
-                                <p:cTn id="13" presetID="1" presetClass="entr" presetSubtype="0" fill="hold" grpId="0" nodeType="withEffect">
-                                  <p:stCondLst>
-                                    <p:cond delay="0"/>
-                                  </p:stCondLst>
-                                  <p:childTnLst>
-                                    <p:set>
-                                      <p:cBhvr>
-                                        <p:cTn id="14" dur="1" fill="hold">
-                                          <p:stCondLst>
-                                            <p:cond delay="0"/>
-                                          </p:stCondLst>
-                                        </p:cTn>
-                                        <p:tgtEl>
-                                          <p:spTgt spid="7"/>
-                                        </p:tgtEl>
-                                        <p:attrNameLst>
-                                          <p:attrName>style.visibility</p:attrName>
-                                        </p:attrNameLst>
-                                      </p:cBhvr>
-                                      <p:to>
-                                        <p:strVal val="visible"/>
-                                      </p:to>
-                                    </p:set>
-                                  </p:childTnLst>
-                                </p:cTn>
-                              </p:par>
-                            </p:childTnLst>
-                          </p:cTn>
-                        </p:par>
-                      </p:childTnLst>
-                    </p:cTn>
-                  </p:par>
-                  <p:par>
-                    <p:cTn id="15" fill="hold">
-                      <p:stCondLst>
-                        <p:cond delay="indefinite"/>
-                      </p:stCondLst>
-                      <p:childTnLst>
-                        <p:par>
-                          <p:cTn id="16" fill="hold">
-                            <p:stCondLst>
-                              <p:cond delay="0"/>
-                            </p:stCondLst>
-                            <p:childTnLst>
-                              <p:par>
-                                <p:cTn id="17" presetID="1" presetClass="entr" presetSubtype="0" fill="hold" nodeType="clickEffect">
-                                  <p:stCondLst>
-                                    <p:cond delay="0"/>
-                                  </p:stCondLst>
-                                  <p:childTnLst>
-                                    <p:set>
-                                      <p:cBhvr>
-                                        <p:cTn id="18" dur="1" fill="hold">
-                                          <p:stCondLst>
-                                            <p:cond delay="0"/>
-                                          </p:stCondLst>
-                                        </p:cTn>
-                                        <p:tgtEl>
-                                          <p:spTgt spid="13"/>
-                                        </p:tgtEl>
-                                        <p:attrNameLst>
-                                          <p:attrName>style.visibility</p:attrName>
-                                        </p:attrNameLst>
-                                      </p:cBhvr>
-                                      <p:to>
-                                        <p:strVal val="visible"/>
-                                      </p:to>
-                                    </p:set>
-                                  </p:childTnLst>
-                                </p:cTn>
-                              </p:par>
-                              <p:par>
-                                <p:cTn id="19" presetID="1" presetClass="entr" presetSubtype="0" fill="hold" grpId="0" nodeType="withEffect">
-                                  <p:stCondLst>
-                                    <p:cond delay="0"/>
-                                  </p:stCondLst>
-                                  <p:childTnLst>
-                                    <p:set>
-                                      <p:cBhvr>
-                                        <p:cTn id="20" dur="1" fill="hold">
-                                          <p:stCondLst>
-                                            <p:cond delay="0"/>
-                                          </p:stCondLst>
-                                        </p:cTn>
-                                        <p:tgtEl>
-                                          <p:spTgt spid="8"/>
-                                        </p:tgtEl>
-                                        <p:attrNameLst>
-                                          <p:attrName>style.visibility</p:attrName>
-                                        </p:attrNameLst>
-                                      </p:cBhvr>
-                                      <p:to>
-                                        <p:strVal val="visible"/>
-                                      </p:to>
-                                    </p:set>
-                                  </p:childTnLst>
-                                </p:cTn>
-                              </p:par>
-                              <p:par>
-                                <p:cTn id="21" presetID="1" presetClass="entr" presetSubtype="0" fill="hold" grpId="0" nodeType="withEffect">
-                                  <p:stCondLst>
-                                    <p:cond delay="0"/>
-                                  </p:stCondLst>
-                                  <p:childTnLst>
-                                    <p:set>
-                                      <p:cBhvr>
-                                        <p:cTn id="22" dur="1" fill="hold">
-                                          <p:stCondLst>
-                                            <p:cond delay="0"/>
-                                          </p:stCondLst>
-                                        </p:cTn>
-                                        <p:tgtEl>
-                                          <p:spTgt spid="14"/>
-                                        </p:tgtEl>
-                                        <p:attrNameLst>
-                                          <p:attrName>style.visibility</p:attrName>
-                                        </p:attrNameLst>
-                                      </p:cBhvr>
-                                      <p:to>
-                                        <p:strVal val="visible"/>
-                                      </p:to>
-                                    </p:set>
-                                  </p:childTnLst>
-                                </p:cTn>
-                              </p:par>
-                              <p:par>
-                                <p:cTn id="23" presetID="1" presetClass="entr" presetSubtype="0" fill="hold" grpId="0" nodeType="withEffect">
-                                  <p:stCondLst>
-                                    <p:cond delay="0"/>
-                                  </p:stCondLst>
-                                  <p:childTnLst>
-                                    <p:set>
-                                      <p:cBhvr>
-                                        <p:cTn id="24" dur="1" fill="hold">
-                                          <p:stCondLst>
-                                            <p:cond delay="0"/>
-                                          </p:stCondLst>
-                                        </p:cTn>
-                                        <p:tgtEl>
-                                          <p:spTgt spid="11"/>
-                                        </p:tgtEl>
-                                        <p:attrNameLst>
-                                          <p:attrName>style.visibility</p:attrName>
-                                        </p:attrNameLst>
-                                      </p:cBhvr>
-                                      <p:to>
-                                        <p:strVal val="visible"/>
-                                      </p:to>
-                                    </p:set>
-                                  </p:childTnLst>
-                                </p:cTn>
-                              </p:par>
-                            </p:childTnLst>
-                          </p:cTn>
-                        </p:par>
-                      </p:childTnLst>
-                    </p:cTn>
-                  </p:par>
-                  <p:par>
-                    <p:cTn id="25" fill="hold">
-                      <p:stCondLst>
-                        <p:cond delay="indefinite"/>
-                      </p:stCondLst>
-                      <p:childTnLst>
-                        <p:par>
-                          <p:cTn id="26" fill="hold">
-                            <p:stCondLst>
-                              <p:cond delay="0"/>
-                            </p:stCondLst>
-                            <p:childTnLst>
-                              <p:par>
-                                <p:cTn id="27" presetID="1" presetClass="entr" presetSubtype="0" fill="hold" nodeType="clickEffect">
-                                  <p:stCondLst>
-                                    <p:cond delay="0"/>
-                                  </p:stCondLst>
-                                  <p:childTnLst>
-                                    <p:set>
-                                      <p:cBhvr>
-                                        <p:cTn id="28" dur="1" fill="hold">
-                                          <p:stCondLst>
-                                            <p:cond delay="0"/>
-                                          </p:stCondLst>
-                                        </p:cTn>
-                                        <p:tgtEl>
-                                          <p:spTgt spid="15"/>
-                                        </p:tgtEl>
-                                        <p:attrNameLst>
-                                          <p:attrName>style.visibility</p:attrName>
-                                        </p:attrNameLst>
-                                      </p:cBhvr>
-                                      <p:to>
-                                        <p:strVal val="visible"/>
-                                      </p:to>
-                                    </p:set>
-                                  </p:childTnLst>
-                                </p:cTn>
-                              </p:par>
-                              <p:par>
-                                <p:cTn id="29" presetID="1" presetClass="entr" presetSubtype="0" fill="hold" grpId="0" nodeType="withEffect">
-                                  <p:stCondLst>
-                                    <p:cond delay="0"/>
-                                  </p:stCondLst>
-                                  <p:childTnLst>
-                                    <p:set>
-                                      <p:cBhvr>
-                                        <p:cTn id="30" dur="1" fill="hold">
-                                          <p:stCondLst>
-                                            <p:cond delay="0"/>
-                                          </p:stCondLst>
-                                        </p:cTn>
-                                        <p:tgtEl>
-                                          <p:spTgt spid="9"/>
-                                        </p:tgtEl>
-                                        <p:attrNameLst>
-                                          <p:attrName>style.visibility</p:attrName>
-                                        </p:attrNameLst>
-                                      </p:cBhvr>
-                                      <p:to>
-                                        <p:strVal val="visible"/>
-                                      </p:to>
-                                    </p:set>
-                                  </p:childTnLst>
-                                </p:cTn>
-                              </p:par>
-                              <p:par>
-                                <p:cTn id="31" presetID="1" presetClass="entr" presetSubtype="0" fill="hold" nodeType="withEffect">
-                                  <p:stCondLst>
-                                    <p:cond delay="0"/>
-                                  </p:stCondLst>
-                                  <p:childTnLst>
-                                    <p:set>
-                                      <p:cBhvr>
-                                        <p:cTn id="32" dur="1" fill="hold">
-                                          <p:stCondLst>
-                                            <p:cond delay="0"/>
-                                          </p:stCondLst>
-                                        </p:cTn>
-                                        <p:tgtEl>
-                                          <p:spTgt spid="17"/>
-                                        </p:tgtEl>
-                                        <p:attrNameLst>
-                                          <p:attrName>style.visibility</p:attrName>
-                                        </p:attrNameLst>
-                                      </p:cBhvr>
-                                      <p:to>
-                                        <p:strVal val="visible"/>
-                                      </p:to>
-                                    </p:set>
-                                  </p:childTnLst>
-                                </p:cTn>
-                              </p:par>
-                            </p:childTnLst>
-                          </p:cTn>
-                        </p:par>
-                      </p:childTnLst>
-                    </p:cTn>
-                  </p:par>
-                  <p:par>
-                    <p:cTn id="33" fill="hold">
-                      <p:stCondLst>
-                        <p:cond delay="indefinite"/>
-                      </p:stCondLst>
-                      <p:childTnLst>
-                        <p:par>
-                          <p:cTn id="34" fill="hold">
-                            <p:stCondLst>
-                              <p:cond delay="0"/>
-                            </p:stCondLst>
-                            <p:childTnLst>
-                              <p:par>
-                                <p:cTn id="35" presetID="1" presetClass="entr" presetSubtype="0" fill="hold" grpId="0" nodeType="clickEffect">
-                                  <p:stCondLst>
-                                    <p:cond delay="0"/>
-                                  </p:stCondLst>
-                                  <p:childTnLst>
-                                    <p:set>
-                                      <p:cBhvr>
-                                        <p:cTn id="36" dur="1" fill="hold">
-                                          <p:stCondLst>
-                                            <p:cond delay="0"/>
-                                          </p:stCondLst>
-                                        </p:cTn>
-                                        <p:tgtEl>
-                                          <p:spTgt spid="18"/>
-                                        </p:tgtEl>
-                                        <p:attrNameLst>
-                                          <p:attrName>style.visibility</p:attrName>
-                                        </p:attrNameLst>
-                                      </p:cBhvr>
-                                      <p:to>
-                                        <p:strVal val="visible"/>
-                                      </p:to>
-                                    </p:set>
-                                  </p:childTnLst>
-                                </p:cTn>
-                              </p:par>
-                            </p:childTnLst>
-                          </p:cTn>
-                        </p:par>
-                      </p:childTnLst>
-                    </p:cTn>
-                  </p:par>
-                  <p:par>
-                    <p:cTn id="37" fill="hold">
-                      <p:stCondLst>
-                        <p:cond delay="indefinite"/>
-                      </p:stCondLst>
-                      <p:childTnLst>
-                        <p:par>
-                          <p:cTn id="38" fill="hold">
-                            <p:stCondLst>
-                              <p:cond delay="0"/>
-                            </p:stCondLst>
-                            <p:childTnLst>
-                              <p:par>
-                                <p:cTn id="39" presetID="1" presetClass="entr" presetSubtype="0" fill="hold" grpId="0" nodeType="clickEffect">
-                                  <p:stCondLst>
-                                    <p:cond delay="0"/>
-                                  </p:stCondLst>
-                                  <p:childTnLst>
-                                    <p:set>
-                                      <p:cBhvr>
-                                        <p:cTn id="40" dur="1" fill="hold">
-                                          <p:stCondLst>
-                                            <p:cond delay="0"/>
-                                          </p:stCondLst>
-                                        </p:cTn>
-                                        <p:tgtEl>
-                                          <p:spTgt spid="16"/>
-                                        </p:tgtEl>
-                                        <p:attrNameLst>
-                                          <p:attrName>style.visibility</p:attrName>
-                                        </p:attrNameLst>
-                                      </p:cBhvr>
-                                      <p:to>
-                                        <p:strVal val="visible"/>
-                                      </p:to>
-                                    </p:set>
-                                  </p:childTnLst>
-                                </p:cTn>
-                              </p:par>
-                              <p:par>
-                                <p:cTn id="41" presetID="1" presetClass="entr" presetSubtype="0" fill="hold" grpId="1" nodeType="withEffect">
-                                  <p:stCondLst>
-                                    <p:cond delay="0"/>
-                                  </p:stCondLst>
-                                  <p:childTnLst>
-                                    <p:set>
-                                      <p:cBhvr>
-                                        <p:cTn id="42" dur="1" fill="hold">
-                                          <p:stCondLst>
-                                            <p:cond delay="0"/>
-                                          </p:stCondLst>
-                                        </p:cTn>
-                                        <p:tgtEl>
-                                          <p:spTgt spid="18"/>
-                                        </p:tgtEl>
-                                        <p:attrNameLst>
-                                          <p:attrName>style.visibility</p:attrName>
-                                        </p:attrNameLst>
-                                      </p:cBhvr>
-                                      <p:to>
-                                        <p:strVal val="visible"/>
-                                      </p:to>
-                                    </p:set>
-                                  </p:childTnLst>
-                                </p:cTn>
-                              </p:par>
-                            </p:childTnLst>
-                          </p:cTn>
-                        </p:par>
-                      </p:childTnLst>
-                    </p:cTn>
-                  </p:par>
-                </p:childTnLst>
-              </p:cTn>
-              <p:prevCondLst>
-                <p:cond evt="onPrev" delay="0">
-                  <p:tgtEl>
-                    <p:sldTgt/>
-                  </p:tgtEl>
-                </p:cond>
-              </p:prevCondLst>
-              <p:nextCondLst>
-                <p:cond evt="onNext" delay="0">
-                  <p:tgtEl>
-                    <p:sldTgt/>
-                  </p:tgtEl>
-                </p:cond>
-              </p:nextCondLst>
-            </p:seq>
-          </p:childTnLst>
-        </p:cTn>
+        <p:cTn xmlns:p14="http://schemas.microsoft.com/office/powerpoint/2010/main" id="1" dur="indefinite" restart="never" nodeType="tmRoot"/>
       </p:par>
     </p:tnLst>
-    <p:bldLst>
-      <p:bldP spid="6" grpId="0" animBg="1"/>
-      <p:bldP spid="7" grpId="0" animBg="1"/>
-      <p:bldP spid="8" grpId="0" animBg="1"/>
-      <p:bldP spid="9" grpId="0" animBg="1"/>
-      <p:bldP spid="10" grpId="0" animBg="1"/>
-      <p:bldP spid="11" grpId="0" animBg="1"/>
-      <p:bldP spid="4" grpId="0"/>
-      <p:bldP spid="14" grpId="0"/>
-      <p:bldP spid="16" grpId="0" animBg="1"/>
-      <p:bldP spid="18" grpId="0" animBg="1"/>
-      <p:bldP spid="18" grpId="1" animBg="1"/>
-    </p:bldLst>
   </p:timing>
 </p:sld>
 </file>
 
 <file path=ppt/theme/theme1.xml><?xml version="1.0" encoding="utf-8"?>
-<a:theme xmlns:a="http://schemas.openxmlformats.org/drawingml/2006/main" name="Lincoln_2012_vDec10">
+<a:theme xmlns:a="http://schemas.openxmlformats.org/drawingml/2006/main" name="Office Theme">
   <a:themeElements>
-    <a:clrScheme name="Custom 1 1">
+    <a:clrScheme name="Office">
       <a:dk1>
-        <a:srgbClr val="000000"/>
+        <a:sysClr val="windowText" lastClr="000000"/>
       </a:dk1>
       <a:lt1>
-        <a:srgbClr val="FFFFFF"/>
+        <a:sysClr val="window" lastClr="FFFFFF"/>
       </a:lt1>
       <a:dk2>
-        <a:srgbClr val="000000"/>
+        <a:srgbClr val="1F497D"/>
       </a:dk2>
       <a:lt2>
-        <a:srgbClr val="919191"/>
+        <a:srgbClr val="EEECE1"/>
       </a:lt2>
       <a:accent1>
-        <a:srgbClr val="618FFD"/>
+        <a:srgbClr val="4F81BD"/>
       </a:accent1>
       <a:accent2>
-        <a:srgbClr val="00AE00"/>
+        <a:srgbClr val="C0504D"/>
       </a:accent2>
       <a:accent3>
-        <a:srgbClr val="FFFFFF"/>
+        <a:srgbClr val="9BBB59"/>
       </a:accent3>
       <a:accent4>
-        <a:srgbClr val="003767"/>
+        <a:srgbClr val="8064A2"/>
       </a:accent4>
       <a:accent5>
-        <a:srgbClr val="D2DCF2"/>
+        <a:srgbClr val="4BACC6"/>
       </a:accent5>
       <a:accent6>
-        <a:srgbClr val="009D00"/>
+        <a:srgbClr val="F79646"/>
       </a:accent6>
       <a:hlink>
-        <a:srgbClr val="FC0128"/>
+        <a:srgbClr val="0000FF"/>
       </a:hlink>
       <a:folHlink>
-        <a:srgbClr val="CECECE"/>
+        <a:srgbClr val="800080"/>
       </a:folHlink>
     </a:clrScheme>
-    <a:fontScheme name="Office Theme">
+    <a:fontScheme name="Office">
       <a:majorFont>
-        <a:latin typeface="Arial"/>
+        <a:latin typeface="Calibri"/>
         <a:ea typeface=""/>
         <a:cs typeface=""/>
+        <a:font script="Jpan" typeface="ＭＳ Ｐゴシック"/>
+        <a:font script="Hang" typeface="맑은 고딕"/>
+        <a:font script="Hans" typeface="宋体"/>
+        <a:font script="Hant" typeface="新細明體"/>
+        <a:font script="Arab" typeface="Times New Roman"/>
+        <a:font script="Hebr" typeface="Times New Roman"/>
+        <a:font script="Thai" typeface="Angsana New"/>
+        <a:font script="Ethi" typeface="Nyala"/>
+        <a:font script="Beng" typeface="Vrinda"/>
+        <a:font script="Gujr" typeface="Shruti"/>
+        <a:font script="Khmr" typeface="MoolBoran"/>
+        <a:font script="Knda" typeface="Tunga"/>
+        <a:font script="Guru" typeface="Raavi"/>
+        <a:font script="Cans" typeface="Euphemia"/>
+        <a:font script="Cher" typeface="Plantagenet Cherokee"/>
+        <a:font script="Yiii" typeface="Microsoft Yi Baiti"/>
+        <a:font script="Tibt" typeface="Microsoft Himalaya"/>
+        <a:font script="Thaa" typeface="MV Boli"/>
+        <a:font script="Deva" typeface="Mangal"/>
+        <a:font script="Telu" typeface="Gautami"/>
+        <a:font script="Taml" typeface="Latha"/>
+        <a:font script="Syrc" typeface="Estrangelo Edessa"/>
+        <a:font script="Orya" typeface="Kalinga"/>
+        <a:font script="Mlym" typeface="Kartika"/>
+        <a:font script="Laoo" typeface="DokChampa"/>
+        <a:font script="Sinh" typeface="Iskoola Pota"/>
+        <a:font script="Mong" typeface="Mongolian Baiti"/>
+        <a:font script="Viet" typeface="Times New Roman"/>
+        <a:font script="Uigh" typeface="Microsoft Uighur"/>
+        <a:font script="Geor" typeface="Sylfaen"/>
       </a:majorFont>
       <a:minorFont>
-        <a:latin typeface="Arial"/>
+        <a:latin typeface="Calibri"/>
         <a:ea typeface=""/>
         <a:cs typeface=""/>
+        <a:font script="Jpan" typeface="ＭＳ Ｐゴシック"/>
+        <a:font script="Hang" typeface="맑은 고딕"/>
+        <a:font script="Hans" typeface="宋体"/>
+        <a:font script="Hant" typeface="新細明體"/>
+        <a:font script="Arab" typeface="Arial"/>
+        <a:font script="Hebr" typeface="Arial"/>
+        <a:font script="Thai" typeface="Cordia New"/>
+        <a:font script="Ethi" typeface="Nyala"/>
+        <a:font script="Beng" typeface="Vrinda"/>
+        <a:font script="Gujr" typeface="Shruti"/>
+        <a:font script="Khmr" typeface="DaunPenh"/>
+        <a:font script="Knda" typeface="Tunga"/>
+        <a:font script="Guru" typeface="Raavi"/>
+        <a:font script="Cans" typeface="Euphemia"/>
+        <a:font script="Cher" typeface="Plantagenet Cherokee"/>
+        <a:font script="Yiii" typeface="Microsoft Yi Baiti"/>
+        <a:font script="Tibt" typeface="Microsoft Himalaya"/>
+        <a:font script="Thaa" typeface="MV Boli"/>
+        <a:font script="Deva" typeface="Mangal"/>
+        <a:font script="Telu" typeface="Gautami"/>
+        <a:font script="Taml" typeface="Latha"/>
+        <a:font script="Syrc" typeface="Estrangelo Edessa"/>
+        <a:font script="Orya" typeface="Kalinga"/>
+        <a:font script="Mlym" typeface="Kartika"/>
+        <a:font script="Laoo" typeface="DokChampa"/>
+        <a:font script="Sinh" typeface="Iskoola Pota"/>
+        <a:font script="Mong" typeface="Mongolian Baiti"/>
+        <a:font script="Viet" typeface="Arial"/>
+        <a:font script="Uigh" typeface="Microsoft Uighur"/>
+        <a:font script="Geor" typeface="Sylfaen"/>
       </a:minorFont>
     </a:fontScheme>
     <a:fmtScheme name="Office">
@@ -5243,377 +6559,45 @@
   </a:themeElements>
   <a:objectDefaults>
     <a:spDef>
-      <a:spPr bwMode="auto">
-        <a:solidFill>
-          <a:schemeClr val="accent5"/>
-        </a:solidFill>
-        <a:ln w="12700" cap="flat" cmpd="sng" algn="ctr">
-          <a:solidFill>
-            <a:schemeClr val="tx1"/>
-          </a:solidFill>
-          <a:prstDash val="solid"/>
-          <a:round/>
-          <a:headEnd type="none" w="sm" len="sm"/>
-          <a:tailEnd type="none" w="sm" len="sm"/>
-        </a:ln>
-        <a:effectLst/>
-      </a:spPr>
-      <a:bodyPr vert="horz" wrap="square" lIns="91440" tIns="45720" rIns="91440" bIns="45720" numCol="1" rtlCol="0" anchor="ctr" anchorCtr="0" compatLnSpc="1">
-        <a:prstTxWarp prst="textNoShape">
-          <a:avLst/>
-        </a:prstTxWarp>
-      </a:bodyPr>
-      <a:lstStyle>
-        <a:defPPr marL="0" marR="0" indent="0" algn="ctr" defTabSz="914400" rtl="0" eaLnBrk="0" fontAlgn="base" latinLnBrk="0" hangingPunct="0">
-          <a:lnSpc>
-            <a:spcPct val="100000"/>
-          </a:lnSpc>
-          <a:spcBef>
-            <a:spcPct val="0"/>
-          </a:spcBef>
-          <a:spcAft>
-            <a:spcPct val="0"/>
-          </a:spcAft>
-          <a:buClrTx/>
-          <a:buSzTx/>
-          <a:buFontTx/>
-          <a:buNone/>
-          <a:tabLst/>
-          <a:defRPr kumimoji="0" sz="1400" b="1" i="0" u="none" strike="noStrike" cap="none" normalizeH="0" baseline="0" dirty="0" smtClean="0">
-            <a:ln>
-              <a:noFill/>
-            </a:ln>
-            <a:solidFill>
-              <a:schemeClr val="tx1"/>
-            </a:solidFill>
-            <a:effectLst/>
-            <a:latin typeface="Arial" pitchFamily="-110" charset="0"/>
-          </a:defRPr>
-        </a:defPPr>
-      </a:lstStyle>
+      <a:spPr/>
+      <a:bodyPr/>
+      <a:lstStyle/>
+      <a:style>
+        <a:lnRef idx="1">
+          <a:schemeClr val="accent1"/>
+        </a:lnRef>
+        <a:fillRef idx="3">
+          <a:schemeClr val="accent1"/>
+        </a:fillRef>
+        <a:effectRef idx="2">
+          <a:schemeClr val="accent1"/>
+        </a:effectRef>
+        <a:fontRef idx="minor">
+          <a:schemeClr val="lt1"/>
+        </a:fontRef>
+      </a:style>
     </a:spDef>
     <a:lnDef>
-      <a:spPr bwMode="auto">
-        <a:solidFill>
-          <a:schemeClr val="accent1"/>
-        </a:solidFill>
-        <a:ln w="12700" cap="flat" cmpd="sng" algn="ctr">
-          <a:solidFill>
-            <a:schemeClr val="tx1"/>
-          </a:solidFill>
-          <a:prstDash val="solid"/>
-          <a:round/>
-          <a:headEnd type="none" w="sm" len="sm"/>
-          <a:tailEnd type="none" w="sm" len="sm"/>
-        </a:ln>
-        <a:effectLst/>
-      </a:spPr>
+      <a:spPr/>
       <a:bodyPr/>
       <a:lstStyle/>
+      <a:style>
+        <a:lnRef idx="2">
+          <a:schemeClr val="accent1"/>
+        </a:lnRef>
+        <a:fillRef idx="0">
+          <a:schemeClr val="accent1"/>
+        </a:fillRef>
+        <a:effectRef idx="1">
+          <a:schemeClr val="accent1"/>
+        </a:effectRef>
+        <a:fontRef idx="minor">
+          <a:schemeClr val="tx1"/>
+        </a:fontRef>
+      </a:style>
     </a:lnDef>
-    <a:txDef>
-      <a:spPr>
-        <a:noFill/>
-      </a:spPr>
-      <a:bodyPr wrap="square" rtlCol="0">
-        <a:spAutoFit/>
-      </a:bodyPr>
-      <a:lstStyle>
-        <a:defPPr algn="ctr">
-          <a:defRPr sz="1400" b="1" dirty="0"/>
-        </a:defPPr>
-      </a:lstStyle>
-    </a:txDef>
   </a:objectDefaults>
-  <a:extraClrSchemeLst>
-    <a:extraClrScheme>
-      <a:clrScheme name="Office Theme 1">
-        <a:dk1>
-          <a:srgbClr val="000000"/>
-        </a:dk1>
-        <a:lt1>
-          <a:srgbClr val="FFFFFF"/>
-        </a:lt1>
-        <a:dk2>
-          <a:srgbClr val="000000"/>
-        </a:dk2>
-        <a:lt2>
-          <a:srgbClr val="969696"/>
-        </a:lt2>
-        <a:accent1>
-          <a:srgbClr val="00CC99"/>
-        </a:accent1>
-        <a:accent2>
-          <a:srgbClr val="3333CC"/>
-        </a:accent2>
-        <a:accent3>
-          <a:srgbClr val="FFFFFF"/>
-        </a:accent3>
-        <a:accent4>
-          <a:srgbClr val="000000"/>
-        </a:accent4>
-        <a:accent5>
-          <a:srgbClr val="AAE2CA"/>
-        </a:accent5>
-        <a:accent6>
-          <a:srgbClr val="2D2DB9"/>
-        </a:accent6>
-        <a:hlink>
-          <a:srgbClr val="CCCCFF"/>
-        </a:hlink>
-        <a:folHlink>
-          <a:srgbClr val="B2B2B2"/>
-        </a:folHlink>
-      </a:clrScheme>
-      <a:clrMap bg1="lt1" tx1="dk1" bg2="lt2" tx2="dk2" accent1="accent1" accent2="accent2" accent3="accent3" accent4="accent4" accent5="accent5" accent6="accent6" hlink="hlink" folHlink="folHlink"/>
-    </a:extraClrScheme>
-    <a:extraClrScheme>
-      <a:clrScheme name="Office Theme 2">
-        <a:dk1>
-          <a:srgbClr val="000000"/>
-        </a:dk1>
-        <a:lt1>
-          <a:srgbClr val="FFFFFF"/>
-        </a:lt1>
-        <a:dk2>
-          <a:srgbClr val="0000FF"/>
-        </a:dk2>
-        <a:lt2>
-          <a:srgbClr val="FFFF00"/>
-        </a:lt2>
-        <a:accent1>
-          <a:srgbClr val="FF9900"/>
-        </a:accent1>
-        <a:accent2>
-          <a:srgbClr val="00FFFF"/>
-        </a:accent2>
-        <a:accent3>
-          <a:srgbClr val="AAAAFF"/>
-        </a:accent3>
-        <a:accent4>
-          <a:srgbClr val="DADADA"/>
-        </a:accent4>
-        <a:accent5>
-          <a:srgbClr val="FFCAAA"/>
-        </a:accent5>
-        <a:accent6>
-          <a:srgbClr val="00E7E7"/>
-        </a:accent6>
-        <a:hlink>
-          <a:srgbClr val="FF0033"/>
-        </a:hlink>
-        <a:folHlink>
-          <a:srgbClr val="969696"/>
-        </a:folHlink>
-      </a:clrScheme>
-      <a:clrMap bg1="dk2" tx1="lt1" bg2="dk1" tx2="lt2" accent1="accent1" accent2="accent2" accent3="accent3" accent4="accent4" accent5="accent5" accent6="accent6" hlink="hlink" folHlink="folHlink"/>
-    </a:extraClrScheme>
-    <a:extraClrScheme>
-      <a:clrScheme name="Office Theme 3">
-        <a:dk1>
-          <a:srgbClr val="000000"/>
-        </a:dk1>
-        <a:lt1>
-          <a:srgbClr val="FFFFCC"/>
-        </a:lt1>
-        <a:dk2>
-          <a:srgbClr val="999933"/>
-        </a:dk2>
-        <a:lt2>
-          <a:srgbClr val="808000"/>
-        </a:lt2>
-        <a:accent1>
-          <a:srgbClr val="339933"/>
-        </a:accent1>
-        <a:accent2>
-          <a:srgbClr val="800000"/>
-        </a:accent2>
-        <a:accent3>
-          <a:srgbClr val="FFFFE2"/>
-        </a:accent3>
-        <a:accent4>
-          <a:srgbClr val="000000"/>
-        </a:accent4>
-        <a:accent5>
-          <a:srgbClr val="ADCAAD"/>
-        </a:accent5>
-        <a:accent6>
-          <a:srgbClr val="730000"/>
-        </a:accent6>
-        <a:hlink>
-          <a:srgbClr val="0033CC"/>
-        </a:hlink>
-        <a:folHlink>
-          <a:srgbClr val="FFCC66"/>
-        </a:folHlink>
-      </a:clrScheme>
-      <a:clrMap bg1="lt1" tx1="dk1" bg2="lt2" tx2="dk2" accent1="accent1" accent2="accent2" accent3="accent3" accent4="accent4" accent5="accent5" accent6="accent6" hlink="hlink" folHlink="folHlink"/>
-    </a:extraClrScheme>
-    <a:extraClrScheme>
-      <a:clrScheme name="Office Theme 4">
-        <a:dk1>
-          <a:srgbClr val="000000"/>
-        </a:dk1>
-        <a:lt1>
-          <a:srgbClr val="FFFFFF"/>
-        </a:lt1>
-        <a:dk2>
-          <a:srgbClr val="000000"/>
-        </a:dk2>
-        <a:lt2>
-          <a:srgbClr val="393939"/>
-        </a:lt2>
-        <a:accent1>
-          <a:srgbClr val="CBCBCB"/>
-        </a:accent1>
-        <a:accent2>
-          <a:srgbClr val="868686"/>
-        </a:accent2>
-        <a:accent3>
-          <a:srgbClr val="FFFFFF"/>
-        </a:accent3>
-        <a:accent4>
-          <a:srgbClr val="000000"/>
-        </a:accent4>
-        <a:accent5>
-          <a:srgbClr val="E2E2E2"/>
-        </a:accent5>
-        <a:accent6>
-          <a:srgbClr val="797979"/>
-        </a:accent6>
-        <a:hlink>
-          <a:srgbClr val="4D4D4D"/>
-        </a:hlink>
-        <a:folHlink>
-          <a:srgbClr val="EAEAEA"/>
-        </a:folHlink>
-      </a:clrScheme>
-      <a:clrMap bg1="lt1" tx1="dk1" bg2="lt2" tx2="dk2" accent1="accent1" accent2="accent2" accent3="accent3" accent4="accent4" accent5="accent5" accent6="accent6" hlink="hlink" folHlink="folHlink"/>
-    </a:extraClrScheme>
-    <a:extraClrScheme>
-      <a:clrScheme name="Office Theme 5">
-        <a:dk1>
-          <a:srgbClr val="000000"/>
-        </a:dk1>
-        <a:lt1>
-          <a:srgbClr val="FFFFFF"/>
-        </a:lt1>
-        <a:dk2>
-          <a:srgbClr val="000000"/>
-        </a:dk2>
-        <a:lt2>
-          <a:srgbClr val="9F9F9F"/>
-        </a:lt2>
-        <a:accent1>
-          <a:srgbClr val="FFCC66"/>
-        </a:accent1>
-        <a:accent2>
-          <a:srgbClr val="0000FF"/>
-        </a:accent2>
-        <a:accent3>
-          <a:srgbClr val="FFFFFF"/>
-        </a:accent3>
-        <a:accent4>
-          <a:srgbClr val="000000"/>
-        </a:accent4>
-        <a:accent5>
-          <a:srgbClr val="FFE2B8"/>
-        </a:accent5>
-        <a:accent6>
-          <a:srgbClr val="0000E7"/>
-        </a:accent6>
-        <a:hlink>
-          <a:srgbClr val="CC00CC"/>
-        </a:hlink>
-        <a:folHlink>
-          <a:srgbClr val="C0C0C0"/>
-        </a:folHlink>
-      </a:clrScheme>
-      <a:clrMap bg1="lt1" tx1="dk1" bg2="lt2" tx2="dk2" accent1="accent1" accent2="accent2" accent3="accent3" accent4="accent4" accent5="accent5" accent6="accent6" hlink="hlink" folHlink="folHlink"/>
-    </a:extraClrScheme>
-    <a:extraClrScheme>
-      <a:clrScheme name="Office Theme 6">
-        <a:dk1>
-          <a:srgbClr val="000000"/>
-        </a:dk1>
-        <a:lt1>
-          <a:srgbClr val="FFFFFF"/>
-        </a:lt1>
-        <a:dk2>
-          <a:srgbClr val="000000"/>
-        </a:dk2>
-        <a:lt2>
-          <a:srgbClr val="868686"/>
-        </a:lt2>
-        <a:accent1>
-          <a:srgbClr val="CBCBCB"/>
-        </a:accent1>
-        <a:accent2>
-          <a:srgbClr val="0066FF"/>
-        </a:accent2>
-        <a:accent3>
-          <a:srgbClr val="FFFFFF"/>
-        </a:accent3>
-        <a:accent4>
-          <a:srgbClr val="000000"/>
-        </a:accent4>
-        <a:accent5>
-          <a:srgbClr val="E2E2E2"/>
-        </a:accent5>
-        <a:accent6>
-          <a:srgbClr val="005CE7"/>
-        </a:accent6>
-        <a:hlink>
-          <a:srgbClr val="FF0033"/>
-        </a:hlink>
-        <a:folHlink>
-          <a:srgbClr val="009900"/>
-        </a:folHlink>
-      </a:clrScheme>
-      <a:clrMap bg1="lt1" tx1="dk1" bg2="lt2" tx2="dk2" accent1="accent1" accent2="accent2" accent3="accent3" accent4="accent4" accent5="accent5" accent6="accent6" hlink="hlink" folHlink="folHlink"/>
-    </a:extraClrScheme>
-    <a:extraClrScheme>
-      <a:clrScheme name="Office Theme 7">
-        <a:dk1>
-          <a:srgbClr val="000000"/>
-        </a:dk1>
-        <a:lt1>
-          <a:srgbClr val="FFFFFF"/>
-        </a:lt1>
-        <a:dk2>
-          <a:srgbClr val="000000"/>
-        </a:dk2>
-        <a:lt2>
-          <a:srgbClr val="969696"/>
-        </a:lt2>
-        <a:accent1>
-          <a:srgbClr val="3399FF"/>
-        </a:accent1>
-        <a:accent2>
-          <a:srgbClr val="99FFCC"/>
-        </a:accent2>
-        <a:accent3>
-          <a:srgbClr val="FFFFFF"/>
-        </a:accent3>
-        <a:accent4>
-          <a:srgbClr val="000000"/>
-        </a:accent4>
-        <a:accent5>
-          <a:srgbClr val="ADCAFF"/>
-        </a:accent5>
-        <a:accent6>
-          <a:srgbClr val="8AE7B9"/>
-        </a:accent6>
-        <a:hlink>
-          <a:srgbClr val="CC00CC"/>
-        </a:hlink>
-        <a:folHlink>
-          <a:srgbClr val="B2B2B2"/>
-        </a:folHlink>
-      </a:clrScheme>
-      <a:clrMap bg1="lt1" tx1="dk1" bg2="lt2" tx2="dk2" accent1="accent1" accent2="accent2" accent3="accent3" accent4="accent4" accent5="accent5" accent6="accent6" hlink="hlink" folHlink="folHlink"/>
-    </a:extraClrScheme>
-  </a:extraClrSchemeLst>
+  <a:extraClrSchemeLst/>
 </a:theme>
 </file>
 
